--- a/thesis/slides.pptx
+++ b/thesis/slides.pptx
@@ -5,58 +5,59 @@
     <p:sldMasterId id="2147483658" r:id="rId1"/>
   </p:sldMasterIdLst>
   <p:notesMasterIdLst>
-    <p:notesMasterId r:id="rId34"/>
+    <p:notesMasterId r:id="rId35"/>
   </p:notesMasterIdLst>
   <p:sldIdLst>
     <p:sldId id="256" r:id="rId2"/>
-    <p:sldId id="290" r:id="rId3"/>
-    <p:sldId id="285" r:id="rId4"/>
-    <p:sldId id="292" r:id="rId5"/>
-    <p:sldId id="293" r:id="rId6"/>
-    <p:sldId id="291" r:id="rId7"/>
-    <p:sldId id="294" r:id="rId8"/>
-    <p:sldId id="295" r:id="rId9"/>
-    <p:sldId id="287" r:id="rId10"/>
-    <p:sldId id="304" r:id="rId11"/>
-    <p:sldId id="296" r:id="rId12"/>
-    <p:sldId id="297" r:id="rId13"/>
-    <p:sldId id="298" r:id="rId14"/>
-    <p:sldId id="303" r:id="rId15"/>
-    <p:sldId id="302" r:id="rId16"/>
-    <p:sldId id="305" r:id="rId17"/>
-    <p:sldId id="301" r:id="rId18"/>
-    <p:sldId id="300" r:id="rId19"/>
-    <p:sldId id="306" r:id="rId20"/>
-    <p:sldId id="307" r:id="rId21"/>
-    <p:sldId id="308" r:id="rId22"/>
-    <p:sldId id="309" r:id="rId23"/>
-    <p:sldId id="310" r:id="rId24"/>
-    <p:sldId id="311" r:id="rId25"/>
-    <p:sldId id="312" r:id="rId26"/>
-    <p:sldId id="313" r:id="rId27"/>
-    <p:sldId id="289" r:id="rId28"/>
-    <p:sldId id="314" r:id="rId29"/>
-    <p:sldId id="315" r:id="rId30"/>
-    <p:sldId id="316" r:id="rId31"/>
-    <p:sldId id="280" r:id="rId32"/>
-    <p:sldId id="281" r:id="rId33"/>
+    <p:sldId id="317" r:id="rId3"/>
+    <p:sldId id="290" r:id="rId4"/>
+    <p:sldId id="285" r:id="rId5"/>
+    <p:sldId id="292" r:id="rId6"/>
+    <p:sldId id="293" r:id="rId7"/>
+    <p:sldId id="291" r:id="rId8"/>
+    <p:sldId id="294" r:id="rId9"/>
+    <p:sldId id="295" r:id="rId10"/>
+    <p:sldId id="287" r:id="rId11"/>
+    <p:sldId id="304" r:id="rId12"/>
+    <p:sldId id="296" r:id="rId13"/>
+    <p:sldId id="297" r:id="rId14"/>
+    <p:sldId id="298" r:id="rId15"/>
+    <p:sldId id="303" r:id="rId16"/>
+    <p:sldId id="302" r:id="rId17"/>
+    <p:sldId id="305" r:id="rId18"/>
+    <p:sldId id="301" r:id="rId19"/>
+    <p:sldId id="300" r:id="rId20"/>
+    <p:sldId id="306" r:id="rId21"/>
+    <p:sldId id="307" r:id="rId22"/>
+    <p:sldId id="308" r:id="rId23"/>
+    <p:sldId id="309" r:id="rId24"/>
+    <p:sldId id="310" r:id="rId25"/>
+    <p:sldId id="311" r:id="rId26"/>
+    <p:sldId id="312" r:id="rId27"/>
+    <p:sldId id="313" r:id="rId28"/>
+    <p:sldId id="289" r:id="rId29"/>
+    <p:sldId id="314" r:id="rId30"/>
+    <p:sldId id="315" r:id="rId31"/>
+    <p:sldId id="316" r:id="rId32"/>
+    <p:sldId id="280" r:id="rId33"/>
+    <p:sldId id="281" r:id="rId34"/>
   </p:sldIdLst>
   <p:sldSz cx="9144000" cy="5143500" type="screen16x9"/>
   <p:notesSz cx="6858000" cy="9144000"/>
   <p:embeddedFontLst>
     <p:embeddedFont>
       <p:font typeface="Lora" pitchFamily="2" charset="77"/>
-      <p:regular r:id="rId35"/>
-      <p:bold r:id="rId36"/>
-      <p:italic r:id="rId37"/>
-      <p:boldItalic r:id="rId38"/>
+      <p:regular r:id="rId36"/>
+      <p:bold r:id="rId37"/>
+      <p:italic r:id="rId38"/>
+      <p:boldItalic r:id="rId39"/>
     </p:embeddedFont>
     <p:embeddedFont>
       <p:font typeface="Quattrocento Sans" panose="020B0502050000020003" pitchFamily="34" charset="0"/>
-      <p:regular r:id="rId39"/>
-      <p:bold r:id="rId40"/>
-      <p:italic r:id="rId41"/>
-      <p:boldItalic r:id="rId42"/>
+      <p:regular r:id="rId40"/>
+      <p:bold r:id="rId41"/>
+      <p:italic r:id="rId42"/>
+      <p:boldItalic r:id="rId43"/>
     </p:embeddedFont>
   </p:embeddedFontLst>
   <p:defaultTextStyle>
@@ -938,7 +939,7 @@
     </p:spTree>
     <p:extLst>
       <p:ext uri="{BB962C8B-B14F-4D97-AF65-F5344CB8AC3E}">
-        <p14:creationId xmlns:p14="http://schemas.microsoft.com/office/powerpoint/2010/main" val="111542222"/>
+        <p14:creationId xmlns:p14="http://schemas.microsoft.com/office/powerpoint/2010/main" val="4100603875"/>
       </p:ext>
     </p:extLst>
   </p:cSld>
@@ -1047,6 +1048,115 @@
     </p:spTree>
     <p:extLst>
       <p:ext uri="{BB962C8B-B14F-4D97-AF65-F5344CB8AC3E}">
+        <p14:creationId xmlns:p14="http://schemas.microsoft.com/office/powerpoint/2010/main" val="111542222"/>
+      </p:ext>
+    </p:extLst>
+  </p:cSld>
+  <p:clrMapOvr>
+    <a:masterClrMapping/>
+  </p:clrMapOvr>
+</p:notes>
+</file>
+
+<file path=ppt/notesSlides/notesSlide12.xml><?xml version="1.0" encoding="utf-8"?>
+<p:notes xmlns:a="http://schemas.openxmlformats.org/drawingml/2006/main" xmlns:r="http://schemas.openxmlformats.org/officeDocument/2006/relationships" xmlns:p="http://schemas.openxmlformats.org/presentationml/2006/main" showMasterSp="0" showMasterPhAnim="0">
+  <p:cSld>
+    <p:spTree>
+      <p:nvGrpSpPr>
+        <p:cNvPr id="1" name="Shape 153"/>
+        <p:cNvGrpSpPr/>
+        <p:nvPr/>
+      </p:nvGrpSpPr>
+      <p:grpSpPr>
+        <a:xfrm>
+          <a:off x="0" y="0"/>
+          <a:ext cx="0" cy="0"/>
+          <a:chOff x="0" y="0"/>
+          <a:chExt cx="0" cy="0"/>
+        </a:xfrm>
+      </p:grpSpPr>
+      <p:sp>
+        <p:nvSpPr>
+          <p:cNvPr id="154" name="Shape 154"/>
+          <p:cNvSpPr>
+            <a:spLocks noGrp="1" noRot="1" noChangeAspect="1"/>
+          </p:cNvSpPr>
+          <p:nvPr>
+            <p:ph type="sldImg" idx="2"/>
+          </p:nvPr>
+        </p:nvSpPr>
+        <p:spPr>
+          <a:xfrm>
+            <a:off x="381000" y="685800"/>
+            <a:ext cx="6096000" cy="3429000"/>
+          </a:xfrm>
+          <a:custGeom>
+            <a:avLst/>
+            <a:gdLst/>
+            <a:ahLst/>
+            <a:cxnLst/>
+            <a:rect l="0" t="0" r="0" b="0"/>
+            <a:pathLst>
+              <a:path w="120000" h="120000" extrusionOk="0">
+                <a:moveTo>
+                  <a:pt x="0" y="0"/>
+                </a:moveTo>
+                <a:lnTo>
+                  <a:pt x="120000" y="0"/>
+                </a:lnTo>
+                <a:lnTo>
+                  <a:pt x="120000" y="120000"/>
+                </a:lnTo>
+                <a:lnTo>
+                  <a:pt x="0" y="120000"/>
+                </a:lnTo>
+                <a:close/>
+              </a:path>
+            </a:pathLst>
+          </a:custGeom>
+        </p:spPr>
+      </p:sp>
+      <p:sp>
+        <p:nvSpPr>
+          <p:cNvPr id="155" name="Shape 155"/>
+          <p:cNvSpPr txBox="1">
+            <a:spLocks noGrp="1"/>
+          </p:cNvSpPr>
+          <p:nvPr>
+            <p:ph type="body" idx="1"/>
+          </p:nvPr>
+        </p:nvSpPr>
+        <p:spPr>
+          <a:xfrm>
+            <a:off x="685800" y="4343400"/>
+            <a:ext cx="5486400" cy="4114800"/>
+          </a:xfrm>
+          <a:prstGeom prst="rect">
+            <a:avLst/>
+          </a:prstGeom>
+        </p:spPr>
+        <p:txBody>
+          <a:bodyPr spcFirstLastPara="1" wrap="square" lIns="91425" tIns="91425" rIns="91425" bIns="91425" anchor="t" anchorCtr="0">
+            <a:noAutofit/>
+          </a:bodyPr>
+          <a:lstStyle/>
+          <a:p>
+            <a:pPr marL="0" lvl="0" indent="0">
+              <a:spcBef>
+                <a:spcPts val="0"/>
+              </a:spcBef>
+              <a:spcAft>
+                <a:spcPts val="0"/>
+              </a:spcAft>
+              <a:buNone/>
+            </a:pPr>
+            <a:endParaRPr dirty="0"/>
+          </a:p>
+        </p:txBody>
+      </p:sp>
+    </p:spTree>
+    <p:extLst>
+      <p:ext uri="{BB962C8B-B14F-4D97-AF65-F5344CB8AC3E}">
         <p14:creationId xmlns:p14="http://schemas.microsoft.com/office/powerpoint/2010/main" val="700835479"/>
       </p:ext>
     </p:extLst>
@@ -1057,7 +1167,7 @@
 </p:notes>
 </file>
 
-<file path=ppt/notesSlides/notesSlide12.xml><?xml version="1.0" encoding="utf-8"?>
+<file path=ppt/notesSlides/notesSlide13.xml><?xml version="1.0" encoding="utf-8"?>
 <p:notes xmlns:a="http://schemas.openxmlformats.org/drawingml/2006/main" xmlns:r="http://schemas.openxmlformats.org/officeDocument/2006/relationships" xmlns:p="http://schemas.openxmlformats.org/presentationml/2006/main" showMasterSp="0" showMasterPhAnim="0">
   <p:cSld>
     <p:spTree>
@@ -1157,115 +1267,6 @@
     <p:extLst>
       <p:ext uri="{BB962C8B-B14F-4D97-AF65-F5344CB8AC3E}">
         <p14:creationId xmlns:p14="http://schemas.microsoft.com/office/powerpoint/2010/main" val="3982809526"/>
-      </p:ext>
-    </p:extLst>
-  </p:cSld>
-  <p:clrMapOvr>
-    <a:masterClrMapping/>
-  </p:clrMapOvr>
-</p:notes>
-</file>
-
-<file path=ppt/notesSlides/notesSlide13.xml><?xml version="1.0" encoding="utf-8"?>
-<p:notes xmlns:a="http://schemas.openxmlformats.org/drawingml/2006/main" xmlns:r="http://schemas.openxmlformats.org/officeDocument/2006/relationships" xmlns:p="http://schemas.openxmlformats.org/presentationml/2006/main" showMasterSp="0" showMasterPhAnim="0">
-  <p:cSld>
-    <p:spTree>
-      <p:nvGrpSpPr>
-        <p:cNvPr id="1" name="Shape 153"/>
-        <p:cNvGrpSpPr/>
-        <p:nvPr/>
-      </p:nvGrpSpPr>
-      <p:grpSpPr>
-        <a:xfrm>
-          <a:off x="0" y="0"/>
-          <a:ext cx="0" cy="0"/>
-          <a:chOff x="0" y="0"/>
-          <a:chExt cx="0" cy="0"/>
-        </a:xfrm>
-      </p:grpSpPr>
-      <p:sp>
-        <p:nvSpPr>
-          <p:cNvPr id="154" name="Shape 154"/>
-          <p:cNvSpPr>
-            <a:spLocks noGrp="1" noRot="1" noChangeAspect="1"/>
-          </p:cNvSpPr>
-          <p:nvPr>
-            <p:ph type="sldImg" idx="2"/>
-          </p:nvPr>
-        </p:nvSpPr>
-        <p:spPr>
-          <a:xfrm>
-            <a:off x="381000" y="685800"/>
-            <a:ext cx="6096000" cy="3429000"/>
-          </a:xfrm>
-          <a:custGeom>
-            <a:avLst/>
-            <a:gdLst/>
-            <a:ahLst/>
-            <a:cxnLst/>
-            <a:rect l="0" t="0" r="0" b="0"/>
-            <a:pathLst>
-              <a:path w="120000" h="120000" extrusionOk="0">
-                <a:moveTo>
-                  <a:pt x="0" y="0"/>
-                </a:moveTo>
-                <a:lnTo>
-                  <a:pt x="120000" y="0"/>
-                </a:lnTo>
-                <a:lnTo>
-                  <a:pt x="120000" y="120000"/>
-                </a:lnTo>
-                <a:lnTo>
-                  <a:pt x="0" y="120000"/>
-                </a:lnTo>
-                <a:close/>
-              </a:path>
-            </a:pathLst>
-          </a:custGeom>
-        </p:spPr>
-      </p:sp>
-      <p:sp>
-        <p:nvSpPr>
-          <p:cNvPr id="155" name="Shape 155"/>
-          <p:cNvSpPr txBox="1">
-            <a:spLocks noGrp="1"/>
-          </p:cNvSpPr>
-          <p:nvPr>
-            <p:ph type="body" idx="1"/>
-          </p:nvPr>
-        </p:nvSpPr>
-        <p:spPr>
-          <a:xfrm>
-            <a:off x="685800" y="4343400"/>
-            <a:ext cx="5486400" cy="4114800"/>
-          </a:xfrm>
-          <a:prstGeom prst="rect">
-            <a:avLst/>
-          </a:prstGeom>
-        </p:spPr>
-        <p:txBody>
-          <a:bodyPr spcFirstLastPara="1" wrap="square" lIns="91425" tIns="91425" rIns="91425" bIns="91425" anchor="t" anchorCtr="0">
-            <a:noAutofit/>
-          </a:bodyPr>
-          <a:lstStyle/>
-          <a:p>
-            <a:pPr marL="0" lvl="0" indent="0">
-              <a:spcBef>
-                <a:spcPts val="0"/>
-              </a:spcBef>
-              <a:spcAft>
-                <a:spcPts val="0"/>
-              </a:spcAft>
-              <a:buNone/>
-            </a:pPr>
-            <a:endParaRPr dirty="0"/>
-          </a:p>
-        </p:txBody>
-      </p:sp>
-    </p:spTree>
-    <p:extLst>
-      <p:ext uri="{BB962C8B-B14F-4D97-AF65-F5344CB8AC3E}">
-        <p14:creationId xmlns:p14="http://schemas.microsoft.com/office/powerpoint/2010/main" val="226289131"/>
       </p:ext>
     </p:extLst>
   </p:cSld>
@@ -1374,7 +1375,7 @@
     </p:spTree>
     <p:extLst>
       <p:ext uri="{BB962C8B-B14F-4D97-AF65-F5344CB8AC3E}">
-        <p14:creationId xmlns:p14="http://schemas.microsoft.com/office/powerpoint/2010/main" val="3397884550"/>
+        <p14:creationId xmlns:p14="http://schemas.microsoft.com/office/powerpoint/2010/main" val="226289131"/>
       </p:ext>
     </p:extLst>
   </p:cSld>
@@ -1483,6 +1484,115 @@
     </p:spTree>
     <p:extLst>
       <p:ext uri="{BB962C8B-B14F-4D97-AF65-F5344CB8AC3E}">
+        <p14:creationId xmlns:p14="http://schemas.microsoft.com/office/powerpoint/2010/main" val="3397884550"/>
+      </p:ext>
+    </p:extLst>
+  </p:cSld>
+  <p:clrMapOvr>
+    <a:masterClrMapping/>
+  </p:clrMapOvr>
+</p:notes>
+</file>
+
+<file path=ppt/notesSlides/notesSlide16.xml><?xml version="1.0" encoding="utf-8"?>
+<p:notes xmlns:a="http://schemas.openxmlformats.org/drawingml/2006/main" xmlns:r="http://schemas.openxmlformats.org/officeDocument/2006/relationships" xmlns:p="http://schemas.openxmlformats.org/presentationml/2006/main" showMasterSp="0" showMasterPhAnim="0">
+  <p:cSld>
+    <p:spTree>
+      <p:nvGrpSpPr>
+        <p:cNvPr id="1" name="Shape 153"/>
+        <p:cNvGrpSpPr/>
+        <p:nvPr/>
+      </p:nvGrpSpPr>
+      <p:grpSpPr>
+        <a:xfrm>
+          <a:off x="0" y="0"/>
+          <a:ext cx="0" cy="0"/>
+          <a:chOff x="0" y="0"/>
+          <a:chExt cx="0" cy="0"/>
+        </a:xfrm>
+      </p:grpSpPr>
+      <p:sp>
+        <p:nvSpPr>
+          <p:cNvPr id="154" name="Shape 154"/>
+          <p:cNvSpPr>
+            <a:spLocks noGrp="1" noRot="1" noChangeAspect="1"/>
+          </p:cNvSpPr>
+          <p:nvPr>
+            <p:ph type="sldImg" idx="2"/>
+          </p:nvPr>
+        </p:nvSpPr>
+        <p:spPr>
+          <a:xfrm>
+            <a:off x="381000" y="685800"/>
+            <a:ext cx="6096000" cy="3429000"/>
+          </a:xfrm>
+          <a:custGeom>
+            <a:avLst/>
+            <a:gdLst/>
+            <a:ahLst/>
+            <a:cxnLst/>
+            <a:rect l="0" t="0" r="0" b="0"/>
+            <a:pathLst>
+              <a:path w="120000" h="120000" extrusionOk="0">
+                <a:moveTo>
+                  <a:pt x="0" y="0"/>
+                </a:moveTo>
+                <a:lnTo>
+                  <a:pt x="120000" y="0"/>
+                </a:lnTo>
+                <a:lnTo>
+                  <a:pt x="120000" y="120000"/>
+                </a:lnTo>
+                <a:lnTo>
+                  <a:pt x="0" y="120000"/>
+                </a:lnTo>
+                <a:close/>
+              </a:path>
+            </a:pathLst>
+          </a:custGeom>
+        </p:spPr>
+      </p:sp>
+      <p:sp>
+        <p:nvSpPr>
+          <p:cNvPr id="155" name="Shape 155"/>
+          <p:cNvSpPr txBox="1">
+            <a:spLocks noGrp="1"/>
+          </p:cNvSpPr>
+          <p:nvPr>
+            <p:ph type="body" idx="1"/>
+          </p:nvPr>
+        </p:nvSpPr>
+        <p:spPr>
+          <a:xfrm>
+            <a:off x="685800" y="4343400"/>
+            <a:ext cx="5486400" cy="4114800"/>
+          </a:xfrm>
+          <a:prstGeom prst="rect">
+            <a:avLst/>
+          </a:prstGeom>
+        </p:spPr>
+        <p:txBody>
+          <a:bodyPr spcFirstLastPara="1" wrap="square" lIns="91425" tIns="91425" rIns="91425" bIns="91425" anchor="t" anchorCtr="0">
+            <a:noAutofit/>
+          </a:bodyPr>
+          <a:lstStyle/>
+          <a:p>
+            <a:pPr marL="0" lvl="0" indent="0">
+              <a:spcBef>
+                <a:spcPts val="0"/>
+              </a:spcBef>
+              <a:spcAft>
+                <a:spcPts val="0"/>
+              </a:spcAft>
+              <a:buNone/>
+            </a:pPr>
+            <a:endParaRPr dirty="0"/>
+          </a:p>
+        </p:txBody>
+      </p:sp>
+    </p:spTree>
+    <p:extLst>
+      <p:ext uri="{BB962C8B-B14F-4D97-AF65-F5344CB8AC3E}">
         <p14:creationId xmlns:p14="http://schemas.microsoft.com/office/powerpoint/2010/main" val="3180307648"/>
       </p:ext>
     </p:extLst>
@@ -1493,7 +1603,7 @@
 </p:notes>
 </file>
 
-<file path=ppt/notesSlides/notesSlide16.xml><?xml version="1.0" encoding="utf-8"?>
+<file path=ppt/notesSlides/notesSlide17.xml><?xml version="1.0" encoding="utf-8"?>
 <p:notes xmlns:a="http://schemas.openxmlformats.org/drawingml/2006/main" xmlns:r="http://schemas.openxmlformats.org/officeDocument/2006/relationships" xmlns:p="http://schemas.openxmlformats.org/presentationml/2006/main" showMasterSp="0" showMasterPhAnim="0">
   <p:cSld>
     <p:spTree>
@@ -1593,115 +1703,6 @@
     <p:extLst>
       <p:ext uri="{BB962C8B-B14F-4D97-AF65-F5344CB8AC3E}">
         <p14:creationId xmlns:p14="http://schemas.microsoft.com/office/powerpoint/2010/main" val="690573198"/>
-      </p:ext>
-    </p:extLst>
-  </p:cSld>
-  <p:clrMapOvr>
-    <a:masterClrMapping/>
-  </p:clrMapOvr>
-</p:notes>
-</file>
-
-<file path=ppt/notesSlides/notesSlide17.xml><?xml version="1.0" encoding="utf-8"?>
-<p:notes xmlns:a="http://schemas.openxmlformats.org/drawingml/2006/main" xmlns:r="http://schemas.openxmlformats.org/officeDocument/2006/relationships" xmlns:p="http://schemas.openxmlformats.org/presentationml/2006/main" showMasterSp="0" showMasterPhAnim="0">
-  <p:cSld>
-    <p:spTree>
-      <p:nvGrpSpPr>
-        <p:cNvPr id="1" name="Shape 153"/>
-        <p:cNvGrpSpPr/>
-        <p:nvPr/>
-      </p:nvGrpSpPr>
-      <p:grpSpPr>
-        <a:xfrm>
-          <a:off x="0" y="0"/>
-          <a:ext cx="0" cy="0"/>
-          <a:chOff x="0" y="0"/>
-          <a:chExt cx="0" cy="0"/>
-        </a:xfrm>
-      </p:grpSpPr>
-      <p:sp>
-        <p:nvSpPr>
-          <p:cNvPr id="154" name="Shape 154"/>
-          <p:cNvSpPr>
-            <a:spLocks noGrp="1" noRot="1" noChangeAspect="1"/>
-          </p:cNvSpPr>
-          <p:nvPr>
-            <p:ph type="sldImg" idx="2"/>
-          </p:nvPr>
-        </p:nvSpPr>
-        <p:spPr>
-          <a:xfrm>
-            <a:off x="381000" y="685800"/>
-            <a:ext cx="6096000" cy="3429000"/>
-          </a:xfrm>
-          <a:custGeom>
-            <a:avLst/>
-            <a:gdLst/>
-            <a:ahLst/>
-            <a:cxnLst/>
-            <a:rect l="0" t="0" r="0" b="0"/>
-            <a:pathLst>
-              <a:path w="120000" h="120000" extrusionOk="0">
-                <a:moveTo>
-                  <a:pt x="0" y="0"/>
-                </a:moveTo>
-                <a:lnTo>
-                  <a:pt x="120000" y="0"/>
-                </a:lnTo>
-                <a:lnTo>
-                  <a:pt x="120000" y="120000"/>
-                </a:lnTo>
-                <a:lnTo>
-                  <a:pt x="0" y="120000"/>
-                </a:lnTo>
-                <a:close/>
-              </a:path>
-            </a:pathLst>
-          </a:custGeom>
-        </p:spPr>
-      </p:sp>
-      <p:sp>
-        <p:nvSpPr>
-          <p:cNvPr id="155" name="Shape 155"/>
-          <p:cNvSpPr txBox="1">
-            <a:spLocks noGrp="1"/>
-          </p:cNvSpPr>
-          <p:nvPr>
-            <p:ph type="body" idx="1"/>
-          </p:nvPr>
-        </p:nvSpPr>
-        <p:spPr>
-          <a:xfrm>
-            <a:off x="685800" y="4343400"/>
-            <a:ext cx="5486400" cy="4114800"/>
-          </a:xfrm>
-          <a:prstGeom prst="rect">
-            <a:avLst/>
-          </a:prstGeom>
-        </p:spPr>
-        <p:txBody>
-          <a:bodyPr spcFirstLastPara="1" wrap="square" lIns="91425" tIns="91425" rIns="91425" bIns="91425" anchor="t" anchorCtr="0">
-            <a:noAutofit/>
-          </a:bodyPr>
-          <a:lstStyle/>
-          <a:p>
-            <a:pPr marL="0" lvl="0" indent="0">
-              <a:spcBef>
-                <a:spcPts val="0"/>
-              </a:spcBef>
-              <a:spcAft>
-                <a:spcPts val="0"/>
-              </a:spcAft>
-              <a:buNone/>
-            </a:pPr>
-            <a:endParaRPr dirty="0"/>
-          </a:p>
-        </p:txBody>
-      </p:sp>
-    </p:spTree>
-    <p:extLst>
-      <p:ext uri="{BB962C8B-B14F-4D97-AF65-F5344CB8AC3E}">
-        <p14:creationId xmlns:p14="http://schemas.microsoft.com/office/powerpoint/2010/main" val="2734279693"/>
       </p:ext>
     </p:extLst>
   </p:cSld>
@@ -1810,7 +1811,7 @@
     </p:spTree>
     <p:extLst>
       <p:ext uri="{BB962C8B-B14F-4D97-AF65-F5344CB8AC3E}">
-        <p14:creationId xmlns:p14="http://schemas.microsoft.com/office/powerpoint/2010/main" val="3349932491"/>
+        <p14:creationId xmlns:p14="http://schemas.microsoft.com/office/powerpoint/2010/main" val="2734279693"/>
       </p:ext>
     </p:extLst>
   </p:cSld>
@@ -1919,7 +1920,7 @@
     </p:spTree>
     <p:extLst>
       <p:ext uri="{BB962C8B-B14F-4D97-AF65-F5344CB8AC3E}">
-        <p14:creationId xmlns:p14="http://schemas.microsoft.com/office/powerpoint/2010/main" val="2127214938"/>
+        <p14:creationId xmlns:p14="http://schemas.microsoft.com/office/powerpoint/2010/main" val="3349932491"/>
       </p:ext>
     </p:extLst>
   </p:cSld>
@@ -1934,7 +1935,7 @@
   <p:cSld>
     <p:spTree>
       <p:nvGrpSpPr>
-        <p:cNvPr id="1" name="Shape 120"/>
+        <p:cNvPr id="1" name="Shape 67"/>
         <p:cNvGrpSpPr/>
         <p:nvPr/>
       </p:nvGrpSpPr>
@@ -1948,7 +1949,7 @@
       </p:grpSpPr>
       <p:sp>
         <p:nvSpPr>
-          <p:cNvPr id="121" name="Shape 121"/>
+          <p:cNvPr id="68" name="Shape 68"/>
           <p:cNvSpPr>
             <a:spLocks noGrp="1" noRot="1" noChangeAspect="1"/>
           </p:cNvSpPr>
@@ -1989,7 +1990,7 @@
       </p:sp>
       <p:sp>
         <p:nvSpPr>
-          <p:cNvPr id="122" name="Shape 122"/>
+          <p:cNvPr id="69" name="Shape 69"/>
           <p:cNvSpPr txBox="1">
             <a:spLocks noGrp="1"/>
           </p:cNvSpPr>
@@ -2021,14 +2022,14 @@
               </a:spcAft>
               <a:buNone/>
             </a:pPr>
-            <a:endParaRPr/>
+            <a:endParaRPr dirty="0"/>
           </a:p>
         </p:txBody>
       </p:sp>
     </p:spTree>
     <p:extLst>
       <p:ext uri="{BB962C8B-B14F-4D97-AF65-F5344CB8AC3E}">
-        <p14:creationId xmlns:p14="http://schemas.microsoft.com/office/powerpoint/2010/main" val="2304506880"/>
+        <p14:creationId xmlns:p14="http://schemas.microsoft.com/office/powerpoint/2010/main" val="213578943"/>
       </p:ext>
     </p:extLst>
   </p:cSld>
@@ -2137,7 +2138,7 @@
     </p:spTree>
     <p:extLst>
       <p:ext uri="{BB962C8B-B14F-4D97-AF65-F5344CB8AC3E}">
-        <p14:creationId xmlns:p14="http://schemas.microsoft.com/office/powerpoint/2010/main" val="2067285164"/>
+        <p14:creationId xmlns:p14="http://schemas.microsoft.com/office/powerpoint/2010/main" val="2127214938"/>
       </p:ext>
     </p:extLst>
   </p:cSld>
@@ -2246,7 +2247,7 @@
     </p:spTree>
     <p:extLst>
       <p:ext uri="{BB962C8B-B14F-4D97-AF65-F5344CB8AC3E}">
-        <p14:creationId xmlns:p14="http://schemas.microsoft.com/office/powerpoint/2010/main" val="2516017645"/>
+        <p14:creationId xmlns:p14="http://schemas.microsoft.com/office/powerpoint/2010/main" val="2067285164"/>
       </p:ext>
     </p:extLst>
   </p:cSld>
@@ -2355,7 +2356,7 @@
     </p:spTree>
     <p:extLst>
       <p:ext uri="{BB962C8B-B14F-4D97-AF65-F5344CB8AC3E}">
-        <p14:creationId xmlns:p14="http://schemas.microsoft.com/office/powerpoint/2010/main" val="118224611"/>
+        <p14:creationId xmlns:p14="http://schemas.microsoft.com/office/powerpoint/2010/main" val="2516017645"/>
       </p:ext>
     </p:extLst>
   </p:cSld>
@@ -2464,7 +2465,7 @@
     </p:spTree>
     <p:extLst>
       <p:ext uri="{BB962C8B-B14F-4D97-AF65-F5344CB8AC3E}">
-        <p14:creationId xmlns:p14="http://schemas.microsoft.com/office/powerpoint/2010/main" val="2724648749"/>
+        <p14:creationId xmlns:p14="http://schemas.microsoft.com/office/powerpoint/2010/main" val="118224611"/>
       </p:ext>
     </p:extLst>
   </p:cSld>
@@ -2573,6 +2574,115 @@
     </p:spTree>
     <p:extLst>
       <p:ext uri="{BB962C8B-B14F-4D97-AF65-F5344CB8AC3E}">
+        <p14:creationId xmlns:p14="http://schemas.microsoft.com/office/powerpoint/2010/main" val="2724648749"/>
+      </p:ext>
+    </p:extLst>
+  </p:cSld>
+  <p:clrMapOvr>
+    <a:masterClrMapping/>
+  </p:clrMapOvr>
+</p:notes>
+</file>
+
+<file path=ppt/notesSlides/notesSlide25.xml><?xml version="1.0" encoding="utf-8"?>
+<p:notes xmlns:a="http://schemas.openxmlformats.org/drawingml/2006/main" xmlns:r="http://schemas.openxmlformats.org/officeDocument/2006/relationships" xmlns:p="http://schemas.openxmlformats.org/presentationml/2006/main" showMasterSp="0" showMasterPhAnim="0">
+  <p:cSld>
+    <p:spTree>
+      <p:nvGrpSpPr>
+        <p:cNvPr id="1" name="Shape 153"/>
+        <p:cNvGrpSpPr/>
+        <p:nvPr/>
+      </p:nvGrpSpPr>
+      <p:grpSpPr>
+        <a:xfrm>
+          <a:off x="0" y="0"/>
+          <a:ext cx="0" cy="0"/>
+          <a:chOff x="0" y="0"/>
+          <a:chExt cx="0" cy="0"/>
+        </a:xfrm>
+      </p:grpSpPr>
+      <p:sp>
+        <p:nvSpPr>
+          <p:cNvPr id="154" name="Shape 154"/>
+          <p:cNvSpPr>
+            <a:spLocks noGrp="1" noRot="1" noChangeAspect="1"/>
+          </p:cNvSpPr>
+          <p:nvPr>
+            <p:ph type="sldImg" idx="2"/>
+          </p:nvPr>
+        </p:nvSpPr>
+        <p:spPr>
+          <a:xfrm>
+            <a:off x="381000" y="685800"/>
+            <a:ext cx="6096000" cy="3429000"/>
+          </a:xfrm>
+          <a:custGeom>
+            <a:avLst/>
+            <a:gdLst/>
+            <a:ahLst/>
+            <a:cxnLst/>
+            <a:rect l="0" t="0" r="0" b="0"/>
+            <a:pathLst>
+              <a:path w="120000" h="120000" extrusionOk="0">
+                <a:moveTo>
+                  <a:pt x="0" y="0"/>
+                </a:moveTo>
+                <a:lnTo>
+                  <a:pt x="120000" y="0"/>
+                </a:lnTo>
+                <a:lnTo>
+                  <a:pt x="120000" y="120000"/>
+                </a:lnTo>
+                <a:lnTo>
+                  <a:pt x="0" y="120000"/>
+                </a:lnTo>
+                <a:close/>
+              </a:path>
+            </a:pathLst>
+          </a:custGeom>
+        </p:spPr>
+      </p:sp>
+      <p:sp>
+        <p:nvSpPr>
+          <p:cNvPr id="155" name="Shape 155"/>
+          <p:cNvSpPr txBox="1">
+            <a:spLocks noGrp="1"/>
+          </p:cNvSpPr>
+          <p:nvPr>
+            <p:ph type="body" idx="1"/>
+          </p:nvPr>
+        </p:nvSpPr>
+        <p:spPr>
+          <a:xfrm>
+            <a:off x="685800" y="4343400"/>
+            <a:ext cx="5486400" cy="4114800"/>
+          </a:xfrm>
+          <a:prstGeom prst="rect">
+            <a:avLst/>
+          </a:prstGeom>
+        </p:spPr>
+        <p:txBody>
+          <a:bodyPr spcFirstLastPara="1" wrap="square" lIns="91425" tIns="91425" rIns="91425" bIns="91425" anchor="t" anchorCtr="0">
+            <a:noAutofit/>
+          </a:bodyPr>
+          <a:lstStyle/>
+          <a:p>
+            <a:pPr marL="0" lvl="0" indent="0">
+              <a:spcBef>
+                <a:spcPts val="0"/>
+              </a:spcBef>
+              <a:spcAft>
+                <a:spcPts val="0"/>
+              </a:spcAft>
+              <a:buNone/>
+            </a:pPr>
+            <a:endParaRPr dirty="0"/>
+          </a:p>
+        </p:txBody>
+      </p:sp>
+    </p:spTree>
+    <p:extLst>
+      <p:ext uri="{BB962C8B-B14F-4D97-AF65-F5344CB8AC3E}">
         <p14:creationId xmlns:p14="http://schemas.microsoft.com/office/powerpoint/2010/main" val="1321858864"/>
       </p:ext>
     </p:extLst>
@@ -2583,7 +2693,7 @@
 </p:notes>
 </file>
 
-<file path=ppt/notesSlides/notesSlide25.xml><?xml version="1.0" encoding="utf-8"?>
+<file path=ppt/notesSlides/notesSlide26.xml><?xml version="1.0" encoding="utf-8"?>
 <p:notes xmlns:a="http://schemas.openxmlformats.org/drawingml/2006/main" xmlns:r="http://schemas.openxmlformats.org/officeDocument/2006/relationships" xmlns:p="http://schemas.openxmlformats.org/presentationml/2006/main" showMasterSp="0" showMasterPhAnim="0">
   <p:cSld>
     <p:spTree>
@@ -2683,115 +2793,6 @@
     <p:extLst>
       <p:ext uri="{BB962C8B-B14F-4D97-AF65-F5344CB8AC3E}">
         <p14:creationId xmlns:p14="http://schemas.microsoft.com/office/powerpoint/2010/main" val="3088123539"/>
-      </p:ext>
-    </p:extLst>
-  </p:cSld>
-  <p:clrMapOvr>
-    <a:masterClrMapping/>
-  </p:clrMapOvr>
-</p:notes>
-</file>
-
-<file path=ppt/notesSlides/notesSlide26.xml><?xml version="1.0" encoding="utf-8"?>
-<p:notes xmlns:a="http://schemas.openxmlformats.org/drawingml/2006/main" xmlns:r="http://schemas.openxmlformats.org/officeDocument/2006/relationships" xmlns:p="http://schemas.openxmlformats.org/presentationml/2006/main" showMasterSp="0" showMasterPhAnim="0">
-  <p:cSld>
-    <p:spTree>
-      <p:nvGrpSpPr>
-        <p:cNvPr id="1" name="Shape 153"/>
-        <p:cNvGrpSpPr/>
-        <p:nvPr/>
-      </p:nvGrpSpPr>
-      <p:grpSpPr>
-        <a:xfrm>
-          <a:off x="0" y="0"/>
-          <a:ext cx="0" cy="0"/>
-          <a:chOff x="0" y="0"/>
-          <a:chExt cx="0" cy="0"/>
-        </a:xfrm>
-      </p:grpSpPr>
-      <p:sp>
-        <p:nvSpPr>
-          <p:cNvPr id="154" name="Shape 154"/>
-          <p:cNvSpPr>
-            <a:spLocks noGrp="1" noRot="1" noChangeAspect="1"/>
-          </p:cNvSpPr>
-          <p:nvPr>
-            <p:ph type="sldImg" idx="2"/>
-          </p:nvPr>
-        </p:nvSpPr>
-        <p:spPr>
-          <a:xfrm>
-            <a:off x="381000" y="685800"/>
-            <a:ext cx="6096000" cy="3429000"/>
-          </a:xfrm>
-          <a:custGeom>
-            <a:avLst/>
-            <a:gdLst/>
-            <a:ahLst/>
-            <a:cxnLst/>
-            <a:rect l="0" t="0" r="0" b="0"/>
-            <a:pathLst>
-              <a:path w="120000" h="120000" extrusionOk="0">
-                <a:moveTo>
-                  <a:pt x="0" y="0"/>
-                </a:moveTo>
-                <a:lnTo>
-                  <a:pt x="120000" y="0"/>
-                </a:lnTo>
-                <a:lnTo>
-                  <a:pt x="120000" y="120000"/>
-                </a:lnTo>
-                <a:lnTo>
-                  <a:pt x="0" y="120000"/>
-                </a:lnTo>
-                <a:close/>
-              </a:path>
-            </a:pathLst>
-          </a:custGeom>
-        </p:spPr>
-      </p:sp>
-      <p:sp>
-        <p:nvSpPr>
-          <p:cNvPr id="155" name="Shape 155"/>
-          <p:cNvSpPr txBox="1">
-            <a:spLocks noGrp="1"/>
-          </p:cNvSpPr>
-          <p:nvPr>
-            <p:ph type="body" idx="1"/>
-          </p:nvPr>
-        </p:nvSpPr>
-        <p:spPr>
-          <a:xfrm>
-            <a:off x="685800" y="4343400"/>
-            <a:ext cx="5486400" cy="4114800"/>
-          </a:xfrm>
-          <a:prstGeom prst="rect">
-            <a:avLst/>
-          </a:prstGeom>
-        </p:spPr>
-        <p:txBody>
-          <a:bodyPr spcFirstLastPara="1" wrap="square" lIns="91425" tIns="91425" rIns="91425" bIns="91425" anchor="t" anchorCtr="0">
-            <a:noAutofit/>
-          </a:bodyPr>
-          <a:lstStyle/>
-          <a:p>
-            <a:pPr marL="0" lvl="0" indent="0">
-              <a:spcBef>
-                <a:spcPts val="0"/>
-              </a:spcBef>
-              <a:spcAft>
-                <a:spcPts val="0"/>
-              </a:spcAft>
-              <a:buNone/>
-            </a:pPr>
-            <a:endParaRPr dirty="0"/>
-          </a:p>
-        </p:txBody>
-      </p:sp>
-    </p:spTree>
-    <p:extLst>
-      <p:ext uri="{BB962C8B-B14F-4D97-AF65-F5344CB8AC3E}">
-        <p14:creationId xmlns:p14="http://schemas.microsoft.com/office/powerpoint/2010/main" val="2673382619"/>
       </p:ext>
     </p:extLst>
   </p:cSld>
@@ -2900,7 +2901,7 @@
     </p:spTree>
     <p:extLst>
       <p:ext uri="{BB962C8B-B14F-4D97-AF65-F5344CB8AC3E}">
-        <p14:creationId xmlns:p14="http://schemas.microsoft.com/office/powerpoint/2010/main" val="2787277768"/>
+        <p14:creationId xmlns:p14="http://schemas.microsoft.com/office/powerpoint/2010/main" val="2673382619"/>
       </p:ext>
     </p:extLst>
   </p:cSld>
@@ -3009,6 +3010,115 @@
     </p:spTree>
     <p:extLst>
       <p:ext uri="{BB962C8B-B14F-4D97-AF65-F5344CB8AC3E}">
+        <p14:creationId xmlns:p14="http://schemas.microsoft.com/office/powerpoint/2010/main" val="2787277768"/>
+      </p:ext>
+    </p:extLst>
+  </p:cSld>
+  <p:clrMapOvr>
+    <a:masterClrMapping/>
+  </p:clrMapOvr>
+</p:notes>
+</file>
+
+<file path=ppt/notesSlides/notesSlide29.xml><?xml version="1.0" encoding="utf-8"?>
+<p:notes xmlns:a="http://schemas.openxmlformats.org/drawingml/2006/main" xmlns:r="http://schemas.openxmlformats.org/officeDocument/2006/relationships" xmlns:p="http://schemas.openxmlformats.org/presentationml/2006/main" showMasterSp="0" showMasterPhAnim="0">
+  <p:cSld>
+    <p:spTree>
+      <p:nvGrpSpPr>
+        <p:cNvPr id="1" name="Shape 153"/>
+        <p:cNvGrpSpPr/>
+        <p:nvPr/>
+      </p:nvGrpSpPr>
+      <p:grpSpPr>
+        <a:xfrm>
+          <a:off x="0" y="0"/>
+          <a:ext cx="0" cy="0"/>
+          <a:chOff x="0" y="0"/>
+          <a:chExt cx="0" cy="0"/>
+        </a:xfrm>
+      </p:grpSpPr>
+      <p:sp>
+        <p:nvSpPr>
+          <p:cNvPr id="154" name="Shape 154"/>
+          <p:cNvSpPr>
+            <a:spLocks noGrp="1" noRot="1" noChangeAspect="1"/>
+          </p:cNvSpPr>
+          <p:nvPr>
+            <p:ph type="sldImg" idx="2"/>
+          </p:nvPr>
+        </p:nvSpPr>
+        <p:spPr>
+          <a:xfrm>
+            <a:off x="381000" y="685800"/>
+            <a:ext cx="6096000" cy="3429000"/>
+          </a:xfrm>
+          <a:custGeom>
+            <a:avLst/>
+            <a:gdLst/>
+            <a:ahLst/>
+            <a:cxnLst/>
+            <a:rect l="0" t="0" r="0" b="0"/>
+            <a:pathLst>
+              <a:path w="120000" h="120000" extrusionOk="0">
+                <a:moveTo>
+                  <a:pt x="0" y="0"/>
+                </a:moveTo>
+                <a:lnTo>
+                  <a:pt x="120000" y="0"/>
+                </a:lnTo>
+                <a:lnTo>
+                  <a:pt x="120000" y="120000"/>
+                </a:lnTo>
+                <a:lnTo>
+                  <a:pt x="0" y="120000"/>
+                </a:lnTo>
+                <a:close/>
+              </a:path>
+            </a:pathLst>
+          </a:custGeom>
+        </p:spPr>
+      </p:sp>
+      <p:sp>
+        <p:nvSpPr>
+          <p:cNvPr id="155" name="Shape 155"/>
+          <p:cNvSpPr txBox="1">
+            <a:spLocks noGrp="1"/>
+          </p:cNvSpPr>
+          <p:nvPr>
+            <p:ph type="body" idx="1"/>
+          </p:nvPr>
+        </p:nvSpPr>
+        <p:spPr>
+          <a:xfrm>
+            <a:off x="685800" y="4343400"/>
+            <a:ext cx="5486400" cy="4114800"/>
+          </a:xfrm>
+          <a:prstGeom prst="rect">
+            <a:avLst/>
+          </a:prstGeom>
+        </p:spPr>
+        <p:txBody>
+          <a:bodyPr spcFirstLastPara="1" wrap="square" lIns="91425" tIns="91425" rIns="91425" bIns="91425" anchor="t" anchorCtr="0">
+            <a:noAutofit/>
+          </a:bodyPr>
+          <a:lstStyle/>
+          <a:p>
+            <a:pPr marL="0" lvl="0" indent="0">
+              <a:spcBef>
+                <a:spcPts val="0"/>
+              </a:spcBef>
+              <a:spcAft>
+                <a:spcPts val="0"/>
+              </a:spcAft>
+              <a:buNone/>
+            </a:pPr>
+            <a:endParaRPr dirty="0"/>
+          </a:p>
+        </p:txBody>
+      </p:sp>
+    </p:spTree>
+    <p:extLst>
+      <p:ext uri="{BB962C8B-B14F-4D97-AF65-F5344CB8AC3E}">
         <p14:creationId xmlns:p14="http://schemas.microsoft.com/office/powerpoint/2010/main" val="1346953320"/>
       </p:ext>
     </p:extLst>
@@ -3019,7 +3129,116 @@
 </p:notes>
 </file>
 
-<file path=ppt/notesSlides/notesSlide29.xml><?xml version="1.0" encoding="utf-8"?>
+<file path=ppt/notesSlides/notesSlide3.xml><?xml version="1.0" encoding="utf-8"?>
+<p:notes xmlns:a="http://schemas.openxmlformats.org/drawingml/2006/main" xmlns:r="http://schemas.openxmlformats.org/officeDocument/2006/relationships" xmlns:p="http://schemas.openxmlformats.org/presentationml/2006/main" showMasterSp="0" showMasterPhAnim="0">
+  <p:cSld>
+    <p:spTree>
+      <p:nvGrpSpPr>
+        <p:cNvPr id="1" name="Shape 120"/>
+        <p:cNvGrpSpPr/>
+        <p:nvPr/>
+      </p:nvGrpSpPr>
+      <p:grpSpPr>
+        <a:xfrm>
+          <a:off x="0" y="0"/>
+          <a:ext cx="0" cy="0"/>
+          <a:chOff x="0" y="0"/>
+          <a:chExt cx="0" cy="0"/>
+        </a:xfrm>
+      </p:grpSpPr>
+      <p:sp>
+        <p:nvSpPr>
+          <p:cNvPr id="121" name="Shape 121"/>
+          <p:cNvSpPr>
+            <a:spLocks noGrp="1" noRot="1" noChangeAspect="1"/>
+          </p:cNvSpPr>
+          <p:nvPr>
+            <p:ph type="sldImg" idx="2"/>
+          </p:nvPr>
+        </p:nvSpPr>
+        <p:spPr>
+          <a:xfrm>
+            <a:off x="381000" y="685800"/>
+            <a:ext cx="6096000" cy="3429000"/>
+          </a:xfrm>
+          <a:custGeom>
+            <a:avLst/>
+            <a:gdLst/>
+            <a:ahLst/>
+            <a:cxnLst/>
+            <a:rect l="0" t="0" r="0" b="0"/>
+            <a:pathLst>
+              <a:path w="120000" h="120000" extrusionOk="0">
+                <a:moveTo>
+                  <a:pt x="0" y="0"/>
+                </a:moveTo>
+                <a:lnTo>
+                  <a:pt x="120000" y="0"/>
+                </a:lnTo>
+                <a:lnTo>
+                  <a:pt x="120000" y="120000"/>
+                </a:lnTo>
+                <a:lnTo>
+                  <a:pt x="0" y="120000"/>
+                </a:lnTo>
+                <a:close/>
+              </a:path>
+            </a:pathLst>
+          </a:custGeom>
+        </p:spPr>
+      </p:sp>
+      <p:sp>
+        <p:nvSpPr>
+          <p:cNvPr id="122" name="Shape 122"/>
+          <p:cNvSpPr txBox="1">
+            <a:spLocks noGrp="1"/>
+          </p:cNvSpPr>
+          <p:nvPr>
+            <p:ph type="body" idx="1"/>
+          </p:nvPr>
+        </p:nvSpPr>
+        <p:spPr>
+          <a:xfrm>
+            <a:off x="685800" y="4343400"/>
+            <a:ext cx="5486400" cy="4114800"/>
+          </a:xfrm>
+          <a:prstGeom prst="rect">
+            <a:avLst/>
+          </a:prstGeom>
+        </p:spPr>
+        <p:txBody>
+          <a:bodyPr spcFirstLastPara="1" wrap="square" lIns="91425" tIns="91425" rIns="91425" bIns="91425" anchor="t" anchorCtr="0">
+            <a:noAutofit/>
+          </a:bodyPr>
+          <a:lstStyle/>
+          <a:p>
+            <a:pPr marL="0" lvl="0" indent="0">
+              <a:spcBef>
+                <a:spcPts val="0"/>
+              </a:spcBef>
+              <a:spcAft>
+                <a:spcPts val="0"/>
+              </a:spcAft>
+              <a:buNone/>
+            </a:pPr>
+            <a:endParaRPr/>
+          </a:p>
+        </p:txBody>
+      </p:sp>
+    </p:spTree>
+    <p:extLst>
+      <p:ext uri="{BB962C8B-B14F-4D97-AF65-F5344CB8AC3E}">
+        <p14:creationId xmlns:p14="http://schemas.microsoft.com/office/powerpoint/2010/main" val="2304506880"/>
+      </p:ext>
+    </p:extLst>
+  </p:cSld>
+  <p:clrMapOvr>
+    <a:masterClrMapping/>
+  </p:clrMapOvr>
+</p:notes>
+</file>
+
+<file path=ppt/notesSlides/notesSlide30.xml><?xml version="1.0" encoding="utf-8"?>
 <p:notes xmlns:a="http://schemas.openxmlformats.org/drawingml/2006/main" xmlns:r="http://schemas.openxmlformats.org/officeDocument/2006/relationships" xmlns:p="http://schemas.openxmlformats.org/presentationml/2006/main" showMasterSp="0" showMasterPhAnim="0">
   <p:cSld>
     <p:spTree>
@@ -3123,7 +3342,111 @@
 </p:notes>
 </file>
 
-<file path=ppt/notesSlides/notesSlide3.xml><?xml version="1.0" encoding="utf-8"?>
+<file path=ppt/notesSlides/notesSlide31.xml><?xml version="1.0" encoding="utf-8"?>
+<p:notes xmlns:a="http://schemas.openxmlformats.org/drawingml/2006/main" xmlns:r="http://schemas.openxmlformats.org/officeDocument/2006/relationships" xmlns:p="http://schemas.openxmlformats.org/presentationml/2006/main" showMasterSp="0" showMasterPhAnim="0">
+  <p:cSld>
+    <p:spTree>
+      <p:nvGrpSpPr>
+        <p:cNvPr id="1" name="Shape 417"/>
+        <p:cNvGrpSpPr/>
+        <p:nvPr/>
+      </p:nvGrpSpPr>
+      <p:grpSpPr>
+        <a:xfrm>
+          <a:off x="0" y="0"/>
+          <a:ext cx="0" cy="0"/>
+          <a:chOff x="0" y="0"/>
+          <a:chExt cx="0" cy="0"/>
+        </a:xfrm>
+      </p:grpSpPr>
+      <p:sp>
+        <p:nvSpPr>
+          <p:cNvPr id="418" name="Shape 418"/>
+          <p:cNvSpPr>
+            <a:spLocks noGrp="1" noRot="1" noChangeAspect="1"/>
+          </p:cNvSpPr>
+          <p:nvPr>
+            <p:ph type="sldImg" idx="2"/>
+          </p:nvPr>
+        </p:nvSpPr>
+        <p:spPr>
+          <a:xfrm>
+            <a:off x="381000" y="685800"/>
+            <a:ext cx="6096000" cy="3429000"/>
+          </a:xfrm>
+          <a:custGeom>
+            <a:avLst/>
+            <a:gdLst/>
+            <a:ahLst/>
+            <a:cxnLst/>
+            <a:rect l="0" t="0" r="0" b="0"/>
+            <a:pathLst>
+              <a:path w="120000" h="120000" extrusionOk="0">
+                <a:moveTo>
+                  <a:pt x="0" y="0"/>
+                </a:moveTo>
+                <a:lnTo>
+                  <a:pt x="120000" y="0"/>
+                </a:lnTo>
+                <a:lnTo>
+                  <a:pt x="120000" y="120000"/>
+                </a:lnTo>
+                <a:lnTo>
+                  <a:pt x="0" y="120000"/>
+                </a:lnTo>
+                <a:close/>
+              </a:path>
+            </a:pathLst>
+          </a:custGeom>
+        </p:spPr>
+      </p:sp>
+      <p:sp>
+        <p:nvSpPr>
+          <p:cNvPr id="419" name="Shape 419"/>
+          <p:cNvSpPr txBox="1">
+            <a:spLocks noGrp="1"/>
+          </p:cNvSpPr>
+          <p:nvPr>
+            <p:ph type="body" idx="1"/>
+          </p:nvPr>
+        </p:nvSpPr>
+        <p:spPr>
+          <a:xfrm>
+            <a:off x="685800" y="4343400"/>
+            <a:ext cx="5486400" cy="4114800"/>
+          </a:xfrm>
+          <a:prstGeom prst="rect">
+            <a:avLst/>
+          </a:prstGeom>
+        </p:spPr>
+        <p:txBody>
+          <a:bodyPr spcFirstLastPara="1" wrap="square" lIns="91425" tIns="91425" rIns="91425" bIns="91425" anchor="t" anchorCtr="0">
+            <a:noAutofit/>
+          </a:bodyPr>
+          <a:lstStyle/>
+          <a:p>
+            <a:pPr marL="0" lvl="0" indent="0">
+              <a:spcBef>
+                <a:spcPts val="0"/>
+              </a:spcBef>
+              <a:spcAft>
+                <a:spcPts val="0"/>
+              </a:spcAft>
+              <a:buNone/>
+            </a:pPr>
+            <a:endParaRPr/>
+          </a:p>
+        </p:txBody>
+      </p:sp>
+    </p:spTree>
+  </p:cSld>
+  <p:clrMapOvr>
+    <a:masterClrMapping/>
+  </p:clrMapOvr>
+</p:notes>
+</file>
+
+<file path=ppt/notesSlides/notesSlide4.xml><?xml version="1.0" encoding="utf-8"?>
 <p:notes xmlns:a="http://schemas.openxmlformats.org/drawingml/2006/main" xmlns:r="http://schemas.openxmlformats.org/officeDocument/2006/relationships" xmlns:p="http://schemas.openxmlformats.org/presentationml/2006/main" showMasterSp="0" showMasterPhAnim="0">
   <p:cSld>
     <p:spTree>
@@ -3223,219 +3546,6 @@
     <p:extLst>
       <p:ext uri="{BB962C8B-B14F-4D97-AF65-F5344CB8AC3E}">
         <p14:creationId xmlns:p14="http://schemas.microsoft.com/office/powerpoint/2010/main" val="2919508702"/>
-      </p:ext>
-    </p:extLst>
-  </p:cSld>
-  <p:clrMapOvr>
-    <a:masterClrMapping/>
-  </p:clrMapOvr>
-</p:notes>
-</file>
-
-<file path=ppt/notesSlides/notesSlide30.xml><?xml version="1.0" encoding="utf-8"?>
-<p:notes xmlns:a="http://schemas.openxmlformats.org/drawingml/2006/main" xmlns:r="http://schemas.openxmlformats.org/officeDocument/2006/relationships" xmlns:p="http://schemas.openxmlformats.org/presentationml/2006/main" showMasterSp="0" showMasterPhAnim="0">
-  <p:cSld>
-    <p:spTree>
-      <p:nvGrpSpPr>
-        <p:cNvPr id="1" name="Shape 417"/>
-        <p:cNvGrpSpPr/>
-        <p:nvPr/>
-      </p:nvGrpSpPr>
-      <p:grpSpPr>
-        <a:xfrm>
-          <a:off x="0" y="0"/>
-          <a:ext cx="0" cy="0"/>
-          <a:chOff x="0" y="0"/>
-          <a:chExt cx="0" cy="0"/>
-        </a:xfrm>
-      </p:grpSpPr>
-      <p:sp>
-        <p:nvSpPr>
-          <p:cNvPr id="418" name="Shape 418"/>
-          <p:cNvSpPr>
-            <a:spLocks noGrp="1" noRot="1" noChangeAspect="1"/>
-          </p:cNvSpPr>
-          <p:nvPr>
-            <p:ph type="sldImg" idx="2"/>
-          </p:nvPr>
-        </p:nvSpPr>
-        <p:spPr>
-          <a:xfrm>
-            <a:off x="381000" y="685800"/>
-            <a:ext cx="6096000" cy="3429000"/>
-          </a:xfrm>
-          <a:custGeom>
-            <a:avLst/>
-            <a:gdLst/>
-            <a:ahLst/>
-            <a:cxnLst/>
-            <a:rect l="0" t="0" r="0" b="0"/>
-            <a:pathLst>
-              <a:path w="120000" h="120000" extrusionOk="0">
-                <a:moveTo>
-                  <a:pt x="0" y="0"/>
-                </a:moveTo>
-                <a:lnTo>
-                  <a:pt x="120000" y="0"/>
-                </a:lnTo>
-                <a:lnTo>
-                  <a:pt x="120000" y="120000"/>
-                </a:lnTo>
-                <a:lnTo>
-                  <a:pt x="0" y="120000"/>
-                </a:lnTo>
-                <a:close/>
-              </a:path>
-            </a:pathLst>
-          </a:custGeom>
-        </p:spPr>
-      </p:sp>
-      <p:sp>
-        <p:nvSpPr>
-          <p:cNvPr id="419" name="Shape 419"/>
-          <p:cNvSpPr txBox="1">
-            <a:spLocks noGrp="1"/>
-          </p:cNvSpPr>
-          <p:nvPr>
-            <p:ph type="body" idx="1"/>
-          </p:nvPr>
-        </p:nvSpPr>
-        <p:spPr>
-          <a:xfrm>
-            <a:off x="685800" y="4343400"/>
-            <a:ext cx="5486400" cy="4114800"/>
-          </a:xfrm>
-          <a:prstGeom prst="rect">
-            <a:avLst/>
-          </a:prstGeom>
-        </p:spPr>
-        <p:txBody>
-          <a:bodyPr spcFirstLastPara="1" wrap="square" lIns="91425" tIns="91425" rIns="91425" bIns="91425" anchor="t" anchorCtr="0">
-            <a:noAutofit/>
-          </a:bodyPr>
-          <a:lstStyle/>
-          <a:p>
-            <a:pPr marL="0" lvl="0" indent="0">
-              <a:spcBef>
-                <a:spcPts val="0"/>
-              </a:spcBef>
-              <a:spcAft>
-                <a:spcPts val="0"/>
-              </a:spcAft>
-              <a:buNone/>
-            </a:pPr>
-            <a:endParaRPr/>
-          </a:p>
-        </p:txBody>
-      </p:sp>
-    </p:spTree>
-  </p:cSld>
-  <p:clrMapOvr>
-    <a:masterClrMapping/>
-  </p:clrMapOvr>
-</p:notes>
-</file>
-
-<file path=ppt/notesSlides/notesSlide4.xml><?xml version="1.0" encoding="utf-8"?>
-<p:notes xmlns:a="http://schemas.openxmlformats.org/drawingml/2006/main" xmlns:r="http://schemas.openxmlformats.org/officeDocument/2006/relationships" xmlns:p="http://schemas.openxmlformats.org/presentationml/2006/main" showMasterSp="0" showMasterPhAnim="0">
-  <p:cSld>
-    <p:spTree>
-      <p:nvGrpSpPr>
-        <p:cNvPr id="1" name="Shape 153"/>
-        <p:cNvGrpSpPr/>
-        <p:nvPr/>
-      </p:nvGrpSpPr>
-      <p:grpSpPr>
-        <a:xfrm>
-          <a:off x="0" y="0"/>
-          <a:ext cx="0" cy="0"/>
-          <a:chOff x="0" y="0"/>
-          <a:chExt cx="0" cy="0"/>
-        </a:xfrm>
-      </p:grpSpPr>
-      <p:sp>
-        <p:nvSpPr>
-          <p:cNvPr id="154" name="Shape 154"/>
-          <p:cNvSpPr>
-            <a:spLocks noGrp="1" noRot="1" noChangeAspect="1"/>
-          </p:cNvSpPr>
-          <p:nvPr>
-            <p:ph type="sldImg" idx="2"/>
-          </p:nvPr>
-        </p:nvSpPr>
-        <p:spPr>
-          <a:xfrm>
-            <a:off x="381000" y="685800"/>
-            <a:ext cx="6096000" cy="3429000"/>
-          </a:xfrm>
-          <a:custGeom>
-            <a:avLst/>
-            <a:gdLst/>
-            <a:ahLst/>
-            <a:cxnLst/>
-            <a:rect l="0" t="0" r="0" b="0"/>
-            <a:pathLst>
-              <a:path w="120000" h="120000" extrusionOk="0">
-                <a:moveTo>
-                  <a:pt x="0" y="0"/>
-                </a:moveTo>
-                <a:lnTo>
-                  <a:pt x="120000" y="0"/>
-                </a:lnTo>
-                <a:lnTo>
-                  <a:pt x="120000" y="120000"/>
-                </a:lnTo>
-                <a:lnTo>
-                  <a:pt x="0" y="120000"/>
-                </a:lnTo>
-                <a:close/>
-              </a:path>
-            </a:pathLst>
-          </a:custGeom>
-        </p:spPr>
-      </p:sp>
-      <p:sp>
-        <p:nvSpPr>
-          <p:cNvPr id="155" name="Shape 155"/>
-          <p:cNvSpPr txBox="1">
-            <a:spLocks noGrp="1"/>
-          </p:cNvSpPr>
-          <p:nvPr>
-            <p:ph type="body" idx="1"/>
-          </p:nvPr>
-        </p:nvSpPr>
-        <p:spPr>
-          <a:xfrm>
-            <a:off x="685800" y="4343400"/>
-            <a:ext cx="5486400" cy="4114800"/>
-          </a:xfrm>
-          <a:prstGeom prst="rect">
-            <a:avLst/>
-          </a:prstGeom>
-        </p:spPr>
-        <p:txBody>
-          <a:bodyPr spcFirstLastPara="1" wrap="square" lIns="91425" tIns="91425" rIns="91425" bIns="91425" anchor="t" anchorCtr="0">
-            <a:noAutofit/>
-          </a:bodyPr>
-          <a:lstStyle/>
-          <a:p>
-            <a:pPr marL="0" lvl="0" indent="0">
-              <a:spcBef>
-                <a:spcPts val="0"/>
-              </a:spcBef>
-              <a:spcAft>
-                <a:spcPts val="0"/>
-              </a:spcAft>
-              <a:buNone/>
-            </a:pPr>
-            <a:endParaRPr dirty="0"/>
-          </a:p>
-        </p:txBody>
-      </p:sp>
-    </p:spTree>
-    <p:extLst>
-      <p:ext uri="{BB962C8B-B14F-4D97-AF65-F5344CB8AC3E}">
-        <p14:creationId xmlns:p14="http://schemas.microsoft.com/office/powerpoint/2010/main" val="3649900546"/>
       </p:ext>
     </p:extLst>
   </p:cSld>
@@ -3544,7 +3654,7 @@
     </p:spTree>
     <p:extLst>
       <p:ext uri="{BB962C8B-B14F-4D97-AF65-F5344CB8AC3E}">
-        <p14:creationId xmlns:p14="http://schemas.microsoft.com/office/powerpoint/2010/main" val="933728910"/>
+        <p14:creationId xmlns:p14="http://schemas.microsoft.com/office/powerpoint/2010/main" val="3649900546"/>
       </p:ext>
     </p:extLst>
   </p:cSld>
@@ -3653,6 +3763,115 @@
     </p:spTree>
     <p:extLst>
       <p:ext uri="{BB962C8B-B14F-4D97-AF65-F5344CB8AC3E}">
+        <p14:creationId xmlns:p14="http://schemas.microsoft.com/office/powerpoint/2010/main" val="933728910"/>
+      </p:ext>
+    </p:extLst>
+  </p:cSld>
+  <p:clrMapOvr>
+    <a:masterClrMapping/>
+  </p:clrMapOvr>
+</p:notes>
+</file>
+
+<file path=ppt/notesSlides/notesSlide7.xml><?xml version="1.0" encoding="utf-8"?>
+<p:notes xmlns:a="http://schemas.openxmlformats.org/drawingml/2006/main" xmlns:r="http://schemas.openxmlformats.org/officeDocument/2006/relationships" xmlns:p="http://schemas.openxmlformats.org/presentationml/2006/main" showMasterSp="0" showMasterPhAnim="0">
+  <p:cSld>
+    <p:spTree>
+      <p:nvGrpSpPr>
+        <p:cNvPr id="1" name="Shape 153"/>
+        <p:cNvGrpSpPr/>
+        <p:nvPr/>
+      </p:nvGrpSpPr>
+      <p:grpSpPr>
+        <a:xfrm>
+          <a:off x="0" y="0"/>
+          <a:ext cx="0" cy="0"/>
+          <a:chOff x="0" y="0"/>
+          <a:chExt cx="0" cy="0"/>
+        </a:xfrm>
+      </p:grpSpPr>
+      <p:sp>
+        <p:nvSpPr>
+          <p:cNvPr id="154" name="Shape 154"/>
+          <p:cNvSpPr>
+            <a:spLocks noGrp="1" noRot="1" noChangeAspect="1"/>
+          </p:cNvSpPr>
+          <p:nvPr>
+            <p:ph type="sldImg" idx="2"/>
+          </p:nvPr>
+        </p:nvSpPr>
+        <p:spPr>
+          <a:xfrm>
+            <a:off x="381000" y="685800"/>
+            <a:ext cx="6096000" cy="3429000"/>
+          </a:xfrm>
+          <a:custGeom>
+            <a:avLst/>
+            <a:gdLst/>
+            <a:ahLst/>
+            <a:cxnLst/>
+            <a:rect l="0" t="0" r="0" b="0"/>
+            <a:pathLst>
+              <a:path w="120000" h="120000" extrusionOk="0">
+                <a:moveTo>
+                  <a:pt x="0" y="0"/>
+                </a:moveTo>
+                <a:lnTo>
+                  <a:pt x="120000" y="0"/>
+                </a:lnTo>
+                <a:lnTo>
+                  <a:pt x="120000" y="120000"/>
+                </a:lnTo>
+                <a:lnTo>
+                  <a:pt x="0" y="120000"/>
+                </a:lnTo>
+                <a:close/>
+              </a:path>
+            </a:pathLst>
+          </a:custGeom>
+        </p:spPr>
+      </p:sp>
+      <p:sp>
+        <p:nvSpPr>
+          <p:cNvPr id="155" name="Shape 155"/>
+          <p:cNvSpPr txBox="1">
+            <a:spLocks noGrp="1"/>
+          </p:cNvSpPr>
+          <p:nvPr>
+            <p:ph type="body" idx="1"/>
+          </p:nvPr>
+        </p:nvSpPr>
+        <p:spPr>
+          <a:xfrm>
+            <a:off x="685800" y="4343400"/>
+            <a:ext cx="5486400" cy="4114800"/>
+          </a:xfrm>
+          <a:prstGeom prst="rect">
+            <a:avLst/>
+          </a:prstGeom>
+        </p:spPr>
+        <p:txBody>
+          <a:bodyPr spcFirstLastPara="1" wrap="square" lIns="91425" tIns="91425" rIns="91425" bIns="91425" anchor="t" anchorCtr="0">
+            <a:noAutofit/>
+          </a:bodyPr>
+          <a:lstStyle/>
+          <a:p>
+            <a:pPr marL="0" lvl="0" indent="0">
+              <a:spcBef>
+                <a:spcPts val="0"/>
+              </a:spcBef>
+              <a:spcAft>
+                <a:spcPts val="0"/>
+              </a:spcAft>
+              <a:buNone/>
+            </a:pPr>
+            <a:endParaRPr dirty="0"/>
+          </a:p>
+        </p:txBody>
+      </p:sp>
+    </p:spTree>
+    <p:extLst>
+      <p:ext uri="{BB962C8B-B14F-4D97-AF65-F5344CB8AC3E}">
         <p14:creationId xmlns:p14="http://schemas.microsoft.com/office/powerpoint/2010/main" val="3484168927"/>
       </p:ext>
     </p:extLst>
@@ -3663,7 +3882,7 @@
 </p:notes>
 </file>
 
-<file path=ppt/notesSlides/notesSlide7.xml><?xml version="1.0" encoding="utf-8"?>
+<file path=ppt/notesSlides/notesSlide8.xml><?xml version="1.0" encoding="utf-8"?>
 <p:notes xmlns:a="http://schemas.openxmlformats.org/drawingml/2006/main" xmlns:r="http://schemas.openxmlformats.org/officeDocument/2006/relationships" xmlns:p="http://schemas.openxmlformats.org/presentationml/2006/main" showMasterSp="0" showMasterPhAnim="0">
   <p:cSld>
     <p:spTree>
@@ -3772,7 +3991,7 @@
 </p:notes>
 </file>
 
-<file path=ppt/notesSlides/notesSlide8.xml><?xml version="1.0" encoding="utf-8"?>
+<file path=ppt/notesSlides/notesSlide9.xml><?xml version="1.0" encoding="utf-8"?>
 <p:notes xmlns:a="http://schemas.openxmlformats.org/drawingml/2006/main" xmlns:r="http://schemas.openxmlformats.org/officeDocument/2006/relationships" xmlns:p="http://schemas.openxmlformats.org/presentationml/2006/main" showMasterSp="0" showMasterPhAnim="0">
   <p:cSld>
     <p:spTree>
@@ -3872,115 +4091,6 @@
     <p:extLst>
       <p:ext uri="{BB962C8B-B14F-4D97-AF65-F5344CB8AC3E}">
         <p14:creationId xmlns:p14="http://schemas.microsoft.com/office/powerpoint/2010/main" val="1108503000"/>
-      </p:ext>
-    </p:extLst>
-  </p:cSld>
-  <p:clrMapOvr>
-    <a:masterClrMapping/>
-  </p:clrMapOvr>
-</p:notes>
-</file>
-
-<file path=ppt/notesSlides/notesSlide9.xml><?xml version="1.0" encoding="utf-8"?>
-<p:notes xmlns:a="http://schemas.openxmlformats.org/drawingml/2006/main" xmlns:r="http://schemas.openxmlformats.org/officeDocument/2006/relationships" xmlns:p="http://schemas.openxmlformats.org/presentationml/2006/main" showMasterSp="0" showMasterPhAnim="0">
-  <p:cSld>
-    <p:spTree>
-      <p:nvGrpSpPr>
-        <p:cNvPr id="1" name="Shape 153"/>
-        <p:cNvGrpSpPr/>
-        <p:nvPr/>
-      </p:nvGrpSpPr>
-      <p:grpSpPr>
-        <a:xfrm>
-          <a:off x="0" y="0"/>
-          <a:ext cx="0" cy="0"/>
-          <a:chOff x="0" y="0"/>
-          <a:chExt cx="0" cy="0"/>
-        </a:xfrm>
-      </p:grpSpPr>
-      <p:sp>
-        <p:nvSpPr>
-          <p:cNvPr id="154" name="Shape 154"/>
-          <p:cNvSpPr>
-            <a:spLocks noGrp="1" noRot="1" noChangeAspect="1"/>
-          </p:cNvSpPr>
-          <p:nvPr>
-            <p:ph type="sldImg" idx="2"/>
-          </p:nvPr>
-        </p:nvSpPr>
-        <p:spPr>
-          <a:xfrm>
-            <a:off x="381000" y="685800"/>
-            <a:ext cx="6096000" cy="3429000"/>
-          </a:xfrm>
-          <a:custGeom>
-            <a:avLst/>
-            <a:gdLst/>
-            <a:ahLst/>
-            <a:cxnLst/>
-            <a:rect l="0" t="0" r="0" b="0"/>
-            <a:pathLst>
-              <a:path w="120000" h="120000" extrusionOk="0">
-                <a:moveTo>
-                  <a:pt x="0" y="0"/>
-                </a:moveTo>
-                <a:lnTo>
-                  <a:pt x="120000" y="0"/>
-                </a:lnTo>
-                <a:lnTo>
-                  <a:pt x="120000" y="120000"/>
-                </a:lnTo>
-                <a:lnTo>
-                  <a:pt x="0" y="120000"/>
-                </a:lnTo>
-                <a:close/>
-              </a:path>
-            </a:pathLst>
-          </a:custGeom>
-        </p:spPr>
-      </p:sp>
-      <p:sp>
-        <p:nvSpPr>
-          <p:cNvPr id="155" name="Shape 155"/>
-          <p:cNvSpPr txBox="1">
-            <a:spLocks noGrp="1"/>
-          </p:cNvSpPr>
-          <p:nvPr>
-            <p:ph type="body" idx="1"/>
-          </p:nvPr>
-        </p:nvSpPr>
-        <p:spPr>
-          <a:xfrm>
-            <a:off x="685800" y="4343400"/>
-            <a:ext cx="5486400" cy="4114800"/>
-          </a:xfrm>
-          <a:prstGeom prst="rect">
-            <a:avLst/>
-          </a:prstGeom>
-        </p:spPr>
-        <p:txBody>
-          <a:bodyPr spcFirstLastPara="1" wrap="square" lIns="91425" tIns="91425" rIns="91425" bIns="91425" anchor="t" anchorCtr="0">
-            <a:noAutofit/>
-          </a:bodyPr>
-          <a:lstStyle/>
-          <a:p>
-            <a:pPr marL="0" lvl="0" indent="0">
-              <a:spcBef>
-                <a:spcPts val="0"/>
-              </a:spcBef>
-              <a:spcAft>
-                <a:spcPts val="0"/>
-              </a:spcAft>
-              <a:buNone/>
-            </a:pPr>
-            <a:endParaRPr dirty="0"/>
-          </a:p>
-        </p:txBody>
-      </p:sp>
-    </p:spTree>
-    <p:extLst>
-      <p:ext uri="{BB962C8B-B14F-4D97-AF65-F5344CB8AC3E}">
-        <p14:creationId xmlns:p14="http://schemas.microsoft.com/office/powerpoint/2010/main" val="4100603875"/>
       </p:ext>
     </p:extLst>
   </p:cSld>
@@ -8028,18 +8138,23 @@
           </a:bodyPr>
           <a:lstStyle/>
           <a:p>
+            <a:pPr>
+              <a:lnSpc>
+                <a:spcPct val="150000"/>
+              </a:lnSpc>
+            </a:pPr>
             <a:r>
-              <a:rPr lang="en-US" sz="2800" dirty="0"/>
-              <a:t>Malware Detection </a:t>
+              <a:rPr lang="en-US" sz="3200" dirty="0"/>
+              <a:t>Deep Learning </a:t>
             </a:r>
             <a:br>
-              <a:rPr lang="en-US" sz="2800" dirty="0"/>
+              <a:rPr lang="en-US" sz="3200" dirty="0"/>
             </a:br>
             <a:r>
-              <a:rPr lang="en-US" sz="2800" dirty="0"/>
-              <a:t>using Machine Learning in Windows OSs</a:t>
+              <a:rPr lang="en-US" sz="3200" dirty="0"/>
+              <a:t>in Windows Malware Detection</a:t>
             </a:r>
-            <a:endParaRPr sz="2800" dirty="0"/>
+            <a:endParaRPr sz="3200" dirty="0"/>
           </a:p>
         </p:txBody>
       </p:sp>
@@ -9484,6 +9599,158 @@
   <p:cSld>
     <p:spTree>
       <p:nvGrpSpPr>
+        <p:cNvPr id="1" name="Shape 109"/>
+        <p:cNvGrpSpPr/>
+        <p:nvPr/>
+      </p:nvGrpSpPr>
+      <p:grpSpPr>
+        <a:xfrm>
+          <a:off x="0" y="0"/>
+          <a:ext cx="0" cy="0"/>
+          <a:chOff x="0" y="0"/>
+          <a:chExt cx="0" cy="0"/>
+        </a:xfrm>
+      </p:grpSpPr>
+      <p:sp>
+        <p:nvSpPr>
+          <p:cNvPr id="110" name="Shape 110"/>
+          <p:cNvSpPr txBox="1">
+            <a:spLocks noGrp="1"/>
+          </p:cNvSpPr>
+          <p:nvPr>
+            <p:ph type="ctrTitle"/>
+          </p:nvPr>
+        </p:nvSpPr>
+        <p:spPr>
+          <a:prstGeom prst="rect">
+            <a:avLst/>
+          </a:prstGeom>
+        </p:spPr>
+        <p:txBody>
+          <a:bodyPr spcFirstLastPara="1" wrap="square" lIns="91425" tIns="91425" rIns="91425" bIns="91425" anchor="b" anchorCtr="0">
+            <a:noAutofit/>
+          </a:bodyPr>
+          <a:lstStyle/>
+          <a:p>
+            <a:r>
+              <a:rPr lang="en-US" dirty="0"/>
+              <a:t>Proposed Method</a:t>
+            </a:r>
+            <a:endParaRPr dirty="0"/>
+          </a:p>
+        </p:txBody>
+      </p:sp>
+      <p:sp>
+        <p:nvSpPr>
+          <p:cNvPr id="113" name="Shape 113"/>
+          <p:cNvSpPr txBox="1">
+            <a:spLocks noGrp="1"/>
+          </p:cNvSpPr>
+          <p:nvPr>
+            <p:ph type="sldNum" idx="12"/>
+          </p:nvPr>
+        </p:nvSpPr>
+        <p:spPr>
+          <a:prstGeom prst="rect">
+            <a:avLst/>
+          </a:prstGeom>
+        </p:spPr>
+        <p:txBody>
+          <a:bodyPr spcFirstLastPara="1" wrap="square" lIns="91425" tIns="91425" rIns="91425" bIns="91425" anchor="t" anchorCtr="0">
+            <a:noAutofit/>
+          </a:bodyPr>
+          <a:lstStyle/>
+          <a:p>
+            <a:pPr marL="0" lvl="0" indent="0">
+              <a:spcBef>
+                <a:spcPts val="0"/>
+              </a:spcBef>
+              <a:spcAft>
+                <a:spcPts val="0"/>
+              </a:spcAft>
+              <a:buNone/>
+            </a:pPr>
+            <a:fld id="{00000000-1234-1234-1234-123412341234}" type="slidenum">
+              <a:rPr lang="en"/>
+              <a:t>10</a:t>
+            </a:fld>
+            <a:endParaRPr/>
+          </a:p>
+        </p:txBody>
+      </p:sp>
+      <p:sp>
+        <p:nvSpPr>
+          <p:cNvPr id="112" name="Shape 112"/>
+          <p:cNvSpPr txBox="1"/>
+          <p:nvPr/>
+        </p:nvSpPr>
+        <p:spPr>
+          <a:xfrm>
+            <a:off x="1133975" y="2291150"/>
+            <a:ext cx="543900" cy="562200"/>
+          </a:xfrm>
+          <a:prstGeom prst="rect">
+            <a:avLst/>
+          </a:prstGeom>
+          <a:noFill/>
+          <a:ln>
+            <a:noFill/>
+          </a:ln>
+        </p:spPr>
+        <p:txBody>
+          <a:bodyPr spcFirstLastPara="1" wrap="square" lIns="91425" tIns="91425" rIns="91425" bIns="91425" anchor="ctr" anchorCtr="0">
+            <a:noAutofit/>
+          </a:bodyPr>
+          <a:lstStyle/>
+          <a:p>
+            <a:pPr marL="0" lvl="0" indent="0" algn="ctr">
+              <a:spcBef>
+                <a:spcPts val="0"/>
+              </a:spcBef>
+              <a:spcAft>
+                <a:spcPts val="0"/>
+              </a:spcAft>
+              <a:buNone/>
+            </a:pPr>
+            <a:r>
+              <a:rPr lang="en" sz="2400" dirty="0">
+                <a:solidFill>
+                  <a:schemeClr val="dk1"/>
+                </a:solidFill>
+                <a:latin typeface="Lora"/>
+                <a:ea typeface="Lora"/>
+                <a:cs typeface="Lora"/>
+                <a:sym typeface="Lora"/>
+              </a:rPr>
+              <a:t>2</a:t>
+            </a:r>
+            <a:endParaRPr sz="2400" dirty="0">
+              <a:latin typeface="Lora"/>
+              <a:ea typeface="Lora"/>
+              <a:cs typeface="Lora"/>
+              <a:sym typeface="Lora"/>
+            </a:endParaRPr>
+          </a:p>
+        </p:txBody>
+      </p:sp>
+    </p:spTree>
+    <p:extLst>
+      <p:ext uri="{BB962C8B-B14F-4D97-AF65-F5344CB8AC3E}">
+        <p14:creationId xmlns:p14="http://schemas.microsoft.com/office/powerpoint/2010/main" val="4220687838"/>
+      </p:ext>
+    </p:extLst>
+  </p:cSld>
+  <p:clrMapOvr>
+    <a:masterClrMapping/>
+  </p:clrMapOvr>
+</p:sld>
+</file>
+
+<file path=ppt/slides/slide11.xml><?xml version="1.0" encoding="utf-8"?>
+<p:sld xmlns:a="http://schemas.openxmlformats.org/drawingml/2006/main" xmlns:r="http://schemas.openxmlformats.org/officeDocument/2006/relationships" xmlns:p="http://schemas.openxmlformats.org/presentationml/2006/main">
+  <p:cSld>
+    <p:spTree>
+      <p:nvGrpSpPr>
         <p:cNvPr id="1" name="Shape 117"/>
         <p:cNvGrpSpPr/>
         <p:nvPr/>
@@ -9567,7 +9834,7 @@
             </a:pPr>
             <a:fld id="{00000000-1234-1234-1234-123412341234}" type="slidenum">
               <a:rPr lang="en"/>
-              <a:t>10</a:t>
+              <a:t>11</a:t>
             </a:fld>
             <a:endParaRPr/>
           </a:p>
@@ -9586,7 +9853,7 @@
 </p:sld>
 </file>
 
-<file path=ppt/slides/slide11.xml><?xml version="1.0" encoding="utf-8"?>
+<file path=ppt/slides/slide12.xml><?xml version="1.0" encoding="utf-8"?>
 <p:sld xmlns:a="http://schemas.openxmlformats.org/drawingml/2006/main" xmlns:r="http://schemas.openxmlformats.org/officeDocument/2006/relationships" xmlns:p="http://schemas.openxmlformats.org/presentationml/2006/main">
   <p:cSld>
     <p:spTree>
@@ -9670,7 +9937,7 @@
             </a:pPr>
             <a:fld id="{00000000-1234-1234-1234-123412341234}" type="slidenum">
               <a:rPr lang="en"/>
-              <a:t>11</a:t>
+              <a:t>12</a:t>
             </a:fld>
             <a:endParaRPr/>
           </a:p>
@@ -11124,7 +11391,7 @@
 </p:sld>
 </file>
 
-<file path=ppt/slides/slide12.xml><?xml version="1.0" encoding="utf-8"?>
+<file path=ppt/slides/slide13.xml><?xml version="1.0" encoding="utf-8"?>
 <p:sld xmlns:a="http://schemas.openxmlformats.org/drawingml/2006/main" xmlns:r="http://schemas.openxmlformats.org/officeDocument/2006/relationships" xmlns:p="http://schemas.openxmlformats.org/presentationml/2006/main">
   <p:cSld>
     <p:spTree>
@@ -11264,7 +11531,7 @@
             </a:pPr>
             <a:fld id="{00000000-1234-1234-1234-123412341234}" type="slidenum">
               <a:rPr lang="en"/>
-              <a:t>12</a:t>
+              <a:t>13</a:t>
             </a:fld>
             <a:endParaRPr/>
           </a:p>
@@ -11344,7 +11611,7 @@
 </p:sld>
 </file>
 
-<file path=ppt/slides/slide13.xml><?xml version="1.0" encoding="utf-8"?>
+<file path=ppt/slides/slide14.xml><?xml version="1.0" encoding="utf-8"?>
 <p:sld xmlns:a="http://schemas.openxmlformats.org/drawingml/2006/main" xmlns:r="http://schemas.openxmlformats.org/officeDocument/2006/relationships" xmlns:p="http://schemas.openxmlformats.org/presentationml/2006/main">
   <p:cSld>
     <p:spTree>
@@ -11498,7 +11765,7 @@
             </a:pPr>
             <a:fld id="{00000000-1234-1234-1234-123412341234}" type="slidenum">
               <a:rPr lang="en"/>
-              <a:t>13</a:t>
+              <a:t>14</a:t>
             </a:fld>
             <a:endParaRPr/>
           </a:p>
@@ -11578,7 +11845,7 @@
 </p:sld>
 </file>
 
-<file path=ppt/slides/slide14.xml><?xml version="1.0" encoding="utf-8"?>
+<file path=ppt/slides/slide15.xml><?xml version="1.0" encoding="utf-8"?>
 <p:sld xmlns:a="http://schemas.openxmlformats.org/drawingml/2006/main" xmlns:r="http://schemas.openxmlformats.org/officeDocument/2006/relationships" xmlns:p="http://schemas.openxmlformats.org/presentationml/2006/main">
   <p:cSld>
     <p:spTree>
@@ -11678,7 +11945,7 @@
             </a:pPr>
             <a:fld id="{00000000-1234-1234-1234-123412341234}" type="slidenum">
               <a:rPr lang="en"/>
-              <a:t>14</a:t>
+              <a:t>15</a:t>
             </a:fld>
             <a:endParaRPr/>
           </a:p>
@@ -11697,7 +11964,7 @@
 </p:sld>
 </file>
 
-<file path=ppt/slides/slide15.xml><?xml version="1.0" encoding="utf-8"?>
+<file path=ppt/slides/slide16.xml><?xml version="1.0" encoding="utf-8"?>
 <p:sld xmlns:a="http://schemas.openxmlformats.org/drawingml/2006/main" xmlns:r="http://schemas.openxmlformats.org/officeDocument/2006/relationships" xmlns:p="http://schemas.openxmlformats.org/presentationml/2006/main">
   <p:cSld>
     <p:spTree>
@@ -11830,7 +12097,7 @@
             </a:pPr>
             <a:fld id="{00000000-1234-1234-1234-123412341234}" type="slidenum">
               <a:rPr lang="en"/>
-              <a:t>15</a:t>
+              <a:t>16</a:t>
             </a:fld>
             <a:endParaRPr/>
           </a:p>
@@ -11910,7 +12177,7 @@
 </p:sld>
 </file>
 
-<file path=ppt/slides/slide16.xml><?xml version="1.0" encoding="utf-8"?>
+<file path=ppt/slides/slide17.xml><?xml version="1.0" encoding="utf-8"?>
 <p:sld xmlns:a="http://schemas.openxmlformats.org/drawingml/2006/main" xmlns:r="http://schemas.openxmlformats.org/officeDocument/2006/relationships" xmlns:p="http://schemas.openxmlformats.org/presentationml/2006/main">
   <p:cSld>
     <p:spTree>
@@ -12055,7 +12322,7 @@
             </a:pPr>
             <a:fld id="{00000000-1234-1234-1234-123412341234}" type="slidenum">
               <a:rPr lang="en"/>
-              <a:t>16</a:t>
+              <a:t>17</a:t>
             </a:fld>
             <a:endParaRPr/>
           </a:p>
@@ -12135,7 +12402,7 @@
 </p:sld>
 </file>
 
-<file path=ppt/slides/slide17.xml><?xml version="1.0" encoding="utf-8"?>
+<file path=ppt/slides/slide18.xml><?xml version="1.0" encoding="utf-8"?>
 <p:sld xmlns:a="http://schemas.openxmlformats.org/drawingml/2006/main" xmlns:r="http://schemas.openxmlformats.org/officeDocument/2006/relationships" xmlns:p="http://schemas.openxmlformats.org/presentationml/2006/main">
   <p:cSld>
     <p:spTree>
@@ -12302,7 +12569,7 @@
             </a:pPr>
             <a:fld id="{00000000-1234-1234-1234-123412341234}" type="slidenum">
               <a:rPr lang="en"/>
-              <a:t>17</a:t>
+              <a:t>18</a:t>
             </a:fld>
             <a:endParaRPr/>
           </a:p>
@@ -12382,7 +12649,7 @@
 </p:sld>
 </file>
 
-<file path=ppt/slides/slide18.xml><?xml version="1.0" encoding="utf-8"?>
+<file path=ppt/slides/slide19.xml><?xml version="1.0" encoding="utf-8"?>
 <p:sld xmlns:a="http://schemas.openxmlformats.org/drawingml/2006/main" xmlns:r="http://schemas.openxmlformats.org/officeDocument/2006/relationships" xmlns:p="http://schemas.openxmlformats.org/presentationml/2006/main">
   <p:cSld>
     <p:spTree>
@@ -12523,7 +12790,7 @@
             </a:pPr>
             <a:fld id="{00000000-1234-1234-1234-123412341234}" type="slidenum">
               <a:rPr lang="en"/>
-              <a:t>18</a:t>
+              <a:t>19</a:t>
             </a:fld>
             <a:endParaRPr/>
           </a:p>
@@ -12542,7 +12809,1501 @@
 </p:sld>
 </file>
 
-<file path=ppt/slides/slide19.xml><?xml version="1.0" encoding="utf-8"?>
+<file path=ppt/slides/slide2.xml><?xml version="1.0" encoding="utf-8"?>
+<p:sld xmlns:a="http://schemas.openxmlformats.org/drawingml/2006/main" xmlns:r="http://schemas.openxmlformats.org/officeDocument/2006/relationships" xmlns:p="http://schemas.openxmlformats.org/presentationml/2006/main">
+  <p:cSld>
+    <p:spTree>
+      <p:nvGrpSpPr>
+        <p:cNvPr id="1" name="Shape 70"/>
+        <p:cNvGrpSpPr/>
+        <p:nvPr/>
+      </p:nvGrpSpPr>
+      <p:grpSpPr>
+        <a:xfrm>
+          <a:off x="0" y="0"/>
+          <a:ext cx="0" cy="0"/>
+          <a:chOff x="0" y="0"/>
+          <a:chExt cx="0" cy="0"/>
+        </a:xfrm>
+      </p:grpSpPr>
+      <p:sp>
+        <p:nvSpPr>
+          <p:cNvPr id="71" name="Shape 71"/>
+          <p:cNvSpPr txBox="1">
+            <a:spLocks noGrp="1"/>
+          </p:cNvSpPr>
+          <p:nvPr>
+            <p:ph type="ctrTitle"/>
+          </p:nvPr>
+        </p:nvSpPr>
+        <p:spPr>
+          <a:xfrm>
+            <a:off x="996630" y="1605776"/>
+            <a:ext cx="7194438" cy="1557912"/>
+          </a:xfrm>
+          <a:prstGeom prst="rect">
+            <a:avLst/>
+          </a:prstGeom>
+        </p:spPr>
+        <p:txBody>
+          <a:bodyPr spcFirstLastPara="1" wrap="square" lIns="91425" tIns="91425" rIns="91425" bIns="91425" anchor="b" anchorCtr="0">
+            <a:noAutofit/>
+          </a:bodyPr>
+          <a:lstStyle/>
+          <a:p>
+            <a:r>
+              <a:rPr lang="en-US" sz="2800" dirty="0"/>
+              <a:t>Malware Detection </a:t>
+            </a:r>
+            <a:br>
+              <a:rPr lang="en-US" sz="2800" dirty="0"/>
+            </a:br>
+            <a:r>
+              <a:rPr lang="en-US" sz="2800" dirty="0"/>
+              <a:t>using Machine Learning in Windows OSs</a:t>
+            </a:r>
+            <a:endParaRPr sz="2800" dirty="0"/>
+          </a:p>
+        </p:txBody>
+      </p:sp>
+      <p:grpSp>
+        <p:nvGrpSpPr>
+          <p:cNvPr id="72" name="Shape 72"/>
+          <p:cNvGrpSpPr/>
+          <p:nvPr/>
+        </p:nvGrpSpPr>
+        <p:grpSpPr>
+          <a:xfrm>
+            <a:off x="1299165" y="3511424"/>
+            <a:ext cx="215966" cy="342399"/>
+            <a:chOff x="6718575" y="2318625"/>
+            <a:chExt cx="256950" cy="407375"/>
+          </a:xfrm>
+        </p:grpSpPr>
+        <p:sp>
+          <p:nvSpPr>
+            <p:cNvPr id="73" name="Shape 73"/>
+            <p:cNvSpPr/>
+            <p:nvPr/>
+          </p:nvSpPr>
+          <p:spPr>
+            <a:xfrm>
+              <a:off x="6795900" y="2673600"/>
+              <a:ext cx="102300" cy="22550"/>
+            </a:xfrm>
+            <a:custGeom>
+              <a:avLst/>
+              <a:gdLst/>
+              <a:ahLst/>
+              <a:cxnLst/>
+              <a:rect l="0" t="0" r="0" b="0"/>
+              <a:pathLst>
+                <a:path w="4092" h="902" fill="none" extrusionOk="0">
+                  <a:moveTo>
+                    <a:pt x="4092" y="902"/>
+                  </a:moveTo>
+                  <a:lnTo>
+                    <a:pt x="4092" y="1"/>
+                  </a:lnTo>
+                  <a:lnTo>
+                    <a:pt x="0" y="1"/>
+                  </a:lnTo>
+                  <a:lnTo>
+                    <a:pt x="0" y="902"/>
+                  </a:lnTo>
+                  <a:lnTo>
+                    <a:pt x="4092" y="902"/>
+                  </a:lnTo>
+                  <a:close/>
+                </a:path>
+              </a:pathLst>
+            </a:custGeom>
+            <a:noFill/>
+            <a:ln w="9525" cap="rnd" cmpd="sng">
+              <a:solidFill>
+                <a:srgbClr val="000000"/>
+              </a:solidFill>
+              <a:prstDash val="solid"/>
+              <a:round/>
+              <a:headEnd type="none" w="sm" len="sm"/>
+              <a:tailEnd type="none" w="sm" len="sm"/>
+            </a:ln>
+          </p:spPr>
+          <p:txBody>
+            <a:bodyPr spcFirstLastPara="1" wrap="square" lIns="91425" tIns="91425" rIns="91425" bIns="91425" anchor="ctr" anchorCtr="0">
+              <a:noAutofit/>
+            </a:bodyPr>
+            <a:lstStyle/>
+            <a:p>
+              <a:pPr marL="0" lvl="0" indent="0">
+                <a:spcBef>
+                  <a:spcPts val="0"/>
+                </a:spcBef>
+                <a:spcAft>
+                  <a:spcPts val="0"/>
+                </a:spcAft>
+                <a:buNone/>
+              </a:pPr>
+              <a:endParaRPr/>
+            </a:p>
+          </p:txBody>
+        </p:sp>
+        <p:sp>
+          <p:nvSpPr>
+            <p:cNvPr id="74" name="Shape 74"/>
+            <p:cNvSpPr/>
+            <p:nvPr/>
+          </p:nvSpPr>
+          <p:spPr>
+            <a:xfrm>
+              <a:off x="6795900" y="2650475"/>
+              <a:ext cx="102300" cy="22550"/>
+            </a:xfrm>
+            <a:custGeom>
+              <a:avLst/>
+              <a:gdLst/>
+              <a:ahLst/>
+              <a:cxnLst/>
+              <a:rect l="0" t="0" r="0" b="0"/>
+              <a:pathLst>
+                <a:path w="4092" h="902" fill="none" extrusionOk="0">
+                  <a:moveTo>
+                    <a:pt x="4092" y="901"/>
+                  </a:moveTo>
+                  <a:lnTo>
+                    <a:pt x="4092" y="0"/>
+                  </a:lnTo>
+                  <a:lnTo>
+                    <a:pt x="0" y="0"/>
+                  </a:lnTo>
+                  <a:lnTo>
+                    <a:pt x="0" y="901"/>
+                  </a:lnTo>
+                  <a:lnTo>
+                    <a:pt x="4092" y="901"/>
+                  </a:lnTo>
+                  <a:close/>
+                </a:path>
+              </a:pathLst>
+            </a:custGeom>
+            <a:noFill/>
+            <a:ln w="9525" cap="rnd" cmpd="sng">
+              <a:solidFill>
+                <a:srgbClr val="000000"/>
+              </a:solidFill>
+              <a:prstDash val="solid"/>
+              <a:round/>
+              <a:headEnd type="none" w="sm" len="sm"/>
+              <a:tailEnd type="none" w="sm" len="sm"/>
+            </a:ln>
+          </p:spPr>
+          <p:txBody>
+            <a:bodyPr spcFirstLastPara="1" wrap="square" lIns="91425" tIns="91425" rIns="91425" bIns="91425" anchor="ctr" anchorCtr="0">
+              <a:noAutofit/>
+            </a:bodyPr>
+            <a:lstStyle/>
+            <a:p>
+              <a:pPr marL="0" lvl="0" indent="0">
+                <a:spcBef>
+                  <a:spcPts val="0"/>
+                </a:spcBef>
+                <a:spcAft>
+                  <a:spcPts val="0"/>
+                </a:spcAft>
+                <a:buNone/>
+              </a:pPr>
+              <a:endParaRPr/>
+            </a:p>
+          </p:txBody>
+        </p:sp>
+        <p:sp>
+          <p:nvSpPr>
+            <p:cNvPr id="75" name="Shape 75"/>
+            <p:cNvSpPr/>
+            <p:nvPr/>
+          </p:nvSpPr>
+          <p:spPr>
+            <a:xfrm>
+              <a:off x="6795900" y="2696125"/>
+              <a:ext cx="102300" cy="29875"/>
+            </a:xfrm>
+            <a:custGeom>
+              <a:avLst/>
+              <a:gdLst/>
+              <a:ahLst/>
+              <a:cxnLst/>
+              <a:rect l="0" t="0" r="0" b="0"/>
+              <a:pathLst>
+                <a:path w="4092" h="1195" fill="none" extrusionOk="0">
+                  <a:moveTo>
+                    <a:pt x="0" y="1"/>
+                  </a:moveTo>
+                  <a:lnTo>
+                    <a:pt x="0" y="171"/>
+                  </a:lnTo>
+                  <a:lnTo>
+                    <a:pt x="0" y="171"/>
+                  </a:lnTo>
+                  <a:lnTo>
+                    <a:pt x="24" y="318"/>
+                  </a:lnTo>
+                  <a:lnTo>
+                    <a:pt x="98" y="464"/>
+                  </a:lnTo>
+                  <a:lnTo>
+                    <a:pt x="195" y="585"/>
+                  </a:lnTo>
+                  <a:lnTo>
+                    <a:pt x="341" y="659"/>
+                  </a:lnTo>
+                  <a:lnTo>
+                    <a:pt x="1875" y="1170"/>
+                  </a:lnTo>
+                  <a:lnTo>
+                    <a:pt x="1875" y="1170"/>
+                  </a:lnTo>
+                  <a:lnTo>
+                    <a:pt x="2046" y="1194"/>
+                  </a:lnTo>
+                  <a:lnTo>
+                    <a:pt x="2046" y="1194"/>
+                  </a:lnTo>
+                  <a:lnTo>
+                    <a:pt x="2216" y="1170"/>
+                  </a:lnTo>
+                  <a:lnTo>
+                    <a:pt x="3751" y="659"/>
+                  </a:lnTo>
+                  <a:lnTo>
+                    <a:pt x="3751" y="659"/>
+                  </a:lnTo>
+                  <a:lnTo>
+                    <a:pt x="3897" y="585"/>
+                  </a:lnTo>
+                  <a:lnTo>
+                    <a:pt x="3994" y="464"/>
+                  </a:lnTo>
+                  <a:lnTo>
+                    <a:pt x="4067" y="318"/>
+                  </a:lnTo>
+                  <a:lnTo>
+                    <a:pt x="4092" y="171"/>
+                  </a:lnTo>
+                  <a:lnTo>
+                    <a:pt x="4092" y="1"/>
+                  </a:lnTo>
+                  <a:lnTo>
+                    <a:pt x="0" y="1"/>
+                  </a:lnTo>
+                  <a:close/>
+                </a:path>
+              </a:pathLst>
+            </a:custGeom>
+            <a:noFill/>
+            <a:ln w="9525" cap="rnd" cmpd="sng">
+              <a:solidFill>
+                <a:srgbClr val="000000"/>
+              </a:solidFill>
+              <a:prstDash val="solid"/>
+              <a:round/>
+              <a:headEnd type="none" w="sm" len="sm"/>
+              <a:tailEnd type="none" w="sm" len="sm"/>
+            </a:ln>
+          </p:spPr>
+          <p:txBody>
+            <a:bodyPr spcFirstLastPara="1" wrap="square" lIns="91425" tIns="91425" rIns="91425" bIns="91425" anchor="ctr" anchorCtr="0">
+              <a:noAutofit/>
+            </a:bodyPr>
+            <a:lstStyle/>
+            <a:p>
+              <a:pPr marL="0" lvl="0" indent="0">
+                <a:spcBef>
+                  <a:spcPts val="0"/>
+                </a:spcBef>
+                <a:spcAft>
+                  <a:spcPts val="0"/>
+                </a:spcAft>
+                <a:buNone/>
+              </a:pPr>
+              <a:endParaRPr/>
+            </a:p>
+          </p:txBody>
+        </p:sp>
+        <p:sp>
+          <p:nvSpPr>
+            <p:cNvPr id="76" name="Shape 76"/>
+            <p:cNvSpPr/>
+            <p:nvPr/>
+          </p:nvSpPr>
+          <p:spPr>
+            <a:xfrm>
+              <a:off x="6784925" y="2459275"/>
+              <a:ext cx="35350" cy="166875"/>
+            </a:xfrm>
+            <a:custGeom>
+              <a:avLst/>
+              <a:gdLst/>
+              <a:ahLst/>
+              <a:cxnLst/>
+              <a:rect l="0" t="0" r="0" b="0"/>
+              <a:pathLst>
+                <a:path w="1414" h="6675" fill="none" extrusionOk="0">
+                  <a:moveTo>
+                    <a:pt x="1413" y="6674"/>
+                  </a:moveTo>
+                  <a:lnTo>
+                    <a:pt x="1413" y="6674"/>
+                  </a:lnTo>
+                  <a:lnTo>
+                    <a:pt x="585" y="2850"/>
+                  </a:lnTo>
+                  <a:lnTo>
+                    <a:pt x="1" y="1"/>
+                  </a:lnTo>
+                </a:path>
+              </a:pathLst>
+            </a:custGeom>
+            <a:noFill/>
+            <a:ln w="9525" cap="rnd" cmpd="sng">
+              <a:solidFill>
+                <a:srgbClr val="000000"/>
+              </a:solidFill>
+              <a:prstDash val="solid"/>
+              <a:round/>
+              <a:headEnd type="none" w="sm" len="sm"/>
+              <a:tailEnd type="none" w="sm" len="sm"/>
+            </a:ln>
+          </p:spPr>
+          <p:txBody>
+            <a:bodyPr spcFirstLastPara="1" wrap="square" lIns="91425" tIns="91425" rIns="91425" bIns="91425" anchor="ctr" anchorCtr="0">
+              <a:noAutofit/>
+            </a:bodyPr>
+            <a:lstStyle/>
+            <a:p>
+              <a:pPr marL="0" lvl="0" indent="0">
+                <a:spcBef>
+                  <a:spcPts val="0"/>
+                </a:spcBef>
+                <a:spcAft>
+                  <a:spcPts val="0"/>
+                </a:spcAft>
+                <a:buNone/>
+              </a:pPr>
+              <a:endParaRPr/>
+            </a:p>
+          </p:txBody>
+        </p:sp>
+        <p:sp>
+          <p:nvSpPr>
+            <p:cNvPr id="77" name="Shape 77"/>
+            <p:cNvSpPr/>
+            <p:nvPr/>
+          </p:nvSpPr>
+          <p:spPr>
+            <a:xfrm>
+              <a:off x="6718575" y="2318625"/>
+              <a:ext cx="256950" cy="307525"/>
+            </a:xfrm>
+            <a:custGeom>
+              <a:avLst/>
+              <a:gdLst/>
+              <a:ahLst/>
+              <a:cxnLst/>
+              <a:rect l="0" t="0" r="0" b="0"/>
+              <a:pathLst>
+                <a:path w="10278" h="12301" fill="none" extrusionOk="0">
+                  <a:moveTo>
+                    <a:pt x="7185" y="12300"/>
+                  </a:moveTo>
+                  <a:lnTo>
+                    <a:pt x="7185" y="12300"/>
+                  </a:lnTo>
+                  <a:lnTo>
+                    <a:pt x="7307" y="11764"/>
+                  </a:lnTo>
+                  <a:lnTo>
+                    <a:pt x="7477" y="11253"/>
+                  </a:lnTo>
+                  <a:lnTo>
+                    <a:pt x="7672" y="10766"/>
+                  </a:lnTo>
+                  <a:lnTo>
+                    <a:pt x="7891" y="10327"/>
+                  </a:lnTo>
+                  <a:lnTo>
+                    <a:pt x="8135" y="9913"/>
+                  </a:lnTo>
+                  <a:lnTo>
+                    <a:pt x="8378" y="9499"/>
+                  </a:lnTo>
+                  <a:lnTo>
+                    <a:pt x="8914" y="8720"/>
+                  </a:lnTo>
+                  <a:lnTo>
+                    <a:pt x="9182" y="8330"/>
+                  </a:lnTo>
+                  <a:lnTo>
+                    <a:pt x="9425" y="7941"/>
+                  </a:lnTo>
+                  <a:lnTo>
+                    <a:pt x="9645" y="7551"/>
+                  </a:lnTo>
+                  <a:lnTo>
+                    <a:pt x="9864" y="7113"/>
+                  </a:lnTo>
+                  <a:lnTo>
+                    <a:pt x="10034" y="6674"/>
+                  </a:lnTo>
+                  <a:lnTo>
+                    <a:pt x="10156" y="6187"/>
+                  </a:lnTo>
+                  <a:lnTo>
+                    <a:pt x="10229" y="5676"/>
+                  </a:lnTo>
+                  <a:lnTo>
+                    <a:pt x="10253" y="5408"/>
+                  </a:lnTo>
+                  <a:lnTo>
+                    <a:pt x="10278" y="5140"/>
+                  </a:lnTo>
+                  <a:lnTo>
+                    <a:pt x="10278" y="5140"/>
+                  </a:lnTo>
+                  <a:lnTo>
+                    <a:pt x="10229" y="4604"/>
+                  </a:lnTo>
+                  <a:lnTo>
+                    <a:pt x="10156" y="4093"/>
+                  </a:lnTo>
+                  <a:lnTo>
+                    <a:pt x="10034" y="3605"/>
+                  </a:lnTo>
+                  <a:lnTo>
+                    <a:pt x="9864" y="3143"/>
+                  </a:lnTo>
+                  <a:lnTo>
+                    <a:pt x="9645" y="2680"/>
+                  </a:lnTo>
+                  <a:lnTo>
+                    <a:pt x="9401" y="2266"/>
+                  </a:lnTo>
+                  <a:lnTo>
+                    <a:pt x="9084" y="1876"/>
+                  </a:lnTo>
+                  <a:lnTo>
+                    <a:pt x="8768" y="1511"/>
+                  </a:lnTo>
+                  <a:lnTo>
+                    <a:pt x="8402" y="1170"/>
+                  </a:lnTo>
+                  <a:lnTo>
+                    <a:pt x="8013" y="878"/>
+                  </a:lnTo>
+                  <a:lnTo>
+                    <a:pt x="7574" y="634"/>
+                  </a:lnTo>
+                  <a:lnTo>
+                    <a:pt x="7136" y="415"/>
+                  </a:lnTo>
+                  <a:lnTo>
+                    <a:pt x="6673" y="244"/>
+                  </a:lnTo>
+                  <a:lnTo>
+                    <a:pt x="6162" y="98"/>
+                  </a:lnTo>
+                  <a:lnTo>
+                    <a:pt x="5675" y="25"/>
+                  </a:lnTo>
+                  <a:lnTo>
+                    <a:pt x="5139" y="1"/>
+                  </a:lnTo>
+                  <a:lnTo>
+                    <a:pt x="5139" y="1"/>
+                  </a:lnTo>
+                  <a:lnTo>
+                    <a:pt x="4603" y="25"/>
+                  </a:lnTo>
+                  <a:lnTo>
+                    <a:pt x="4116" y="98"/>
+                  </a:lnTo>
+                  <a:lnTo>
+                    <a:pt x="3605" y="244"/>
+                  </a:lnTo>
+                  <a:lnTo>
+                    <a:pt x="3142" y="415"/>
+                  </a:lnTo>
+                  <a:lnTo>
+                    <a:pt x="2703" y="634"/>
+                  </a:lnTo>
+                  <a:lnTo>
+                    <a:pt x="2265" y="878"/>
+                  </a:lnTo>
+                  <a:lnTo>
+                    <a:pt x="1875" y="1170"/>
+                  </a:lnTo>
+                  <a:lnTo>
+                    <a:pt x="1510" y="1511"/>
+                  </a:lnTo>
+                  <a:lnTo>
+                    <a:pt x="1193" y="1876"/>
+                  </a:lnTo>
+                  <a:lnTo>
+                    <a:pt x="877" y="2266"/>
+                  </a:lnTo>
+                  <a:lnTo>
+                    <a:pt x="633" y="2680"/>
+                  </a:lnTo>
+                  <a:lnTo>
+                    <a:pt x="414" y="3143"/>
+                  </a:lnTo>
+                  <a:lnTo>
+                    <a:pt x="244" y="3605"/>
+                  </a:lnTo>
+                  <a:lnTo>
+                    <a:pt x="122" y="4093"/>
+                  </a:lnTo>
+                  <a:lnTo>
+                    <a:pt x="49" y="4604"/>
+                  </a:lnTo>
+                  <a:lnTo>
+                    <a:pt x="0" y="5140"/>
+                  </a:lnTo>
+                  <a:lnTo>
+                    <a:pt x="0" y="5140"/>
+                  </a:lnTo>
+                  <a:lnTo>
+                    <a:pt x="24" y="5408"/>
+                  </a:lnTo>
+                  <a:lnTo>
+                    <a:pt x="49" y="5676"/>
+                  </a:lnTo>
+                  <a:lnTo>
+                    <a:pt x="122" y="6187"/>
+                  </a:lnTo>
+                  <a:lnTo>
+                    <a:pt x="244" y="6674"/>
+                  </a:lnTo>
+                  <a:lnTo>
+                    <a:pt x="414" y="7113"/>
+                  </a:lnTo>
+                  <a:lnTo>
+                    <a:pt x="633" y="7551"/>
+                  </a:lnTo>
+                  <a:lnTo>
+                    <a:pt x="852" y="7941"/>
+                  </a:lnTo>
+                  <a:lnTo>
+                    <a:pt x="1096" y="8330"/>
+                  </a:lnTo>
+                  <a:lnTo>
+                    <a:pt x="1364" y="8720"/>
+                  </a:lnTo>
+                  <a:lnTo>
+                    <a:pt x="1900" y="9499"/>
+                  </a:lnTo>
+                  <a:lnTo>
+                    <a:pt x="2143" y="9913"/>
+                  </a:lnTo>
+                  <a:lnTo>
+                    <a:pt x="2387" y="10327"/>
+                  </a:lnTo>
+                  <a:lnTo>
+                    <a:pt x="2606" y="10766"/>
+                  </a:lnTo>
+                  <a:lnTo>
+                    <a:pt x="2801" y="11253"/>
+                  </a:lnTo>
+                  <a:lnTo>
+                    <a:pt x="2971" y="11764"/>
+                  </a:lnTo>
+                  <a:lnTo>
+                    <a:pt x="3093" y="12300"/>
+                  </a:lnTo>
+                </a:path>
+              </a:pathLst>
+            </a:custGeom>
+            <a:noFill/>
+            <a:ln w="9525" cap="rnd" cmpd="sng">
+              <a:solidFill>
+                <a:srgbClr val="000000"/>
+              </a:solidFill>
+              <a:prstDash val="solid"/>
+              <a:round/>
+              <a:headEnd type="none" w="sm" len="sm"/>
+              <a:tailEnd type="none" w="sm" len="sm"/>
+            </a:ln>
+          </p:spPr>
+          <p:txBody>
+            <a:bodyPr spcFirstLastPara="1" wrap="square" lIns="91425" tIns="91425" rIns="91425" bIns="91425" anchor="ctr" anchorCtr="0">
+              <a:noAutofit/>
+            </a:bodyPr>
+            <a:lstStyle/>
+            <a:p>
+              <a:pPr marL="0" lvl="0" indent="0">
+                <a:spcBef>
+                  <a:spcPts val="0"/>
+                </a:spcBef>
+                <a:spcAft>
+                  <a:spcPts val="0"/>
+                </a:spcAft>
+                <a:buNone/>
+              </a:pPr>
+              <a:endParaRPr/>
+            </a:p>
+          </p:txBody>
+        </p:sp>
+        <p:sp>
+          <p:nvSpPr>
+            <p:cNvPr id="78" name="Shape 78"/>
+            <p:cNvSpPr/>
+            <p:nvPr/>
+          </p:nvSpPr>
+          <p:spPr>
+            <a:xfrm>
+              <a:off x="6873825" y="2459275"/>
+              <a:ext cx="35350" cy="166875"/>
+            </a:xfrm>
+            <a:custGeom>
+              <a:avLst/>
+              <a:gdLst/>
+              <a:ahLst/>
+              <a:cxnLst/>
+              <a:rect l="0" t="0" r="0" b="0"/>
+              <a:pathLst>
+                <a:path w="1414" h="6675" fill="none" extrusionOk="0">
+                  <a:moveTo>
+                    <a:pt x="1413" y="1"/>
+                  </a:moveTo>
+                  <a:lnTo>
+                    <a:pt x="1413" y="1"/>
+                  </a:lnTo>
+                  <a:lnTo>
+                    <a:pt x="829" y="2850"/>
+                  </a:lnTo>
+                  <a:lnTo>
+                    <a:pt x="1" y="6674"/>
+                  </a:lnTo>
+                </a:path>
+              </a:pathLst>
+            </a:custGeom>
+            <a:noFill/>
+            <a:ln w="9525" cap="rnd" cmpd="sng">
+              <a:solidFill>
+                <a:srgbClr val="000000"/>
+              </a:solidFill>
+              <a:prstDash val="solid"/>
+              <a:round/>
+              <a:headEnd type="none" w="sm" len="sm"/>
+              <a:tailEnd type="none" w="sm" len="sm"/>
+            </a:ln>
+          </p:spPr>
+          <p:txBody>
+            <a:bodyPr spcFirstLastPara="1" wrap="square" lIns="91425" tIns="91425" rIns="91425" bIns="91425" anchor="ctr" anchorCtr="0">
+              <a:noAutofit/>
+            </a:bodyPr>
+            <a:lstStyle/>
+            <a:p>
+              <a:pPr marL="0" lvl="0" indent="0">
+                <a:spcBef>
+                  <a:spcPts val="0"/>
+                </a:spcBef>
+                <a:spcAft>
+                  <a:spcPts val="0"/>
+                </a:spcAft>
+                <a:buNone/>
+              </a:pPr>
+              <a:endParaRPr/>
+            </a:p>
+          </p:txBody>
+        </p:sp>
+        <p:sp>
+          <p:nvSpPr>
+            <p:cNvPr id="79" name="Shape 79"/>
+            <p:cNvSpPr/>
+            <p:nvPr/>
+          </p:nvSpPr>
+          <p:spPr>
+            <a:xfrm>
+              <a:off x="6801975" y="2453200"/>
+              <a:ext cx="90150" cy="19500"/>
+            </a:xfrm>
+            <a:custGeom>
+              <a:avLst/>
+              <a:gdLst/>
+              <a:ahLst/>
+              <a:cxnLst/>
+              <a:rect l="0" t="0" r="0" b="0"/>
+              <a:pathLst>
+                <a:path w="3606" h="780" fill="none" extrusionOk="0">
+                  <a:moveTo>
+                    <a:pt x="1" y="73"/>
+                  </a:moveTo>
+                  <a:lnTo>
+                    <a:pt x="829" y="780"/>
+                  </a:lnTo>
+                  <a:lnTo>
+                    <a:pt x="1657" y="73"/>
+                  </a:lnTo>
+                  <a:lnTo>
+                    <a:pt x="1657" y="73"/>
+                  </a:lnTo>
+                  <a:lnTo>
+                    <a:pt x="1730" y="25"/>
+                  </a:lnTo>
+                  <a:lnTo>
+                    <a:pt x="1803" y="0"/>
+                  </a:lnTo>
+                  <a:lnTo>
+                    <a:pt x="1876" y="25"/>
+                  </a:lnTo>
+                  <a:lnTo>
+                    <a:pt x="1949" y="73"/>
+                  </a:lnTo>
+                  <a:lnTo>
+                    <a:pt x="2777" y="780"/>
+                  </a:lnTo>
+                  <a:lnTo>
+                    <a:pt x="3605" y="73"/>
+                  </a:lnTo>
+                </a:path>
+              </a:pathLst>
+            </a:custGeom>
+            <a:noFill/>
+            <a:ln w="9525" cap="rnd" cmpd="sng">
+              <a:solidFill>
+                <a:srgbClr val="000000"/>
+              </a:solidFill>
+              <a:prstDash val="solid"/>
+              <a:round/>
+              <a:headEnd type="none" w="sm" len="sm"/>
+              <a:tailEnd type="none" w="sm" len="sm"/>
+            </a:ln>
+          </p:spPr>
+          <p:txBody>
+            <a:bodyPr spcFirstLastPara="1" wrap="square" lIns="91425" tIns="91425" rIns="91425" bIns="91425" anchor="ctr" anchorCtr="0">
+              <a:noAutofit/>
+            </a:bodyPr>
+            <a:lstStyle/>
+            <a:p>
+              <a:pPr marL="0" lvl="0" indent="0">
+                <a:spcBef>
+                  <a:spcPts val="0"/>
+                </a:spcBef>
+                <a:spcAft>
+                  <a:spcPts val="0"/>
+                </a:spcAft>
+                <a:buNone/>
+              </a:pPr>
+              <a:endParaRPr/>
+            </a:p>
+          </p:txBody>
+        </p:sp>
+        <p:sp>
+          <p:nvSpPr>
+            <p:cNvPr id="80" name="Shape 80"/>
+            <p:cNvSpPr/>
+            <p:nvPr/>
+          </p:nvSpPr>
+          <p:spPr>
+            <a:xfrm>
+              <a:off x="6795900" y="2628550"/>
+              <a:ext cx="102300" cy="25"/>
+            </a:xfrm>
+            <a:custGeom>
+              <a:avLst/>
+              <a:gdLst/>
+              <a:ahLst/>
+              <a:cxnLst/>
+              <a:rect l="0" t="0" r="0" b="0"/>
+              <a:pathLst>
+                <a:path w="4092" h="1" fill="none" extrusionOk="0">
+                  <a:moveTo>
+                    <a:pt x="0" y="1"/>
+                  </a:moveTo>
+                  <a:lnTo>
+                    <a:pt x="4092" y="1"/>
+                  </a:lnTo>
+                </a:path>
+              </a:pathLst>
+            </a:custGeom>
+            <a:noFill/>
+            <a:ln w="9525" cap="rnd" cmpd="sng">
+              <a:solidFill>
+                <a:srgbClr val="000000"/>
+              </a:solidFill>
+              <a:prstDash val="solid"/>
+              <a:round/>
+              <a:headEnd type="none" w="sm" len="sm"/>
+              <a:tailEnd type="none" w="sm" len="sm"/>
+            </a:ln>
+          </p:spPr>
+          <p:txBody>
+            <a:bodyPr spcFirstLastPara="1" wrap="square" lIns="91425" tIns="91425" rIns="91425" bIns="91425" anchor="ctr" anchorCtr="0">
+              <a:noAutofit/>
+            </a:bodyPr>
+            <a:lstStyle/>
+            <a:p>
+              <a:pPr marL="0" lvl="0" indent="0">
+                <a:spcBef>
+                  <a:spcPts val="0"/>
+                </a:spcBef>
+                <a:spcAft>
+                  <a:spcPts val="0"/>
+                </a:spcAft>
+                <a:buNone/>
+              </a:pPr>
+              <a:endParaRPr/>
+            </a:p>
+          </p:txBody>
+        </p:sp>
+      </p:grpSp>
+      <p:sp>
+        <p:nvSpPr>
+          <p:cNvPr id="12" name="Shape 399">
+            <a:extLst>
+              <a:ext uri="{FF2B5EF4-FFF2-40B4-BE49-F238E27FC236}">
+                <a16:creationId xmlns:a16="http://schemas.microsoft.com/office/drawing/2014/main" id="{737538D8-9C1B-9945-9815-0B3759AF535D}"/>
+              </a:ext>
+            </a:extLst>
+          </p:cNvPr>
+          <p:cNvSpPr txBox="1">
+            <a:spLocks/>
+          </p:cNvSpPr>
+          <p:nvPr/>
+        </p:nvSpPr>
+        <p:spPr>
+          <a:xfrm>
+            <a:off x="2028417" y="206993"/>
+            <a:ext cx="5130863" cy="1051047"/>
+          </a:xfrm>
+          <a:prstGeom prst="rect">
+            <a:avLst/>
+          </a:prstGeom>
+        </p:spPr>
+        <p:txBody>
+          <a:bodyPr spcFirstLastPara="1" wrap="square" lIns="91425" tIns="91425" rIns="91425" bIns="91425" anchor="t" anchorCtr="0">
+            <a:noAutofit/>
+          </a:bodyPr>
+          <a:lstStyle>
+            <a:defPPr marR="0" lvl="0" algn="l" rtl="0">
+              <a:lnSpc>
+                <a:spcPct val="100000"/>
+              </a:lnSpc>
+              <a:spcBef>
+                <a:spcPts val="0"/>
+              </a:spcBef>
+              <a:spcAft>
+                <a:spcPts val="0"/>
+              </a:spcAft>
+            </a:defPPr>
+            <a:lvl1pPr marR="0" lvl="0" algn="l" rtl="0">
+              <a:lnSpc>
+                <a:spcPct val="100000"/>
+              </a:lnSpc>
+              <a:spcBef>
+                <a:spcPts val="0"/>
+              </a:spcBef>
+              <a:spcAft>
+                <a:spcPts val="0"/>
+              </a:spcAft>
+              <a:buClr>
+                <a:srgbClr val="000000"/>
+              </a:buClr>
+              <a:buFont typeface="Arial"/>
+              <a:defRPr sz="1400" b="0" i="0" u="none" strike="noStrike" cap="none">
+                <a:solidFill>
+                  <a:srgbClr val="000000"/>
+                </a:solidFill>
+                <a:latin typeface="Arial"/>
+                <a:ea typeface="Arial"/>
+                <a:cs typeface="Arial"/>
+                <a:sym typeface="Arial"/>
+              </a:defRPr>
+            </a:lvl1pPr>
+            <a:lvl2pPr marR="0" lvl="1" algn="l" rtl="0">
+              <a:lnSpc>
+                <a:spcPct val="100000"/>
+              </a:lnSpc>
+              <a:spcBef>
+                <a:spcPts val="0"/>
+              </a:spcBef>
+              <a:spcAft>
+                <a:spcPts val="0"/>
+              </a:spcAft>
+              <a:buClr>
+                <a:srgbClr val="000000"/>
+              </a:buClr>
+              <a:buFont typeface="Arial"/>
+              <a:defRPr sz="1400" b="0" i="0" u="none" strike="noStrike" cap="none">
+                <a:solidFill>
+                  <a:srgbClr val="000000"/>
+                </a:solidFill>
+                <a:latin typeface="Arial"/>
+                <a:ea typeface="Arial"/>
+                <a:cs typeface="Arial"/>
+                <a:sym typeface="Arial"/>
+              </a:defRPr>
+            </a:lvl2pPr>
+            <a:lvl3pPr marR="0" lvl="2" algn="l" rtl="0">
+              <a:lnSpc>
+                <a:spcPct val="100000"/>
+              </a:lnSpc>
+              <a:spcBef>
+                <a:spcPts val="0"/>
+              </a:spcBef>
+              <a:spcAft>
+                <a:spcPts val="0"/>
+              </a:spcAft>
+              <a:buClr>
+                <a:srgbClr val="000000"/>
+              </a:buClr>
+              <a:buFont typeface="Arial"/>
+              <a:defRPr sz="1400" b="0" i="0" u="none" strike="noStrike" cap="none">
+                <a:solidFill>
+                  <a:srgbClr val="000000"/>
+                </a:solidFill>
+                <a:latin typeface="Arial"/>
+                <a:ea typeface="Arial"/>
+                <a:cs typeface="Arial"/>
+                <a:sym typeface="Arial"/>
+              </a:defRPr>
+            </a:lvl3pPr>
+            <a:lvl4pPr marR="0" lvl="3" algn="l" rtl="0">
+              <a:lnSpc>
+                <a:spcPct val="100000"/>
+              </a:lnSpc>
+              <a:spcBef>
+                <a:spcPts val="0"/>
+              </a:spcBef>
+              <a:spcAft>
+                <a:spcPts val="0"/>
+              </a:spcAft>
+              <a:buClr>
+                <a:srgbClr val="000000"/>
+              </a:buClr>
+              <a:buFont typeface="Arial"/>
+              <a:defRPr sz="1400" b="0" i="0" u="none" strike="noStrike" cap="none">
+                <a:solidFill>
+                  <a:srgbClr val="000000"/>
+                </a:solidFill>
+                <a:latin typeface="Arial"/>
+                <a:ea typeface="Arial"/>
+                <a:cs typeface="Arial"/>
+                <a:sym typeface="Arial"/>
+              </a:defRPr>
+            </a:lvl4pPr>
+            <a:lvl5pPr marR="0" lvl="4" algn="l" rtl="0">
+              <a:lnSpc>
+                <a:spcPct val="100000"/>
+              </a:lnSpc>
+              <a:spcBef>
+                <a:spcPts val="0"/>
+              </a:spcBef>
+              <a:spcAft>
+                <a:spcPts val="0"/>
+              </a:spcAft>
+              <a:buClr>
+                <a:srgbClr val="000000"/>
+              </a:buClr>
+              <a:buFont typeface="Arial"/>
+              <a:defRPr sz="1400" b="0" i="0" u="none" strike="noStrike" cap="none">
+                <a:solidFill>
+                  <a:srgbClr val="000000"/>
+                </a:solidFill>
+                <a:latin typeface="Arial"/>
+                <a:ea typeface="Arial"/>
+                <a:cs typeface="Arial"/>
+                <a:sym typeface="Arial"/>
+              </a:defRPr>
+            </a:lvl5pPr>
+            <a:lvl6pPr marR="0" lvl="5" algn="l" rtl="0">
+              <a:lnSpc>
+                <a:spcPct val="100000"/>
+              </a:lnSpc>
+              <a:spcBef>
+                <a:spcPts val="0"/>
+              </a:spcBef>
+              <a:spcAft>
+                <a:spcPts val="0"/>
+              </a:spcAft>
+              <a:buClr>
+                <a:srgbClr val="000000"/>
+              </a:buClr>
+              <a:buFont typeface="Arial"/>
+              <a:defRPr sz="1400" b="0" i="0" u="none" strike="noStrike" cap="none">
+                <a:solidFill>
+                  <a:srgbClr val="000000"/>
+                </a:solidFill>
+                <a:latin typeface="Arial"/>
+                <a:ea typeface="Arial"/>
+                <a:cs typeface="Arial"/>
+                <a:sym typeface="Arial"/>
+              </a:defRPr>
+            </a:lvl6pPr>
+            <a:lvl7pPr marR="0" lvl="6" algn="l" rtl="0">
+              <a:lnSpc>
+                <a:spcPct val="100000"/>
+              </a:lnSpc>
+              <a:spcBef>
+                <a:spcPts val="0"/>
+              </a:spcBef>
+              <a:spcAft>
+                <a:spcPts val="0"/>
+              </a:spcAft>
+              <a:buClr>
+                <a:srgbClr val="000000"/>
+              </a:buClr>
+              <a:buFont typeface="Arial"/>
+              <a:defRPr sz="1400" b="0" i="0" u="none" strike="noStrike" cap="none">
+                <a:solidFill>
+                  <a:srgbClr val="000000"/>
+                </a:solidFill>
+                <a:latin typeface="Arial"/>
+                <a:ea typeface="Arial"/>
+                <a:cs typeface="Arial"/>
+                <a:sym typeface="Arial"/>
+              </a:defRPr>
+            </a:lvl7pPr>
+            <a:lvl8pPr marR="0" lvl="7" algn="l" rtl="0">
+              <a:lnSpc>
+                <a:spcPct val="100000"/>
+              </a:lnSpc>
+              <a:spcBef>
+                <a:spcPts val="0"/>
+              </a:spcBef>
+              <a:spcAft>
+                <a:spcPts val="0"/>
+              </a:spcAft>
+              <a:buClr>
+                <a:srgbClr val="000000"/>
+              </a:buClr>
+              <a:buFont typeface="Arial"/>
+              <a:defRPr sz="1400" b="0" i="0" u="none" strike="noStrike" cap="none">
+                <a:solidFill>
+                  <a:srgbClr val="000000"/>
+                </a:solidFill>
+                <a:latin typeface="Arial"/>
+                <a:ea typeface="Arial"/>
+                <a:cs typeface="Arial"/>
+                <a:sym typeface="Arial"/>
+              </a:defRPr>
+            </a:lvl8pPr>
+            <a:lvl9pPr marR="0" lvl="8" algn="l" rtl="0">
+              <a:lnSpc>
+                <a:spcPct val="100000"/>
+              </a:lnSpc>
+              <a:spcBef>
+                <a:spcPts val="0"/>
+              </a:spcBef>
+              <a:spcAft>
+                <a:spcPts val="0"/>
+              </a:spcAft>
+              <a:buClr>
+                <a:srgbClr val="000000"/>
+              </a:buClr>
+              <a:buFont typeface="Arial"/>
+              <a:defRPr sz="1400" b="0" i="0" u="none" strike="noStrike" cap="none">
+                <a:solidFill>
+                  <a:srgbClr val="000000"/>
+                </a:solidFill>
+                <a:latin typeface="Arial"/>
+                <a:ea typeface="Arial"/>
+                <a:cs typeface="Arial"/>
+                <a:sym typeface="Arial"/>
+              </a:defRPr>
+            </a:lvl9pPr>
+          </a:lstStyle>
+          <a:p>
+            <a:pPr algn="ctr">
+              <a:spcBef>
+                <a:spcPts val="600"/>
+              </a:spcBef>
+            </a:pPr>
+            <a:r>
+              <a:rPr lang="en-US" b="1" dirty="0">
+                <a:latin typeface="Helvetica" pitchFamily="2" charset="0"/>
+              </a:rPr>
+              <a:t>VIETNAM NATIONAL UNIVERSITY HO CHI MINH CITY</a:t>
+            </a:r>
+          </a:p>
+          <a:p>
+            <a:pPr algn="ctr">
+              <a:spcBef>
+                <a:spcPts val="600"/>
+              </a:spcBef>
+            </a:pPr>
+            <a:r>
+              <a:rPr lang="en-US" b="1" dirty="0">
+                <a:latin typeface="Helvetica" pitchFamily="2" charset="0"/>
+              </a:rPr>
+              <a:t>UNIVERSITY OF INFORMATION TECHNOLOGY</a:t>
+            </a:r>
+          </a:p>
+          <a:p>
+            <a:pPr algn="ctr">
+              <a:spcBef>
+                <a:spcPts val="600"/>
+              </a:spcBef>
+            </a:pPr>
+            <a:r>
+              <a:rPr lang="en-US" b="1" dirty="0">
+                <a:latin typeface="Helvetica" pitchFamily="2" charset="0"/>
+              </a:rPr>
+              <a:t>FACULTY OF SOFTWARE ENGINEERING</a:t>
+            </a:r>
+          </a:p>
+        </p:txBody>
+      </p:sp>
+      <p:pic>
+        <p:nvPicPr>
+          <p:cNvPr id="3" name="Picture 2">
+            <a:extLst>
+              <a:ext uri="{FF2B5EF4-FFF2-40B4-BE49-F238E27FC236}">
+                <a16:creationId xmlns:a16="http://schemas.microsoft.com/office/drawing/2014/main" id="{16C6AE08-6524-CA41-9A4E-6F1A4537F9DE}"/>
+              </a:ext>
+            </a:extLst>
+          </p:cNvPr>
+          <p:cNvPicPr>
+            <a:picLocks noChangeAspect="1"/>
+          </p:cNvPicPr>
+          <p:nvPr/>
+        </p:nvPicPr>
+        <p:blipFill>
+          <a:blip r:embed="rId3"/>
+          <a:stretch>
+            <a:fillRect/>
+          </a:stretch>
+        </p:blipFill>
+        <p:spPr>
+          <a:xfrm>
+            <a:off x="789081" y="249157"/>
+            <a:ext cx="1236133" cy="951713"/>
+          </a:xfrm>
+          <a:prstGeom prst="rect">
+            <a:avLst/>
+          </a:prstGeom>
+        </p:spPr>
+      </p:pic>
+      <p:pic>
+        <p:nvPicPr>
+          <p:cNvPr id="5" name="Picture 4">
+            <a:extLst>
+              <a:ext uri="{FF2B5EF4-FFF2-40B4-BE49-F238E27FC236}">
+                <a16:creationId xmlns:a16="http://schemas.microsoft.com/office/drawing/2014/main" id="{75B9B80F-AE92-E449-A52D-58A023067E66}"/>
+              </a:ext>
+            </a:extLst>
+          </p:cNvPr>
+          <p:cNvPicPr>
+            <a:picLocks noChangeAspect="1"/>
+          </p:cNvPicPr>
+          <p:nvPr/>
+        </p:nvPicPr>
+        <p:blipFill>
+          <a:blip r:embed="rId4"/>
+          <a:stretch>
+            <a:fillRect/>
+          </a:stretch>
+        </p:blipFill>
+        <p:spPr>
+          <a:xfrm>
+            <a:off x="7159280" y="199629"/>
+            <a:ext cx="1056019" cy="1056019"/>
+          </a:xfrm>
+          <a:prstGeom prst="rect">
+            <a:avLst/>
+          </a:prstGeom>
+        </p:spPr>
+      </p:pic>
+      <p:graphicFrame>
+        <p:nvGraphicFramePr>
+          <p:cNvPr id="2" name="Table 1">
+            <a:extLst>
+              <a:ext uri="{FF2B5EF4-FFF2-40B4-BE49-F238E27FC236}">
+                <a16:creationId xmlns:a16="http://schemas.microsoft.com/office/drawing/2014/main" id="{412333C1-D27D-2E42-9D23-6C48055DF803}"/>
+              </a:ext>
+            </a:extLst>
+          </p:cNvPr>
+          <p:cNvGraphicFramePr>
+            <a:graphicFrameLocks noGrp="1"/>
+          </p:cNvGraphicFramePr>
+          <p:nvPr>
+            <p:extLst/>
+          </p:nvPr>
+        </p:nvGraphicFramePr>
+        <p:xfrm>
+          <a:off x="4326744" y="3853823"/>
+          <a:ext cx="3864324" cy="741680"/>
+        </p:xfrm>
+        <a:graphic>
+          <a:graphicData uri="http://schemas.openxmlformats.org/drawingml/2006/table">
+            <a:tbl>
+              <a:tblPr>
+                <a:tableStyleId>{18DC89FB-F4F2-4100-AEF2-899073A7C57A}</a:tableStyleId>
+              </a:tblPr>
+              <a:tblGrid>
+                <a:gridCol w="1112414">
+                  <a:extLst>
+                    <a:ext uri="{9D8B030D-6E8A-4147-A177-3AD203B41FA5}">
+                      <a16:colId xmlns:a16="http://schemas.microsoft.com/office/drawing/2014/main" val="4141862857"/>
+                    </a:ext>
+                  </a:extLst>
+                </a:gridCol>
+                <a:gridCol w="2751910">
+                  <a:extLst>
+                    <a:ext uri="{9D8B030D-6E8A-4147-A177-3AD203B41FA5}">
+                      <a16:colId xmlns:a16="http://schemas.microsoft.com/office/drawing/2014/main" val="2005496210"/>
+                    </a:ext>
+                  </a:extLst>
+                </a:gridCol>
+              </a:tblGrid>
+              <a:tr h="370840">
+                <a:tc>
+                  <a:txBody>
+                    <a:bodyPr/>
+                    <a:lstStyle/>
+                    <a:p>
+                      <a:pPr algn="l"/>
+                      <a:r>
+                        <a:rPr lang="en-US" dirty="0">
+                          <a:latin typeface="Quattrocento Sans" panose="020B0502050000020003" pitchFamily="34" charset="0"/>
+                        </a:rPr>
+                        <a:t>Student:</a:t>
+                      </a:r>
+                      <a:endParaRPr lang="en-US" dirty="0"/>
+                    </a:p>
+                  </a:txBody>
+                  <a:tcPr anchor="b">
+                    <a:lnL w="9525" cap="flat" cmpd="sng">
+                      <a:noFill/>
+                      <a:prstDash val="solid"/>
+                      <a:round/>
+                      <a:headEnd type="none" w="sm" len="sm"/>
+                      <a:tailEnd type="none" w="sm" len="sm"/>
+                    </a:lnL>
+                    <a:lnR w="9525" cap="flat" cmpd="sng">
+                      <a:noFill/>
+                      <a:prstDash val="solid"/>
+                      <a:round/>
+                      <a:headEnd type="none" w="sm" len="sm"/>
+                      <a:tailEnd type="none" w="sm" len="sm"/>
+                    </a:lnR>
+                    <a:lnT w="9525" cap="flat" cmpd="sng">
+                      <a:noFill/>
+                      <a:prstDash val="solid"/>
+                      <a:round/>
+                      <a:headEnd type="none" w="sm" len="sm"/>
+                      <a:tailEnd type="none" w="sm" len="sm"/>
+                    </a:lnT>
+                    <a:lnB w="9525" cap="flat" cmpd="sng">
+                      <a:noFill/>
+                      <a:prstDash val="solid"/>
+                      <a:round/>
+                      <a:headEnd type="none" w="sm" len="sm"/>
+                      <a:tailEnd type="none" w="sm" len="sm"/>
+                    </a:lnB>
+                    <a:lnTlToBr w="12700" cmpd="sng">
+                      <a:noFill/>
+                      <a:prstDash val="solid"/>
+                    </a:lnTlToBr>
+                    <a:lnBlToTr w="12700" cmpd="sng">
+                      <a:noFill/>
+                      <a:prstDash val="solid"/>
+                    </a:lnBlToTr>
+                  </a:tcPr>
+                </a:tc>
+                <a:tc>
+                  <a:txBody>
+                    <a:bodyPr/>
+                    <a:lstStyle/>
+                    <a:p>
+                      <a:pPr algn="l"/>
+                      <a:r>
+                        <a:rPr lang="en-US" b="1" dirty="0">
+                          <a:latin typeface="Quattrocento Sans" panose="020B0502050000020003" pitchFamily="34" charset="0"/>
+                        </a:rPr>
+                        <a:t>Phạm Hữu Danh - 14520134</a:t>
+                      </a:r>
+                      <a:endParaRPr lang="en-US" b="1" dirty="0"/>
+                    </a:p>
+                  </a:txBody>
+                  <a:tcPr anchor="b">
+                    <a:lnL w="9525" cap="flat" cmpd="sng">
+                      <a:noFill/>
+                      <a:prstDash val="solid"/>
+                      <a:round/>
+                      <a:headEnd type="none" w="sm" len="sm"/>
+                      <a:tailEnd type="none" w="sm" len="sm"/>
+                    </a:lnL>
+                    <a:lnR w="9525" cap="flat" cmpd="sng">
+                      <a:noFill/>
+                      <a:prstDash val="solid"/>
+                      <a:round/>
+                      <a:headEnd type="none" w="sm" len="sm"/>
+                      <a:tailEnd type="none" w="sm" len="sm"/>
+                    </a:lnR>
+                    <a:lnT w="9525" cap="flat" cmpd="sng">
+                      <a:noFill/>
+                      <a:prstDash val="solid"/>
+                      <a:round/>
+                      <a:headEnd type="none" w="sm" len="sm"/>
+                      <a:tailEnd type="none" w="sm" len="sm"/>
+                    </a:lnT>
+                    <a:lnB w="9525" cap="flat" cmpd="sng">
+                      <a:noFill/>
+                      <a:prstDash val="solid"/>
+                      <a:round/>
+                      <a:headEnd type="none" w="sm" len="sm"/>
+                      <a:tailEnd type="none" w="sm" len="sm"/>
+                    </a:lnB>
+                    <a:lnTlToBr w="12700" cmpd="sng">
+                      <a:noFill/>
+                      <a:prstDash val="solid"/>
+                    </a:lnTlToBr>
+                    <a:lnBlToTr w="12700" cmpd="sng">
+                      <a:noFill/>
+                      <a:prstDash val="solid"/>
+                    </a:lnBlToTr>
+                  </a:tcPr>
+                </a:tc>
+                <a:extLst>
+                  <a:ext uri="{0D108BD9-81ED-4DB2-BD59-A6C34878D82A}">
+                    <a16:rowId xmlns:a16="http://schemas.microsoft.com/office/drawing/2014/main" val="3770237465"/>
+                  </a:ext>
+                </a:extLst>
+              </a:tr>
+              <a:tr h="370840">
+                <a:tc>
+                  <a:txBody>
+                    <a:bodyPr/>
+                    <a:lstStyle/>
+                    <a:p>
+                      <a:pPr algn="l"/>
+                      <a:r>
+                        <a:rPr lang="en-US" dirty="0">
+                          <a:latin typeface="Quattrocento Sans" panose="020B0502050000020003" pitchFamily="34" charset="0"/>
+                        </a:rPr>
+                        <a:t>Supervisor:</a:t>
+                      </a:r>
+                      <a:endParaRPr lang="en-US" dirty="0"/>
+                    </a:p>
+                  </a:txBody>
+                  <a:tcPr anchor="b">
+                    <a:lnL w="9525" cap="flat" cmpd="sng">
+                      <a:noFill/>
+                      <a:prstDash val="solid"/>
+                      <a:round/>
+                      <a:headEnd type="none" w="sm" len="sm"/>
+                      <a:tailEnd type="none" w="sm" len="sm"/>
+                    </a:lnL>
+                    <a:lnR w="9525" cap="flat" cmpd="sng">
+                      <a:noFill/>
+                      <a:prstDash val="solid"/>
+                      <a:round/>
+                      <a:headEnd type="none" w="sm" len="sm"/>
+                      <a:tailEnd type="none" w="sm" len="sm"/>
+                    </a:lnR>
+                    <a:lnT w="9525" cap="flat" cmpd="sng">
+                      <a:noFill/>
+                      <a:prstDash val="solid"/>
+                      <a:round/>
+                      <a:headEnd type="none" w="sm" len="sm"/>
+                      <a:tailEnd type="none" w="sm" len="sm"/>
+                    </a:lnT>
+                    <a:lnB w="9525" cap="flat" cmpd="sng">
+                      <a:noFill/>
+                      <a:prstDash val="solid"/>
+                      <a:round/>
+                      <a:headEnd type="none" w="sm" len="sm"/>
+                      <a:tailEnd type="none" w="sm" len="sm"/>
+                    </a:lnB>
+                    <a:lnTlToBr w="12700" cmpd="sng">
+                      <a:noFill/>
+                      <a:prstDash val="solid"/>
+                    </a:lnTlToBr>
+                    <a:lnBlToTr w="12700" cmpd="sng">
+                      <a:noFill/>
+                      <a:prstDash val="solid"/>
+                    </a:lnBlToTr>
+                  </a:tcPr>
+                </a:tc>
+                <a:tc>
+                  <a:txBody>
+                    <a:bodyPr/>
+                    <a:lstStyle/>
+                    <a:p>
+                      <a:pPr algn="l"/>
+                      <a:r>
+                        <a:rPr lang="en-US" b="1" dirty="0">
+                          <a:latin typeface="Quattrocento Sans" panose="020B0502050000020003" pitchFamily="34" charset="0"/>
+                        </a:rPr>
+                        <a:t>Assoc Prof. Dr. Vũ Thanh Nguyên</a:t>
+                      </a:r>
+                      <a:endParaRPr lang="en-US" b="1" dirty="0"/>
+                    </a:p>
+                  </a:txBody>
+                  <a:tcPr anchor="b">
+                    <a:lnL w="9525" cap="flat" cmpd="sng">
+                      <a:noFill/>
+                      <a:prstDash val="solid"/>
+                      <a:round/>
+                      <a:headEnd type="none" w="sm" len="sm"/>
+                      <a:tailEnd type="none" w="sm" len="sm"/>
+                    </a:lnL>
+                    <a:lnR w="9525" cap="flat" cmpd="sng">
+                      <a:noFill/>
+                      <a:prstDash val="solid"/>
+                      <a:round/>
+                      <a:headEnd type="none" w="sm" len="sm"/>
+                      <a:tailEnd type="none" w="sm" len="sm"/>
+                    </a:lnR>
+                    <a:lnT w="9525" cap="flat" cmpd="sng">
+                      <a:noFill/>
+                      <a:prstDash val="solid"/>
+                      <a:round/>
+                      <a:headEnd type="none" w="sm" len="sm"/>
+                      <a:tailEnd type="none" w="sm" len="sm"/>
+                    </a:lnT>
+                    <a:lnB w="9525" cap="flat" cmpd="sng">
+                      <a:noFill/>
+                      <a:prstDash val="solid"/>
+                      <a:round/>
+                      <a:headEnd type="none" w="sm" len="sm"/>
+                      <a:tailEnd type="none" w="sm" len="sm"/>
+                    </a:lnB>
+                    <a:lnTlToBr w="12700" cmpd="sng">
+                      <a:noFill/>
+                      <a:prstDash val="solid"/>
+                    </a:lnTlToBr>
+                    <a:lnBlToTr w="12700" cmpd="sng">
+                      <a:noFill/>
+                      <a:prstDash val="solid"/>
+                    </a:lnBlToTr>
+                  </a:tcPr>
+                </a:tc>
+                <a:extLst>
+                  <a:ext uri="{0D108BD9-81ED-4DB2-BD59-A6C34878D82A}">
+                    <a16:rowId xmlns:a16="http://schemas.microsoft.com/office/drawing/2014/main" val="3757825438"/>
+                  </a:ext>
+                </a:extLst>
+              </a:tr>
+            </a:tbl>
+          </a:graphicData>
+        </a:graphic>
+      </p:graphicFrame>
+    </p:spTree>
+    <p:extLst>
+      <p:ext uri="{BB962C8B-B14F-4D97-AF65-F5344CB8AC3E}">
+        <p14:creationId xmlns:p14="http://schemas.microsoft.com/office/powerpoint/2010/main" val="1308459314"/>
+      </p:ext>
+    </p:extLst>
+  </p:cSld>
+  <p:clrMapOvr>
+    <a:masterClrMapping/>
+  </p:clrMapOvr>
+</p:sld>
+</file>
+
+<file path=ppt/slides/slide20.xml><?xml version="1.0" encoding="utf-8"?>
 <p:sld xmlns:a="http://schemas.openxmlformats.org/drawingml/2006/main" xmlns:r="http://schemas.openxmlformats.org/officeDocument/2006/relationships" xmlns:p="http://schemas.openxmlformats.org/presentationml/2006/main">
   <p:cSld>
     <p:spTree>
@@ -12854,7 +14615,7 @@
             </a:pPr>
             <a:fld id="{00000000-1234-1234-1234-123412341234}" type="slidenum">
               <a:rPr lang="en"/>
-              <a:t>19</a:t>
+              <a:t>20</a:t>
             </a:fld>
             <a:endParaRPr/>
           </a:p>
@@ -12934,858 +14695,7 @@
 </p:sld>
 </file>
 
-<file path=ppt/slides/slide2.xml><?xml version="1.0" encoding="utf-8"?>
-<p:sld xmlns:a="http://schemas.openxmlformats.org/drawingml/2006/main" xmlns:r="http://schemas.openxmlformats.org/officeDocument/2006/relationships" xmlns:p="http://schemas.openxmlformats.org/presentationml/2006/main">
-  <p:cSld>
-    <p:spTree>
-      <p:nvGrpSpPr>
-        <p:cNvPr id="1" name="Shape 123"/>
-        <p:cNvGrpSpPr/>
-        <p:nvPr/>
-      </p:nvGrpSpPr>
-      <p:grpSpPr>
-        <a:xfrm>
-          <a:off x="0" y="0"/>
-          <a:ext cx="0" cy="0"/>
-          <a:chOff x="0" y="0"/>
-          <a:chExt cx="0" cy="0"/>
-        </a:xfrm>
-      </p:grpSpPr>
-      <p:sp>
-        <p:nvSpPr>
-          <p:cNvPr id="124" name="Shape 124"/>
-          <p:cNvSpPr txBox="1">
-            <a:spLocks noGrp="1"/>
-          </p:cNvSpPr>
-          <p:nvPr>
-            <p:ph type="title"/>
-          </p:nvPr>
-        </p:nvSpPr>
-        <p:spPr>
-          <a:xfrm>
-            <a:off x="1381250" y="922668"/>
-            <a:ext cx="3878400" cy="435600"/>
-          </a:xfrm>
-          <a:prstGeom prst="rect">
-            <a:avLst/>
-          </a:prstGeom>
-        </p:spPr>
-        <p:txBody>
-          <a:bodyPr spcFirstLastPara="1" wrap="square" lIns="91425" tIns="91425" rIns="91425" bIns="91425" anchor="ctr" anchorCtr="0">
-            <a:noAutofit/>
-          </a:bodyPr>
-          <a:lstStyle/>
-          <a:p>
-            <a:pPr marL="0" lvl="0" indent="0">
-              <a:spcBef>
-                <a:spcPts val="0"/>
-              </a:spcBef>
-              <a:spcAft>
-                <a:spcPts val="0"/>
-              </a:spcAft>
-              <a:buNone/>
-            </a:pPr>
-            <a:r>
-              <a:rPr lang="en" dirty="0"/>
-              <a:t>Contents</a:t>
-            </a:r>
-            <a:endParaRPr dirty="0">
-              <a:highlight>
-                <a:srgbClr val="FFCD00"/>
-              </a:highlight>
-            </a:endParaRPr>
-          </a:p>
-        </p:txBody>
-      </p:sp>
-      <p:sp>
-        <p:nvSpPr>
-          <p:cNvPr id="125" name="Shape 125"/>
-          <p:cNvSpPr txBox="1">
-            <a:spLocks noGrp="1"/>
-          </p:cNvSpPr>
-          <p:nvPr>
-            <p:ph type="body" idx="1"/>
-          </p:nvPr>
-        </p:nvSpPr>
-        <p:spPr>
-          <a:xfrm>
-            <a:off x="1381250" y="1358268"/>
-            <a:ext cx="6809700" cy="3270945"/>
-          </a:xfrm>
-          <a:prstGeom prst="rect">
-            <a:avLst/>
-          </a:prstGeom>
-        </p:spPr>
-        <p:txBody>
-          <a:bodyPr spcFirstLastPara="1" wrap="square" lIns="91425" tIns="91425" rIns="91425" bIns="91425" anchor="t" anchorCtr="0">
-            <a:noAutofit/>
-          </a:bodyPr>
-          <a:lstStyle/>
-          <a:p>
-            <a:pPr marL="533400" lvl="0" indent="-457200" rtl="0">
-              <a:lnSpc>
-                <a:spcPct val="150000"/>
-              </a:lnSpc>
-              <a:spcBef>
-                <a:spcPts val="600"/>
-              </a:spcBef>
-              <a:spcAft>
-                <a:spcPts val="0"/>
-              </a:spcAft>
-              <a:buSzPts val="2400"/>
-              <a:buFont typeface="+mj-lt"/>
-              <a:buAutoNum type="arabicPeriod"/>
-            </a:pPr>
-            <a:r>
-              <a:rPr lang="en" sz="2000" dirty="0"/>
-              <a:t>Introduction</a:t>
-            </a:r>
-            <a:endParaRPr sz="2000" dirty="0"/>
-          </a:p>
-          <a:p>
-            <a:pPr marL="533400" lvl="0" indent="-457200" rtl="0">
-              <a:lnSpc>
-                <a:spcPct val="150000"/>
-              </a:lnSpc>
-              <a:spcBef>
-                <a:spcPts val="0"/>
-              </a:spcBef>
-              <a:spcAft>
-                <a:spcPts val="0"/>
-              </a:spcAft>
-              <a:buSzPts val="2400"/>
-              <a:buFont typeface="+mj-lt"/>
-              <a:buAutoNum type="arabicPeriod"/>
-            </a:pPr>
-            <a:r>
-              <a:rPr lang="en" sz="2000" dirty="0"/>
-              <a:t>Proposed methods</a:t>
-            </a:r>
-          </a:p>
-          <a:p>
-            <a:pPr marL="990600" lvl="1" indent="-457200">
-              <a:buSzPts val="2400"/>
-              <a:buFont typeface="+mj-lt"/>
-              <a:buAutoNum type="arabicPeriod"/>
-            </a:pPr>
-            <a:r>
-              <a:rPr lang="en" sz="1800" dirty="0"/>
-              <a:t>Issues of using Imbalanced Datasets</a:t>
-            </a:r>
-          </a:p>
-          <a:p>
-            <a:pPr marL="990600" lvl="1" indent="-457200">
-              <a:buSzPts val="2400"/>
-              <a:buFont typeface="+mj-lt"/>
-              <a:buAutoNum type="arabicPeriod"/>
-            </a:pPr>
-            <a:r>
-              <a:rPr lang="en" sz="1800" dirty="0"/>
-              <a:t>Feature Extraction</a:t>
-            </a:r>
-          </a:p>
-          <a:p>
-            <a:pPr marL="990600" lvl="1" indent="-457200">
-              <a:buSzPts val="2400"/>
-              <a:buFont typeface="+mj-lt"/>
-              <a:buAutoNum type="arabicPeriod"/>
-            </a:pPr>
-            <a:r>
-              <a:rPr lang="en" sz="1800" dirty="0"/>
-              <a:t>Gradient Boosting Decision Tree model</a:t>
-            </a:r>
-          </a:p>
-          <a:p>
-            <a:pPr marL="533400" lvl="0" indent="-457200" rtl="0">
-              <a:lnSpc>
-                <a:spcPct val="150000"/>
-              </a:lnSpc>
-              <a:spcBef>
-                <a:spcPts val="0"/>
-              </a:spcBef>
-              <a:spcAft>
-                <a:spcPts val="0"/>
-              </a:spcAft>
-              <a:buSzPts val="2400"/>
-              <a:buFont typeface="+mj-lt"/>
-              <a:buAutoNum type="arabicPeriod"/>
-            </a:pPr>
-            <a:r>
-              <a:rPr lang="en" sz="2000" dirty="0"/>
-              <a:t>Experiment</a:t>
-            </a:r>
-          </a:p>
-          <a:p>
-            <a:pPr marL="990600" lvl="1" indent="-457200">
-              <a:buSzPts val="2400"/>
-              <a:buFont typeface="+mj-lt"/>
-              <a:buAutoNum type="arabicPeriod"/>
-            </a:pPr>
-            <a:r>
-              <a:rPr lang="en-US" sz="1800" dirty="0"/>
-              <a:t>Evaluation Criteria </a:t>
-            </a:r>
-          </a:p>
-          <a:p>
-            <a:pPr marL="990600" lvl="1" indent="-457200">
-              <a:buSzPts val="2400"/>
-              <a:buFont typeface="+mj-lt"/>
-              <a:buAutoNum type="arabicPeriod"/>
-            </a:pPr>
-            <a:r>
-              <a:rPr lang="en-US" sz="1800" dirty="0"/>
-              <a:t>Experimental Results </a:t>
-            </a:r>
-            <a:endParaRPr lang="en" sz="1800" dirty="0"/>
-          </a:p>
-          <a:p>
-            <a:pPr marL="533400" lvl="0" indent="-457200" rtl="0">
-              <a:lnSpc>
-                <a:spcPct val="150000"/>
-              </a:lnSpc>
-              <a:spcBef>
-                <a:spcPts val="0"/>
-              </a:spcBef>
-              <a:spcAft>
-                <a:spcPts val="0"/>
-              </a:spcAft>
-              <a:buSzPts val="2400"/>
-              <a:buFont typeface="+mj-lt"/>
-              <a:buAutoNum type="arabicPeriod"/>
-            </a:pPr>
-            <a:r>
-              <a:rPr lang="en" sz="2000" dirty="0"/>
-              <a:t>Conclusion</a:t>
-            </a:r>
-          </a:p>
-        </p:txBody>
-      </p:sp>
-      <p:grpSp>
-        <p:nvGrpSpPr>
-          <p:cNvPr id="126" name="Shape 126"/>
-          <p:cNvGrpSpPr/>
-          <p:nvPr/>
-        </p:nvGrpSpPr>
-        <p:grpSpPr>
-          <a:xfrm>
-            <a:off x="916458" y="1019750"/>
-            <a:ext cx="214625" cy="214625"/>
-            <a:chOff x="2594050" y="1631825"/>
-            <a:chExt cx="439625" cy="439625"/>
-          </a:xfrm>
-        </p:grpSpPr>
-        <p:sp>
-          <p:nvSpPr>
-            <p:cNvPr id="127" name="Shape 127"/>
-            <p:cNvSpPr/>
-            <p:nvPr/>
-          </p:nvSpPr>
-          <p:spPr>
-            <a:xfrm>
-              <a:off x="2594050" y="1883300"/>
-              <a:ext cx="188175" cy="188150"/>
-            </a:xfrm>
-            <a:custGeom>
-              <a:avLst/>
-              <a:gdLst/>
-              <a:ahLst/>
-              <a:cxnLst/>
-              <a:rect l="0" t="0" r="0" b="0"/>
-              <a:pathLst>
-                <a:path w="7527" h="7526" fill="none" extrusionOk="0">
-                  <a:moveTo>
-                    <a:pt x="5992" y="0"/>
-                  </a:moveTo>
-                  <a:lnTo>
-                    <a:pt x="537" y="6430"/>
-                  </a:lnTo>
-                  <a:lnTo>
-                    <a:pt x="1" y="7526"/>
-                  </a:lnTo>
-                  <a:lnTo>
-                    <a:pt x="1097" y="6990"/>
-                  </a:lnTo>
-                  <a:lnTo>
-                    <a:pt x="7526" y="1534"/>
-                  </a:lnTo>
-                  <a:lnTo>
-                    <a:pt x="5992" y="0"/>
-                  </a:lnTo>
-                  <a:close/>
-                </a:path>
-              </a:pathLst>
-            </a:custGeom>
-            <a:noFill/>
-            <a:ln w="9525" cap="rnd" cmpd="sng">
-              <a:solidFill>
-                <a:srgbClr val="000000"/>
-              </a:solidFill>
-              <a:prstDash val="solid"/>
-              <a:round/>
-              <a:headEnd type="none" w="sm" len="sm"/>
-              <a:tailEnd type="none" w="sm" len="sm"/>
-            </a:ln>
-          </p:spPr>
-          <p:txBody>
-            <a:bodyPr spcFirstLastPara="1" wrap="square" lIns="91425" tIns="91425" rIns="91425" bIns="91425" anchor="ctr" anchorCtr="0">
-              <a:noAutofit/>
-            </a:bodyPr>
-            <a:lstStyle/>
-            <a:p>
-              <a:pPr marL="0" lvl="0" indent="0">
-                <a:spcBef>
-                  <a:spcPts val="0"/>
-                </a:spcBef>
-                <a:spcAft>
-                  <a:spcPts val="0"/>
-                </a:spcAft>
-                <a:buNone/>
-              </a:pPr>
-              <a:endParaRPr/>
-            </a:p>
-          </p:txBody>
-        </p:sp>
-        <p:sp>
-          <p:nvSpPr>
-            <p:cNvPr id="128" name="Shape 128"/>
-            <p:cNvSpPr/>
-            <p:nvPr/>
-          </p:nvSpPr>
-          <p:spPr>
-            <a:xfrm>
-              <a:off x="2857700" y="1631825"/>
-              <a:ext cx="175975" cy="176000"/>
-            </a:xfrm>
-            <a:custGeom>
-              <a:avLst/>
-              <a:gdLst/>
-              <a:ahLst/>
-              <a:cxnLst/>
-              <a:rect l="0" t="0" r="0" b="0"/>
-              <a:pathLst>
-                <a:path w="7039" h="7040" fill="none" extrusionOk="0">
-                  <a:moveTo>
-                    <a:pt x="268" y="2704"/>
-                  </a:moveTo>
-                  <a:lnTo>
-                    <a:pt x="4336" y="6771"/>
-                  </a:lnTo>
-                  <a:lnTo>
-                    <a:pt x="4336" y="6771"/>
-                  </a:lnTo>
-                  <a:lnTo>
-                    <a:pt x="4336" y="6771"/>
-                  </a:lnTo>
-                  <a:lnTo>
-                    <a:pt x="4652" y="6917"/>
-                  </a:lnTo>
-                  <a:lnTo>
-                    <a:pt x="4993" y="7015"/>
-                  </a:lnTo>
-                  <a:lnTo>
-                    <a:pt x="5310" y="7039"/>
-                  </a:lnTo>
-                  <a:lnTo>
-                    <a:pt x="5651" y="7039"/>
-                  </a:lnTo>
-                  <a:lnTo>
-                    <a:pt x="5992" y="6966"/>
-                  </a:lnTo>
-                  <a:lnTo>
-                    <a:pt x="6308" y="6844"/>
-                  </a:lnTo>
-                  <a:lnTo>
-                    <a:pt x="6454" y="6747"/>
-                  </a:lnTo>
-                  <a:lnTo>
-                    <a:pt x="6601" y="6674"/>
-                  </a:lnTo>
-                  <a:lnTo>
-                    <a:pt x="6747" y="6552"/>
-                  </a:lnTo>
-                  <a:lnTo>
-                    <a:pt x="6893" y="6430"/>
-                  </a:lnTo>
-                  <a:lnTo>
-                    <a:pt x="6893" y="6430"/>
-                  </a:lnTo>
-                  <a:lnTo>
-                    <a:pt x="6942" y="6357"/>
-                  </a:lnTo>
-                  <a:lnTo>
-                    <a:pt x="7015" y="6260"/>
-                  </a:lnTo>
-                  <a:lnTo>
-                    <a:pt x="7039" y="6138"/>
-                  </a:lnTo>
-                  <a:lnTo>
-                    <a:pt x="7039" y="6041"/>
-                  </a:lnTo>
-                  <a:lnTo>
-                    <a:pt x="7039" y="6041"/>
-                  </a:lnTo>
-                  <a:lnTo>
-                    <a:pt x="7039" y="5943"/>
-                  </a:lnTo>
-                  <a:lnTo>
-                    <a:pt x="7015" y="5846"/>
-                  </a:lnTo>
-                  <a:lnTo>
-                    <a:pt x="6942" y="5748"/>
-                  </a:lnTo>
-                  <a:lnTo>
-                    <a:pt x="6893" y="5651"/>
-                  </a:lnTo>
-                  <a:lnTo>
-                    <a:pt x="1389" y="147"/>
-                  </a:lnTo>
-                  <a:lnTo>
-                    <a:pt x="1389" y="147"/>
-                  </a:lnTo>
-                  <a:lnTo>
-                    <a:pt x="1291" y="98"/>
-                  </a:lnTo>
-                  <a:lnTo>
-                    <a:pt x="1194" y="25"/>
-                  </a:lnTo>
-                  <a:lnTo>
-                    <a:pt x="1096" y="0"/>
-                  </a:lnTo>
-                  <a:lnTo>
-                    <a:pt x="999" y="0"/>
-                  </a:lnTo>
-                  <a:lnTo>
-                    <a:pt x="999" y="0"/>
-                  </a:lnTo>
-                  <a:lnTo>
-                    <a:pt x="902" y="0"/>
-                  </a:lnTo>
-                  <a:lnTo>
-                    <a:pt x="780" y="25"/>
-                  </a:lnTo>
-                  <a:lnTo>
-                    <a:pt x="682" y="98"/>
-                  </a:lnTo>
-                  <a:lnTo>
-                    <a:pt x="609" y="147"/>
-                  </a:lnTo>
-                  <a:lnTo>
-                    <a:pt x="609" y="147"/>
-                  </a:lnTo>
-                  <a:lnTo>
-                    <a:pt x="487" y="293"/>
-                  </a:lnTo>
-                  <a:lnTo>
-                    <a:pt x="366" y="439"/>
-                  </a:lnTo>
-                  <a:lnTo>
-                    <a:pt x="293" y="585"/>
-                  </a:lnTo>
-                  <a:lnTo>
-                    <a:pt x="195" y="731"/>
-                  </a:lnTo>
-                  <a:lnTo>
-                    <a:pt x="73" y="1048"/>
-                  </a:lnTo>
-                  <a:lnTo>
-                    <a:pt x="0" y="1389"/>
-                  </a:lnTo>
-                  <a:lnTo>
-                    <a:pt x="0" y="1730"/>
-                  </a:lnTo>
-                  <a:lnTo>
-                    <a:pt x="25" y="2046"/>
-                  </a:lnTo>
-                  <a:lnTo>
-                    <a:pt x="122" y="2387"/>
-                  </a:lnTo>
-                  <a:lnTo>
-                    <a:pt x="268" y="2704"/>
-                  </a:lnTo>
-                  <a:lnTo>
-                    <a:pt x="268" y="2704"/>
-                  </a:lnTo>
-                  <a:close/>
-                </a:path>
-              </a:pathLst>
-            </a:custGeom>
-            <a:noFill/>
-            <a:ln w="9525" cap="rnd" cmpd="sng">
-              <a:solidFill>
-                <a:srgbClr val="000000"/>
-              </a:solidFill>
-              <a:prstDash val="solid"/>
-              <a:round/>
-              <a:headEnd type="none" w="sm" len="sm"/>
-              <a:tailEnd type="none" w="sm" len="sm"/>
-            </a:ln>
-          </p:spPr>
-          <p:txBody>
-            <a:bodyPr spcFirstLastPara="1" wrap="square" lIns="91425" tIns="91425" rIns="91425" bIns="91425" anchor="ctr" anchorCtr="0">
-              <a:noAutofit/>
-            </a:bodyPr>
-            <a:lstStyle/>
-            <a:p>
-              <a:pPr marL="0" lvl="0" indent="0">
-                <a:spcBef>
-                  <a:spcPts val="0"/>
-                </a:spcBef>
-                <a:spcAft>
-                  <a:spcPts val="0"/>
-                </a:spcAft>
-                <a:buNone/>
-              </a:pPr>
-              <a:endParaRPr/>
-            </a:p>
-          </p:txBody>
-        </p:sp>
-        <p:sp>
-          <p:nvSpPr>
-            <p:cNvPr id="129" name="Shape 129"/>
-            <p:cNvSpPr/>
-            <p:nvPr/>
-          </p:nvSpPr>
-          <p:spPr>
-            <a:xfrm>
-              <a:off x="2662850" y="1699400"/>
-              <a:ext cx="303250" cy="303250"/>
-            </a:xfrm>
-            <a:custGeom>
-              <a:avLst/>
-              <a:gdLst/>
-              <a:ahLst/>
-              <a:cxnLst/>
-              <a:rect l="0" t="0" r="0" b="0"/>
-              <a:pathLst>
-                <a:path w="12130" h="12130" fill="none" extrusionOk="0">
-                  <a:moveTo>
-                    <a:pt x="8038" y="1"/>
-                  </a:moveTo>
-                  <a:lnTo>
-                    <a:pt x="4872" y="3191"/>
-                  </a:lnTo>
-                  <a:lnTo>
-                    <a:pt x="4872" y="3191"/>
-                  </a:lnTo>
-                  <a:lnTo>
-                    <a:pt x="4628" y="3094"/>
-                  </a:lnTo>
-                  <a:lnTo>
-                    <a:pt x="4385" y="2997"/>
-                  </a:lnTo>
-                  <a:lnTo>
-                    <a:pt x="4092" y="2899"/>
-                  </a:lnTo>
-                  <a:lnTo>
-                    <a:pt x="3800" y="2850"/>
-                  </a:lnTo>
-                  <a:lnTo>
-                    <a:pt x="3484" y="2777"/>
-                  </a:lnTo>
-                  <a:lnTo>
-                    <a:pt x="3167" y="2729"/>
-                  </a:lnTo>
-                  <a:lnTo>
-                    <a:pt x="2850" y="2704"/>
-                  </a:lnTo>
-                  <a:lnTo>
-                    <a:pt x="2534" y="2704"/>
-                  </a:lnTo>
-                  <a:lnTo>
-                    <a:pt x="2534" y="2704"/>
-                  </a:lnTo>
-                  <a:lnTo>
-                    <a:pt x="2241" y="2704"/>
-                  </a:lnTo>
-                  <a:lnTo>
-                    <a:pt x="1949" y="2729"/>
-                  </a:lnTo>
-                  <a:lnTo>
-                    <a:pt x="1633" y="2777"/>
-                  </a:lnTo>
-                  <a:lnTo>
-                    <a:pt x="1316" y="2850"/>
-                  </a:lnTo>
-                  <a:lnTo>
-                    <a:pt x="999" y="2972"/>
-                  </a:lnTo>
-                  <a:lnTo>
-                    <a:pt x="707" y="3094"/>
-                  </a:lnTo>
-                  <a:lnTo>
-                    <a:pt x="415" y="3289"/>
-                  </a:lnTo>
-                  <a:lnTo>
-                    <a:pt x="147" y="3508"/>
-                  </a:lnTo>
-                  <a:lnTo>
-                    <a:pt x="147" y="3508"/>
-                  </a:lnTo>
-                  <a:lnTo>
-                    <a:pt x="74" y="3581"/>
-                  </a:lnTo>
-                  <a:lnTo>
-                    <a:pt x="25" y="3678"/>
-                  </a:lnTo>
-                  <a:lnTo>
-                    <a:pt x="1" y="3776"/>
-                  </a:lnTo>
-                  <a:lnTo>
-                    <a:pt x="1" y="3898"/>
-                  </a:lnTo>
-                  <a:lnTo>
-                    <a:pt x="1" y="3898"/>
-                  </a:lnTo>
-                  <a:lnTo>
-                    <a:pt x="1" y="3995"/>
-                  </a:lnTo>
-                  <a:lnTo>
-                    <a:pt x="25" y="4093"/>
-                  </a:lnTo>
-                  <a:lnTo>
-                    <a:pt x="74" y="4190"/>
-                  </a:lnTo>
-                  <a:lnTo>
-                    <a:pt x="147" y="4287"/>
-                  </a:lnTo>
-                  <a:lnTo>
-                    <a:pt x="7843" y="11984"/>
-                  </a:lnTo>
-                  <a:lnTo>
-                    <a:pt x="7843" y="11984"/>
-                  </a:lnTo>
-                  <a:lnTo>
-                    <a:pt x="7941" y="12057"/>
-                  </a:lnTo>
-                  <a:lnTo>
-                    <a:pt x="8038" y="12105"/>
-                  </a:lnTo>
-                  <a:lnTo>
-                    <a:pt x="8135" y="12130"/>
-                  </a:lnTo>
-                  <a:lnTo>
-                    <a:pt x="8233" y="12130"/>
-                  </a:lnTo>
-                  <a:lnTo>
-                    <a:pt x="8233" y="12130"/>
-                  </a:lnTo>
-                  <a:lnTo>
-                    <a:pt x="8355" y="12130"/>
-                  </a:lnTo>
-                  <a:lnTo>
-                    <a:pt x="8452" y="12105"/>
-                  </a:lnTo>
-                  <a:lnTo>
-                    <a:pt x="8549" y="12057"/>
-                  </a:lnTo>
-                  <a:lnTo>
-                    <a:pt x="8622" y="11984"/>
-                  </a:lnTo>
-                  <a:lnTo>
-                    <a:pt x="8622" y="11984"/>
-                  </a:lnTo>
-                  <a:lnTo>
-                    <a:pt x="8842" y="11716"/>
-                  </a:lnTo>
-                  <a:lnTo>
-                    <a:pt x="9036" y="11423"/>
-                  </a:lnTo>
-                  <a:lnTo>
-                    <a:pt x="9158" y="11131"/>
-                  </a:lnTo>
-                  <a:lnTo>
-                    <a:pt x="9280" y="10814"/>
-                  </a:lnTo>
-                  <a:lnTo>
-                    <a:pt x="9353" y="10498"/>
-                  </a:lnTo>
-                  <a:lnTo>
-                    <a:pt x="9402" y="10181"/>
-                  </a:lnTo>
-                  <a:lnTo>
-                    <a:pt x="9426" y="9889"/>
-                  </a:lnTo>
-                  <a:lnTo>
-                    <a:pt x="9426" y="9597"/>
-                  </a:lnTo>
-                  <a:lnTo>
-                    <a:pt x="9426" y="9597"/>
-                  </a:lnTo>
-                  <a:lnTo>
-                    <a:pt x="9426" y="9280"/>
-                  </a:lnTo>
-                  <a:lnTo>
-                    <a:pt x="9402" y="8964"/>
-                  </a:lnTo>
-                  <a:lnTo>
-                    <a:pt x="9353" y="8647"/>
-                  </a:lnTo>
-                  <a:lnTo>
-                    <a:pt x="9280" y="8330"/>
-                  </a:lnTo>
-                  <a:lnTo>
-                    <a:pt x="9231" y="8038"/>
-                  </a:lnTo>
-                  <a:lnTo>
-                    <a:pt x="9134" y="7746"/>
-                  </a:lnTo>
-                  <a:lnTo>
-                    <a:pt x="9036" y="7502"/>
-                  </a:lnTo>
-                  <a:lnTo>
-                    <a:pt x="8939" y="7259"/>
-                  </a:lnTo>
-                  <a:lnTo>
-                    <a:pt x="12130" y="4093"/>
-                  </a:lnTo>
-                </a:path>
-              </a:pathLst>
-            </a:custGeom>
-            <a:noFill/>
-            <a:ln w="9525" cap="rnd" cmpd="sng">
-              <a:solidFill>
-                <a:srgbClr val="000000"/>
-              </a:solidFill>
-              <a:prstDash val="solid"/>
-              <a:round/>
-              <a:headEnd type="none" w="sm" len="sm"/>
-              <a:tailEnd type="none" w="sm" len="sm"/>
-            </a:ln>
-          </p:spPr>
-          <p:txBody>
-            <a:bodyPr spcFirstLastPara="1" wrap="square" lIns="91425" tIns="91425" rIns="91425" bIns="91425" anchor="ctr" anchorCtr="0">
-              <a:noAutofit/>
-            </a:bodyPr>
-            <a:lstStyle/>
-            <a:p>
-              <a:pPr marL="0" lvl="0" indent="0">
-                <a:spcBef>
-                  <a:spcPts val="0"/>
-                </a:spcBef>
-                <a:spcAft>
-                  <a:spcPts val="0"/>
-                </a:spcAft>
-                <a:buNone/>
-              </a:pPr>
-              <a:endParaRPr/>
-            </a:p>
-          </p:txBody>
-        </p:sp>
-        <p:sp>
-          <p:nvSpPr>
-            <p:cNvPr id="130" name="Shape 130"/>
-            <p:cNvSpPr/>
-            <p:nvPr/>
-          </p:nvSpPr>
-          <p:spPr>
-            <a:xfrm>
-              <a:off x="2814912" y="1754062"/>
-              <a:ext cx="49950" cy="49950"/>
-            </a:xfrm>
-            <a:custGeom>
-              <a:avLst/>
-              <a:gdLst/>
-              <a:ahLst/>
-              <a:cxnLst/>
-              <a:rect l="0" t="0" r="0" b="0"/>
-              <a:pathLst>
-                <a:path w="1998" h="1998" fill="none" extrusionOk="0">
-                  <a:moveTo>
-                    <a:pt x="1" y="1997"/>
-                  </a:moveTo>
-                  <a:lnTo>
-                    <a:pt x="1998" y="0"/>
-                  </a:lnTo>
-                </a:path>
-              </a:pathLst>
-            </a:custGeom>
-            <a:noFill/>
-            <a:ln w="9525" cap="rnd" cmpd="sng">
-              <a:solidFill>
-                <a:srgbClr val="000000"/>
-              </a:solidFill>
-              <a:prstDash val="solid"/>
-              <a:round/>
-              <a:headEnd type="none" w="sm" len="sm"/>
-              <a:tailEnd type="none" w="sm" len="sm"/>
-            </a:ln>
-          </p:spPr>
-          <p:txBody>
-            <a:bodyPr spcFirstLastPara="1" wrap="square" lIns="91425" tIns="91425" rIns="91425" bIns="91425" anchor="ctr" anchorCtr="0">
-              <a:noAutofit/>
-            </a:bodyPr>
-            <a:lstStyle/>
-            <a:p>
-              <a:pPr marL="0" lvl="0" indent="0">
-                <a:spcBef>
-                  <a:spcPts val="0"/>
-                </a:spcBef>
-                <a:spcAft>
-                  <a:spcPts val="0"/>
-                </a:spcAft>
-                <a:buNone/>
-              </a:pPr>
-              <a:endParaRPr/>
-            </a:p>
-          </p:txBody>
-        </p:sp>
-      </p:grpSp>
-      <p:sp>
-        <p:nvSpPr>
-          <p:cNvPr id="131" name="Shape 131"/>
-          <p:cNvSpPr txBox="1">
-            <a:spLocks noGrp="1"/>
-          </p:cNvSpPr>
-          <p:nvPr>
-            <p:ph type="sldNum" idx="12"/>
-          </p:nvPr>
-        </p:nvSpPr>
-        <p:spPr>
-          <a:xfrm>
-            <a:off x="8543227" y="4749851"/>
-            <a:ext cx="548700" cy="393600"/>
-          </a:xfrm>
-          <a:prstGeom prst="rect">
-            <a:avLst/>
-          </a:prstGeom>
-        </p:spPr>
-        <p:txBody>
-          <a:bodyPr spcFirstLastPara="1" wrap="square" lIns="91425" tIns="91425" rIns="91425" bIns="91425" anchor="t" anchorCtr="0">
-            <a:noAutofit/>
-          </a:bodyPr>
-          <a:lstStyle/>
-          <a:p>
-            <a:pPr marL="0" lvl="0" indent="0">
-              <a:spcBef>
-                <a:spcPts val="0"/>
-              </a:spcBef>
-              <a:spcAft>
-                <a:spcPts val="0"/>
-              </a:spcAft>
-              <a:buNone/>
-            </a:pPr>
-            <a:fld id="{00000000-1234-1234-1234-123412341234}" type="slidenum">
-              <a:rPr lang="en"/>
-              <a:t>2</a:t>
-            </a:fld>
-            <a:endParaRPr/>
-          </a:p>
-        </p:txBody>
-      </p:sp>
-    </p:spTree>
-    <p:extLst>
-      <p:ext uri="{BB962C8B-B14F-4D97-AF65-F5344CB8AC3E}">
-        <p14:creationId xmlns:p14="http://schemas.microsoft.com/office/powerpoint/2010/main" val="3409099267"/>
-      </p:ext>
-    </p:extLst>
-  </p:cSld>
-  <p:clrMapOvr>
-    <a:masterClrMapping/>
-  </p:clrMapOvr>
-</p:sld>
-</file>
-
-<file path=ppt/slides/slide20.xml><?xml version="1.0" encoding="utf-8"?>
+<file path=ppt/slides/slide21.xml><?xml version="1.0" encoding="utf-8"?>
 <p:sld xmlns:a="http://schemas.openxmlformats.org/drawingml/2006/main" xmlns:r="http://schemas.openxmlformats.org/officeDocument/2006/relationships" xmlns:p="http://schemas.openxmlformats.org/presentationml/2006/main">
   <p:cSld>
     <p:spTree>
@@ -14059,7 +14969,7 @@
             </a:pPr>
             <a:fld id="{00000000-1234-1234-1234-123412341234}" type="slidenum">
               <a:rPr lang="en"/>
-              <a:t>20</a:t>
+              <a:t>21</a:t>
             </a:fld>
             <a:endParaRPr/>
           </a:p>
@@ -14139,7 +15049,7 @@
 </p:sld>
 </file>
 
-<file path=ppt/slides/slide21.xml><?xml version="1.0" encoding="utf-8"?>
+<file path=ppt/slides/slide22.xml><?xml version="1.0" encoding="utf-8"?>
 <p:sld xmlns:a="http://schemas.openxmlformats.org/drawingml/2006/main" xmlns:r="http://schemas.openxmlformats.org/officeDocument/2006/relationships" xmlns:p="http://schemas.openxmlformats.org/presentationml/2006/main">
   <p:cSld>
     <p:spTree>
@@ -14295,7 +15205,7 @@
             </a:pPr>
             <a:fld id="{00000000-1234-1234-1234-123412341234}" type="slidenum">
               <a:rPr lang="en"/>
-              <a:t>21</a:t>
+              <a:t>22</a:t>
             </a:fld>
             <a:endParaRPr/>
           </a:p>
@@ -14396,197 +15306,6 @@
     <p:extLst>
       <p:ext uri="{BB962C8B-B14F-4D97-AF65-F5344CB8AC3E}">
         <p14:creationId xmlns:p14="http://schemas.microsoft.com/office/powerpoint/2010/main" val="1959194725"/>
-      </p:ext>
-    </p:extLst>
-  </p:cSld>
-  <p:clrMapOvr>
-    <a:masterClrMapping/>
-  </p:clrMapOvr>
-</p:sld>
-</file>
-
-<file path=ppt/slides/slide22.xml><?xml version="1.0" encoding="utf-8"?>
-<p:sld xmlns:a="http://schemas.openxmlformats.org/drawingml/2006/main" xmlns:r="http://schemas.openxmlformats.org/officeDocument/2006/relationships" xmlns:p="http://schemas.openxmlformats.org/presentationml/2006/main">
-  <p:cSld>
-    <p:spTree>
-      <p:nvGrpSpPr>
-        <p:cNvPr id="1" name="Shape 156"/>
-        <p:cNvGrpSpPr/>
-        <p:nvPr/>
-      </p:nvGrpSpPr>
-      <p:grpSpPr>
-        <a:xfrm>
-          <a:off x="0" y="0"/>
-          <a:ext cx="0" cy="0"/>
-          <a:chOff x="0" y="0"/>
-          <a:chExt cx="0" cy="0"/>
-        </a:xfrm>
-      </p:grpSpPr>
-      <p:sp>
-        <p:nvSpPr>
-          <p:cNvPr id="158" name="Shape 158"/>
-          <p:cNvSpPr txBox="1">
-            <a:spLocks noGrp="1"/>
-          </p:cNvSpPr>
-          <p:nvPr>
-            <p:ph type="title"/>
-          </p:nvPr>
-        </p:nvSpPr>
-        <p:spPr>
-          <a:prstGeom prst="rect">
-            <a:avLst/>
-          </a:prstGeom>
-        </p:spPr>
-        <p:txBody>
-          <a:bodyPr spcFirstLastPara="1" wrap="square" lIns="91425" tIns="91425" rIns="91425" bIns="91425" anchor="ctr" anchorCtr="0">
-            <a:noAutofit/>
-          </a:bodyPr>
-          <a:lstStyle/>
-          <a:p>
-            <a:r>
-              <a:rPr lang="en-US" dirty="0"/>
-              <a:t>Experimental Results </a:t>
-            </a:r>
-          </a:p>
-        </p:txBody>
-      </p:sp>
-      <p:sp>
-        <p:nvSpPr>
-          <p:cNvPr id="165" name="Shape 165"/>
-          <p:cNvSpPr txBox="1">
-            <a:spLocks noGrp="1"/>
-          </p:cNvSpPr>
-          <p:nvPr>
-            <p:ph type="sldNum" idx="12"/>
-          </p:nvPr>
-        </p:nvSpPr>
-        <p:spPr>
-          <a:prstGeom prst="rect">
-            <a:avLst/>
-          </a:prstGeom>
-        </p:spPr>
-        <p:txBody>
-          <a:bodyPr spcFirstLastPara="1" wrap="square" lIns="91425" tIns="91425" rIns="91425" bIns="91425" anchor="t" anchorCtr="0">
-            <a:noAutofit/>
-          </a:bodyPr>
-          <a:lstStyle/>
-          <a:p>
-            <a:pPr marL="0" lvl="0" indent="0">
-              <a:spcBef>
-                <a:spcPts val="0"/>
-              </a:spcBef>
-              <a:spcAft>
-                <a:spcPts val="0"/>
-              </a:spcAft>
-              <a:buNone/>
-            </a:pPr>
-            <a:fld id="{00000000-1234-1234-1234-123412341234}" type="slidenum">
-              <a:rPr lang="en"/>
-              <a:t>22</a:t>
-            </a:fld>
-            <a:endParaRPr/>
-          </a:p>
-        </p:txBody>
-      </p:sp>
-      <p:sp>
-        <p:nvSpPr>
-          <p:cNvPr id="10" name="Shape 112">
-            <a:extLst>
-              <a:ext uri="{FF2B5EF4-FFF2-40B4-BE49-F238E27FC236}">
-                <a16:creationId xmlns:a16="http://schemas.microsoft.com/office/drawing/2014/main" id="{730F20AB-D043-EC42-AD52-AD5868748D2E}"/>
-              </a:ext>
-            </a:extLst>
-          </p:cNvPr>
-          <p:cNvSpPr txBox="1"/>
-          <p:nvPr/>
-        </p:nvSpPr>
-        <p:spPr>
-          <a:xfrm>
-            <a:off x="753649" y="859368"/>
-            <a:ext cx="543900" cy="562200"/>
-          </a:xfrm>
-          <a:prstGeom prst="rect">
-            <a:avLst/>
-          </a:prstGeom>
-          <a:noFill/>
-          <a:ln>
-            <a:noFill/>
-          </a:ln>
-        </p:spPr>
-        <p:txBody>
-          <a:bodyPr spcFirstLastPara="1" wrap="square" lIns="91425" tIns="91425" rIns="91425" bIns="91425" anchor="ctr" anchorCtr="0">
-            <a:noAutofit/>
-          </a:bodyPr>
-          <a:lstStyle/>
-          <a:p>
-            <a:pPr marL="0" lvl="0" indent="0" algn="ctr">
-              <a:spcBef>
-                <a:spcPts val="0"/>
-              </a:spcBef>
-              <a:spcAft>
-                <a:spcPts val="0"/>
-              </a:spcAft>
-              <a:buNone/>
-            </a:pPr>
-            <a:r>
-              <a:rPr lang="en" sz="1800" dirty="0">
-                <a:solidFill>
-                  <a:schemeClr val="dk1"/>
-                </a:solidFill>
-                <a:latin typeface="Lora"/>
-                <a:ea typeface="Lora"/>
-                <a:cs typeface="Lora"/>
-                <a:sym typeface="Lora"/>
-              </a:rPr>
-              <a:t>3.2</a:t>
-            </a:r>
-            <a:endParaRPr sz="1800" dirty="0">
-              <a:latin typeface="Lora"/>
-              <a:ea typeface="Lora"/>
-              <a:cs typeface="Lora"/>
-              <a:sym typeface="Lora"/>
-            </a:endParaRPr>
-          </a:p>
-        </p:txBody>
-      </p:sp>
-      <p:pic>
-        <p:nvPicPr>
-          <p:cNvPr id="6" name="Picture 5">
-            <a:extLst>
-              <a:ext uri="{FF2B5EF4-FFF2-40B4-BE49-F238E27FC236}">
-                <a16:creationId xmlns:a16="http://schemas.microsoft.com/office/drawing/2014/main" id="{EC95D997-F2D2-1840-B562-BBB67CF52D57}"/>
-              </a:ext>
-            </a:extLst>
-          </p:cNvPr>
-          <p:cNvPicPr/>
-          <p:nvPr/>
-        </p:nvPicPr>
-        <p:blipFill>
-          <a:blip r:embed="rId3">
-            <a:extLst>
-              <a:ext uri="{28A0092B-C50C-407E-A947-70E740481C1C}">
-                <a14:useLocalDpi xmlns:a14="http://schemas.microsoft.com/office/drawing/2010/main" val="0"/>
-              </a:ext>
-            </a:extLst>
-          </a:blip>
-          <a:stretch>
-            <a:fillRect/>
-          </a:stretch>
-        </p:blipFill>
-        <p:spPr>
-          <a:xfrm>
-            <a:off x="2431405" y="1262498"/>
-            <a:ext cx="5103251" cy="3684153"/>
-          </a:xfrm>
-          <a:prstGeom prst="rect">
-            <a:avLst/>
-          </a:prstGeom>
-        </p:spPr>
-      </p:pic>
-    </p:spTree>
-    <p:extLst>
-      <p:ext uri="{BB962C8B-B14F-4D97-AF65-F5344CB8AC3E}">
-        <p14:creationId xmlns:p14="http://schemas.microsoft.com/office/powerpoint/2010/main" val="3916458567"/>
       </p:ext>
     </p:extLst>
   </p:cSld>
@@ -14674,6 +15393,197 @@
             <a:fld id="{00000000-1234-1234-1234-123412341234}" type="slidenum">
               <a:rPr lang="en"/>
               <a:t>23</a:t>
+            </a:fld>
+            <a:endParaRPr/>
+          </a:p>
+        </p:txBody>
+      </p:sp>
+      <p:sp>
+        <p:nvSpPr>
+          <p:cNvPr id="10" name="Shape 112">
+            <a:extLst>
+              <a:ext uri="{FF2B5EF4-FFF2-40B4-BE49-F238E27FC236}">
+                <a16:creationId xmlns:a16="http://schemas.microsoft.com/office/drawing/2014/main" id="{730F20AB-D043-EC42-AD52-AD5868748D2E}"/>
+              </a:ext>
+            </a:extLst>
+          </p:cNvPr>
+          <p:cNvSpPr txBox="1"/>
+          <p:nvPr/>
+        </p:nvSpPr>
+        <p:spPr>
+          <a:xfrm>
+            <a:off x="753649" y="859368"/>
+            <a:ext cx="543900" cy="562200"/>
+          </a:xfrm>
+          <a:prstGeom prst="rect">
+            <a:avLst/>
+          </a:prstGeom>
+          <a:noFill/>
+          <a:ln>
+            <a:noFill/>
+          </a:ln>
+        </p:spPr>
+        <p:txBody>
+          <a:bodyPr spcFirstLastPara="1" wrap="square" lIns="91425" tIns="91425" rIns="91425" bIns="91425" anchor="ctr" anchorCtr="0">
+            <a:noAutofit/>
+          </a:bodyPr>
+          <a:lstStyle/>
+          <a:p>
+            <a:pPr marL="0" lvl="0" indent="0" algn="ctr">
+              <a:spcBef>
+                <a:spcPts val="0"/>
+              </a:spcBef>
+              <a:spcAft>
+                <a:spcPts val="0"/>
+              </a:spcAft>
+              <a:buNone/>
+            </a:pPr>
+            <a:r>
+              <a:rPr lang="en" sz="1800" dirty="0">
+                <a:solidFill>
+                  <a:schemeClr val="dk1"/>
+                </a:solidFill>
+                <a:latin typeface="Lora"/>
+                <a:ea typeface="Lora"/>
+                <a:cs typeface="Lora"/>
+                <a:sym typeface="Lora"/>
+              </a:rPr>
+              <a:t>3.2</a:t>
+            </a:r>
+            <a:endParaRPr sz="1800" dirty="0">
+              <a:latin typeface="Lora"/>
+              <a:ea typeface="Lora"/>
+              <a:cs typeface="Lora"/>
+              <a:sym typeface="Lora"/>
+            </a:endParaRPr>
+          </a:p>
+        </p:txBody>
+      </p:sp>
+      <p:pic>
+        <p:nvPicPr>
+          <p:cNvPr id="6" name="Picture 5">
+            <a:extLst>
+              <a:ext uri="{FF2B5EF4-FFF2-40B4-BE49-F238E27FC236}">
+                <a16:creationId xmlns:a16="http://schemas.microsoft.com/office/drawing/2014/main" id="{EC95D997-F2D2-1840-B562-BBB67CF52D57}"/>
+              </a:ext>
+            </a:extLst>
+          </p:cNvPr>
+          <p:cNvPicPr/>
+          <p:nvPr/>
+        </p:nvPicPr>
+        <p:blipFill>
+          <a:blip r:embed="rId3">
+            <a:extLst>
+              <a:ext uri="{28A0092B-C50C-407E-A947-70E740481C1C}">
+                <a14:useLocalDpi xmlns:a14="http://schemas.microsoft.com/office/drawing/2010/main" val="0"/>
+              </a:ext>
+            </a:extLst>
+          </a:blip>
+          <a:stretch>
+            <a:fillRect/>
+          </a:stretch>
+        </p:blipFill>
+        <p:spPr>
+          <a:xfrm>
+            <a:off x="2431405" y="1262498"/>
+            <a:ext cx="5103251" cy="3684153"/>
+          </a:xfrm>
+          <a:prstGeom prst="rect">
+            <a:avLst/>
+          </a:prstGeom>
+        </p:spPr>
+      </p:pic>
+    </p:spTree>
+    <p:extLst>
+      <p:ext uri="{BB962C8B-B14F-4D97-AF65-F5344CB8AC3E}">
+        <p14:creationId xmlns:p14="http://schemas.microsoft.com/office/powerpoint/2010/main" val="3916458567"/>
+      </p:ext>
+    </p:extLst>
+  </p:cSld>
+  <p:clrMapOvr>
+    <a:masterClrMapping/>
+  </p:clrMapOvr>
+</p:sld>
+</file>
+
+<file path=ppt/slides/slide24.xml><?xml version="1.0" encoding="utf-8"?>
+<p:sld xmlns:a="http://schemas.openxmlformats.org/drawingml/2006/main" xmlns:r="http://schemas.openxmlformats.org/officeDocument/2006/relationships" xmlns:p="http://schemas.openxmlformats.org/presentationml/2006/main">
+  <p:cSld>
+    <p:spTree>
+      <p:nvGrpSpPr>
+        <p:cNvPr id="1" name="Shape 156"/>
+        <p:cNvGrpSpPr/>
+        <p:nvPr/>
+      </p:nvGrpSpPr>
+      <p:grpSpPr>
+        <a:xfrm>
+          <a:off x="0" y="0"/>
+          <a:ext cx="0" cy="0"/>
+          <a:chOff x="0" y="0"/>
+          <a:chExt cx="0" cy="0"/>
+        </a:xfrm>
+      </p:grpSpPr>
+      <p:sp>
+        <p:nvSpPr>
+          <p:cNvPr id="158" name="Shape 158"/>
+          <p:cNvSpPr txBox="1">
+            <a:spLocks noGrp="1"/>
+          </p:cNvSpPr>
+          <p:nvPr>
+            <p:ph type="title"/>
+          </p:nvPr>
+        </p:nvSpPr>
+        <p:spPr>
+          <a:prstGeom prst="rect">
+            <a:avLst/>
+          </a:prstGeom>
+        </p:spPr>
+        <p:txBody>
+          <a:bodyPr spcFirstLastPara="1" wrap="square" lIns="91425" tIns="91425" rIns="91425" bIns="91425" anchor="ctr" anchorCtr="0">
+            <a:noAutofit/>
+          </a:bodyPr>
+          <a:lstStyle/>
+          <a:p>
+            <a:r>
+              <a:rPr lang="en-US" dirty="0"/>
+              <a:t>Experimental Results </a:t>
+            </a:r>
+          </a:p>
+        </p:txBody>
+      </p:sp>
+      <p:sp>
+        <p:nvSpPr>
+          <p:cNvPr id="165" name="Shape 165"/>
+          <p:cNvSpPr txBox="1">
+            <a:spLocks noGrp="1"/>
+          </p:cNvSpPr>
+          <p:nvPr>
+            <p:ph type="sldNum" idx="12"/>
+          </p:nvPr>
+        </p:nvSpPr>
+        <p:spPr>
+          <a:prstGeom prst="rect">
+            <a:avLst/>
+          </a:prstGeom>
+        </p:spPr>
+        <p:txBody>
+          <a:bodyPr spcFirstLastPara="1" wrap="square" lIns="91425" tIns="91425" rIns="91425" bIns="91425" anchor="t" anchorCtr="0">
+            <a:noAutofit/>
+          </a:bodyPr>
+          <a:lstStyle/>
+          <a:p>
+            <a:pPr marL="0" lvl="0" indent="0">
+              <a:spcBef>
+                <a:spcPts val="0"/>
+              </a:spcBef>
+              <a:spcAft>
+                <a:spcPts val="0"/>
+              </a:spcAft>
+              <a:buNone/>
+            </a:pPr>
+            <a:fld id="{00000000-1234-1234-1234-123412341234}" type="slidenum">
+              <a:rPr lang="en"/>
+              <a:t>24</a:t>
             </a:fld>
             <a:endParaRPr/>
           </a:p>
@@ -15422,7 +16332,7 @@
 </p:sld>
 </file>
 
-<file path=ppt/slides/slide24.xml><?xml version="1.0" encoding="utf-8"?>
+<file path=ppt/slides/slide25.xml><?xml version="1.0" encoding="utf-8"?>
 <p:sld xmlns:a="http://schemas.openxmlformats.org/drawingml/2006/main" xmlns:r="http://schemas.openxmlformats.org/officeDocument/2006/relationships" xmlns:p="http://schemas.openxmlformats.org/presentationml/2006/main">
   <p:cSld>
     <p:spTree>
@@ -15499,7 +16409,7 @@
             </a:pPr>
             <a:fld id="{00000000-1234-1234-1234-123412341234}" type="slidenum">
               <a:rPr lang="en"/>
-              <a:t>24</a:t>
+              <a:t>25</a:t>
             </a:fld>
             <a:endParaRPr/>
           </a:p>
@@ -15581,7 +16491,7 @@
           <p:nvPr>
             <p:extLst>
               <p:ext uri="{D42A27DB-BD31-4B8C-83A1-F6EECF244321}">
-                <p14:modId xmlns:p14="http://schemas.microsoft.com/office/powerpoint/2010/main" val="1292624621"/>
+                <p14:modId xmlns:p14="http://schemas.microsoft.com/office/powerpoint/2010/main" val="1711358229"/>
               </p:ext>
             </p:extLst>
           </p:nvPr>
@@ -16294,13 +17204,13 @@
                         </a:spcAft>
                       </a:pPr>
                       <a:r>
-                        <a:rPr lang="en-US" sz="1800" dirty="0">
+                        <a:rPr lang="en-US" sz="1800" b="1" dirty="0">
                           <a:effectLst/>
                           <a:latin typeface="Quattrocento Sans" panose="020B0502050000020003" pitchFamily="34" charset="0"/>
                         </a:rPr>
                         <a:t>0.999678</a:t>
                       </a:r>
-                      <a:endParaRPr lang="en-US" sz="1800" dirty="0">
+                      <a:endParaRPr lang="en-US" sz="1800" b="1" dirty="0">
                         <a:effectLst/>
                         <a:latin typeface="Quattrocento Sans" panose="020B0502050000020003" pitchFamily="34" charset="0"/>
                         <a:ea typeface="Times New Roman" panose="02020603050405020304" pitchFamily="18" charset="0"/>
@@ -16440,7 +17350,7 @@
 </p:sld>
 </file>
 
-<file path=ppt/slides/slide25.xml><?xml version="1.0" encoding="utf-8"?>
+<file path=ppt/slides/slide26.xml><?xml version="1.0" encoding="utf-8"?>
 <p:sld xmlns:a="http://schemas.openxmlformats.org/drawingml/2006/main" xmlns:r="http://schemas.openxmlformats.org/officeDocument/2006/relationships" xmlns:p="http://schemas.openxmlformats.org/presentationml/2006/main">
   <p:cSld>
     <p:spTree>
@@ -16517,7 +17427,7 @@
             </a:pPr>
             <a:fld id="{00000000-1234-1234-1234-123412341234}" type="slidenum">
               <a:rPr lang="en"/>
-              <a:t>25</a:t>
+              <a:t>26</a:t>
             </a:fld>
             <a:endParaRPr/>
           </a:p>
@@ -17458,7 +18368,7 @@
 </p:sld>
 </file>
 
-<file path=ppt/slides/slide26.xml><?xml version="1.0" encoding="utf-8"?>
+<file path=ppt/slides/slide27.xml><?xml version="1.0" encoding="utf-8"?>
 <p:sld xmlns:a="http://schemas.openxmlformats.org/drawingml/2006/main" xmlns:r="http://schemas.openxmlformats.org/officeDocument/2006/relationships" xmlns:p="http://schemas.openxmlformats.org/presentationml/2006/main">
   <p:cSld>
     <p:spTree>
@@ -17535,7 +18445,7 @@
             </a:pPr>
             <a:fld id="{00000000-1234-1234-1234-123412341234}" type="slidenum">
               <a:rPr lang="en"/>
-              <a:t>26</a:t>
+              <a:t>27</a:t>
             </a:fld>
             <a:endParaRPr/>
           </a:p>
@@ -17645,7 +18555,7 @@
 </p:sld>
 </file>
 
-<file path=ppt/slides/slide27.xml><?xml version="1.0" encoding="utf-8"?>
+<file path=ppt/slides/slide28.xml><?xml version="1.0" encoding="utf-8"?>
 <p:sld xmlns:a="http://schemas.openxmlformats.org/drawingml/2006/main" xmlns:r="http://schemas.openxmlformats.org/officeDocument/2006/relationships" xmlns:p="http://schemas.openxmlformats.org/presentationml/2006/main">
   <p:cSld>
     <p:spTree>
@@ -17786,7 +18696,7 @@
             </a:pPr>
             <a:fld id="{00000000-1234-1234-1234-123412341234}" type="slidenum">
               <a:rPr lang="en"/>
-              <a:t>27</a:t>
+              <a:t>28</a:t>
             </a:fld>
             <a:endParaRPr/>
           </a:p>
@@ -17805,7 +18715,7 @@
 </p:sld>
 </file>
 
-<file path=ppt/slides/slide28.xml><?xml version="1.0" encoding="utf-8"?>
+<file path=ppt/slides/slide29.xml><?xml version="1.0" encoding="utf-8"?>
 <p:sld xmlns:a="http://schemas.openxmlformats.org/drawingml/2006/main" xmlns:r="http://schemas.openxmlformats.org/officeDocument/2006/relationships" xmlns:p="http://schemas.openxmlformats.org/presentationml/2006/main">
   <p:cSld>
     <p:spTree>
@@ -17947,7 +18857,7 @@
             </a:pPr>
             <a:fld id="{00000000-1234-1234-1234-123412341234}" type="slidenum">
               <a:rPr lang="en"/>
-              <a:t>28</a:t>
+              <a:t>29</a:t>
             </a:fld>
             <a:endParaRPr/>
           </a:p>
@@ -18027,7 +18937,858 @@
 </p:sld>
 </file>
 
-<file path=ppt/slides/slide29.xml><?xml version="1.0" encoding="utf-8"?>
+<file path=ppt/slides/slide3.xml><?xml version="1.0" encoding="utf-8"?>
+<p:sld xmlns:a="http://schemas.openxmlformats.org/drawingml/2006/main" xmlns:r="http://schemas.openxmlformats.org/officeDocument/2006/relationships" xmlns:p="http://schemas.openxmlformats.org/presentationml/2006/main">
+  <p:cSld>
+    <p:spTree>
+      <p:nvGrpSpPr>
+        <p:cNvPr id="1" name="Shape 123"/>
+        <p:cNvGrpSpPr/>
+        <p:nvPr/>
+      </p:nvGrpSpPr>
+      <p:grpSpPr>
+        <a:xfrm>
+          <a:off x="0" y="0"/>
+          <a:ext cx="0" cy="0"/>
+          <a:chOff x="0" y="0"/>
+          <a:chExt cx="0" cy="0"/>
+        </a:xfrm>
+      </p:grpSpPr>
+      <p:sp>
+        <p:nvSpPr>
+          <p:cNvPr id="124" name="Shape 124"/>
+          <p:cNvSpPr txBox="1">
+            <a:spLocks noGrp="1"/>
+          </p:cNvSpPr>
+          <p:nvPr>
+            <p:ph type="title"/>
+          </p:nvPr>
+        </p:nvSpPr>
+        <p:spPr>
+          <a:xfrm>
+            <a:off x="1381250" y="922668"/>
+            <a:ext cx="3878400" cy="435600"/>
+          </a:xfrm>
+          <a:prstGeom prst="rect">
+            <a:avLst/>
+          </a:prstGeom>
+        </p:spPr>
+        <p:txBody>
+          <a:bodyPr spcFirstLastPara="1" wrap="square" lIns="91425" tIns="91425" rIns="91425" bIns="91425" anchor="ctr" anchorCtr="0">
+            <a:noAutofit/>
+          </a:bodyPr>
+          <a:lstStyle/>
+          <a:p>
+            <a:pPr marL="0" lvl="0" indent="0">
+              <a:spcBef>
+                <a:spcPts val="0"/>
+              </a:spcBef>
+              <a:spcAft>
+                <a:spcPts val="0"/>
+              </a:spcAft>
+              <a:buNone/>
+            </a:pPr>
+            <a:r>
+              <a:rPr lang="en" dirty="0"/>
+              <a:t>Contents</a:t>
+            </a:r>
+            <a:endParaRPr dirty="0">
+              <a:highlight>
+                <a:srgbClr val="FFCD00"/>
+              </a:highlight>
+            </a:endParaRPr>
+          </a:p>
+        </p:txBody>
+      </p:sp>
+      <p:sp>
+        <p:nvSpPr>
+          <p:cNvPr id="125" name="Shape 125"/>
+          <p:cNvSpPr txBox="1">
+            <a:spLocks noGrp="1"/>
+          </p:cNvSpPr>
+          <p:nvPr>
+            <p:ph type="body" idx="1"/>
+          </p:nvPr>
+        </p:nvSpPr>
+        <p:spPr>
+          <a:xfrm>
+            <a:off x="1381250" y="1358268"/>
+            <a:ext cx="6809700" cy="3270945"/>
+          </a:xfrm>
+          <a:prstGeom prst="rect">
+            <a:avLst/>
+          </a:prstGeom>
+        </p:spPr>
+        <p:txBody>
+          <a:bodyPr spcFirstLastPara="1" wrap="square" lIns="91425" tIns="91425" rIns="91425" bIns="91425" anchor="t" anchorCtr="0">
+            <a:noAutofit/>
+          </a:bodyPr>
+          <a:lstStyle/>
+          <a:p>
+            <a:pPr marL="533400" lvl="0" indent="-457200" rtl="0">
+              <a:lnSpc>
+                <a:spcPct val="150000"/>
+              </a:lnSpc>
+              <a:spcBef>
+                <a:spcPts val="600"/>
+              </a:spcBef>
+              <a:spcAft>
+                <a:spcPts val="0"/>
+              </a:spcAft>
+              <a:buSzPts val="2400"/>
+              <a:buFont typeface="+mj-lt"/>
+              <a:buAutoNum type="arabicPeriod"/>
+            </a:pPr>
+            <a:r>
+              <a:rPr lang="en" sz="2000" dirty="0"/>
+              <a:t>Introduction</a:t>
+            </a:r>
+            <a:endParaRPr sz="2000" dirty="0"/>
+          </a:p>
+          <a:p>
+            <a:pPr marL="533400" lvl="0" indent="-457200" rtl="0">
+              <a:lnSpc>
+                <a:spcPct val="150000"/>
+              </a:lnSpc>
+              <a:spcBef>
+                <a:spcPts val="0"/>
+              </a:spcBef>
+              <a:spcAft>
+                <a:spcPts val="0"/>
+              </a:spcAft>
+              <a:buSzPts val="2400"/>
+              <a:buFont typeface="+mj-lt"/>
+              <a:buAutoNum type="arabicPeriod"/>
+            </a:pPr>
+            <a:r>
+              <a:rPr lang="en" sz="2000" dirty="0"/>
+              <a:t>Proposed methods</a:t>
+            </a:r>
+          </a:p>
+          <a:p>
+            <a:pPr marL="990600" lvl="1" indent="-457200">
+              <a:buSzPts val="2400"/>
+              <a:buFont typeface="+mj-lt"/>
+              <a:buAutoNum type="arabicPeriod"/>
+            </a:pPr>
+            <a:r>
+              <a:rPr lang="en" sz="1800" dirty="0"/>
+              <a:t>Issues of using Imbalanced Datasets</a:t>
+            </a:r>
+          </a:p>
+          <a:p>
+            <a:pPr marL="990600" lvl="1" indent="-457200">
+              <a:buSzPts val="2400"/>
+              <a:buFont typeface="+mj-lt"/>
+              <a:buAutoNum type="arabicPeriod"/>
+            </a:pPr>
+            <a:r>
+              <a:rPr lang="en" sz="1800" dirty="0"/>
+              <a:t>Feature Extraction</a:t>
+            </a:r>
+          </a:p>
+          <a:p>
+            <a:pPr marL="990600" lvl="1" indent="-457200">
+              <a:buSzPts val="2400"/>
+              <a:buFont typeface="+mj-lt"/>
+              <a:buAutoNum type="arabicPeriod"/>
+            </a:pPr>
+            <a:r>
+              <a:rPr lang="en" sz="1800" dirty="0"/>
+              <a:t>Gradient Boosting Decision Tree model</a:t>
+            </a:r>
+          </a:p>
+          <a:p>
+            <a:pPr marL="533400" lvl="0" indent="-457200" rtl="0">
+              <a:lnSpc>
+                <a:spcPct val="150000"/>
+              </a:lnSpc>
+              <a:spcBef>
+                <a:spcPts val="0"/>
+              </a:spcBef>
+              <a:spcAft>
+                <a:spcPts val="0"/>
+              </a:spcAft>
+              <a:buSzPts val="2400"/>
+              <a:buFont typeface="+mj-lt"/>
+              <a:buAutoNum type="arabicPeriod"/>
+            </a:pPr>
+            <a:r>
+              <a:rPr lang="en" sz="2000" dirty="0"/>
+              <a:t>Experiment</a:t>
+            </a:r>
+          </a:p>
+          <a:p>
+            <a:pPr marL="990600" lvl="1" indent="-457200">
+              <a:buSzPts val="2400"/>
+              <a:buFont typeface="+mj-lt"/>
+              <a:buAutoNum type="arabicPeriod"/>
+            </a:pPr>
+            <a:r>
+              <a:rPr lang="en-US" sz="1800" dirty="0"/>
+              <a:t>Evaluation Criteria </a:t>
+            </a:r>
+          </a:p>
+          <a:p>
+            <a:pPr marL="990600" lvl="1" indent="-457200">
+              <a:buSzPts val="2400"/>
+              <a:buFont typeface="+mj-lt"/>
+              <a:buAutoNum type="arabicPeriod"/>
+            </a:pPr>
+            <a:r>
+              <a:rPr lang="en-US" sz="1800" dirty="0"/>
+              <a:t>Experimental Results </a:t>
+            </a:r>
+            <a:endParaRPr lang="en" sz="1800" dirty="0"/>
+          </a:p>
+          <a:p>
+            <a:pPr marL="533400" lvl="0" indent="-457200" rtl="0">
+              <a:lnSpc>
+                <a:spcPct val="150000"/>
+              </a:lnSpc>
+              <a:spcBef>
+                <a:spcPts val="0"/>
+              </a:spcBef>
+              <a:spcAft>
+                <a:spcPts val="0"/>
+              </a:spcAft>
+              <a:buSzPts val="2400"/>
+              <a:buFont typeface="+mj-lt"/>
+              <a:buAutoNum type="arabicPeriod"/>
+            </a:pPr>
+            <a:r>
+              <a:rPr lang="en" sz="2000" dirty="0"/>
+              <a:t>Conclusion</a:t>
+            </a:r>
+          </a:p>
+        </p:txBody>
+      </p:sp>
+      <p:grpSp>
+        <p:nvGrpSpPr>
+          <p:cNvPr id="126" name="Shape 126"/>
+          <p:cNvGrpSpPr/>
+          <p:nvPr/>
+        </p:nvGrpSpPr>
+        <p:grpSpPr>
+          <a:xfrm>
+            <a:off x="916458" y="1019750"/>
+            <a:ext cx="214625" cy="214625"/>
+            <a:chOff x="2594050" y="1631825"/>
+            <a:chExt cx="439625" cy="439625"/>
+          </a:xfrm>
+        </p:grpSpPr>
+        <p:sp>
+          <p:nvSpPr>
+            <p:cNvPr id="127" name="Shape 127"/>
+            <p:cNvSpPr/>
+            <p:nvPr/>
+          </p:nvSpPr>
+          <p:spPr>
+            <a:xfrm>
+              <a:off x="2594050" y="1883300"/>
+              <a:ext cx="188175" cy="188150"/>
+            </a:xfrm>
+            <a:custGeom>
+              <a:avLst/>
+              <a:gdLst/>
+              <a:ahLst/>
+              <a:cxnLst/>
+              <a:rect l="0" t="0" r="0" b="0"/>
+              <a:pathLst>
+                <a:path w="7527" h="7526" fill="none" extrusionOk="0">
+                  <a:moveTo>
+                    <a:pt x="5992" y="0"/>
+                  </a:moveTo>
+                  <a:lnTo>
+                    <a:pt x="537" y="6430"/>
+                  </a:lnTo>
+                  <a:lnTo>
+                    <a:pt x="1" y="7526"/>
+                  </a:lnTo>
+                  <a:lnTo>
+                    <a:pt x="1097" y="6990"/>
+                  </a:lnTo>
+                  <a:lnTo>
+                    <a:pt x="7526" y="1534"/>
+                  </a:lnTo>
+                  <a:lnTo>
+                    <a:pt x="5992" y="0"/>
+                  </a:lnTo>
+                  <a:close/>
+                </a:path>
+              </a:pathLst>
+            </a:custGeom>
+            <a:noFill/>
+            <a:ln w="9525" cap="rnd" cmpd="sng">
+              <a:solidFill>
+                <a:srgbClr val="000000"/>
+              </a:solidFill>
+              <a:prstDash val="solid"/>
+              <a:round/>
+              <a:headEnd type="none" w="sm" len="sm"/>
+              <a:tailEnd type="none" w="sm" len="sm"/>
+            </a:ln>
+          </p:spPr>
+          <p:txBody>
+            <a:bodyPr spcFirstLastPara="1" wrap="square" lIns="91425" tIns="91425" rIns="91425" bIns="91425" anchor="ctr" anchorCtr="0">
+              <a:noAutofit/>
+            </a:bodyPr>
+            <a:lstStyle/>
+            <a:p>
+              <a:pPr marL="0" lvl="0" indent="0">
+                <a:spcBef>
+                  <a:spcPts val="0"/>
+                </a:spcBef>
+                <a:spcAft>
+                  <a:spcPts val="0"/>
+                </a:spcAft>
+                <a:buNone/>
+              </a:pPr>
+              <a:endParaRPr/>
+            </a:p>
+          </p:txBody>
+        </p:sp>
+        <p:sp>
+          <p:nvSpPr>
+            <p:cNvPr id="128" name="Shape 128"/>
+            <p:cNvSpPr/>
+            <p:nvPr/>
+          </p:nvSpPr>
+          <p:spPr>
+            <a:xfrm>
+              <a:off x="2857700" y="1631825"/>
+              <a:ext cx="175975" cy="176000"/>
+            </a:xfrm>
+            <a:custGeom>
+              <a:avLst/>
+              <a:gdLst/>
+              <a:ahLst/>
+              <a:cxnLst/>
+              <a:rect l="0" t="0" r="0" b="0"/>
+              <a:pathLst>
+                <a:path w="7039" h="7040" fill="none" extrusionOk="0">
+                  <a:moveTo>
+                    <a:pt x="268" y="2704"/>
+                  </a:moveTo>
+                  <a:lnTo>
+                    <a:pt x="4336" y="6771"/>
+                  </a:lnTo>
+                  <a:lnTo>
+                    <a:pt x="4336" y="6771"/>
+                  </a:lnTo>
+                  <a:lnTo>
+                    <a:pt x="4336" y="6771"/>
+                  </a:lnTo>
+                  <a:lnTo>
+                    <a:pt x="4652" y="6917"/>
+                  </a:lnTo>
+                  <a:lnTo>
+                    <a:pt x="4993" y="7015"/>
+                  </a:lnTo>
+                  <a:lnTo>
+                    <a:pt x="5310" y="7039"/>
+                  </a:lnTo>
+                  <a:lnTo>
+                    <a:pt x="5651" y="7039"/>
+                  </a:lnTo>
+                  <a:lnTo>
+                    <a:pt x="5992" y="6966"/>
+                  </a:lnTo>
+                  <a:lnTo>
+                    <a:pt x="6308" y="6844"/>
+                  </a:lnTo>
+                  <a:lnTo>
+                    <a:pt x="6454" y="6747"/>
+                  </a:lnTo>
+                  <a:lnTo>
+                    <a:pt x="6601" y="6674"/>
+                  </a:lnTo>
+                  <a:lnTo>
+                    <a:pt x="6747" y="6552"/>
+                  </a:lnTo>
+                  <a:lnTo>
+                    <a:pt x="6893" y="6430"/>
+                  </a:lnTo>
+                  <a:lnTo>
+                    <a:pt x="6893" y="6430"/>
+                  </a:lnTo>
+                  <a:lnTo>
+                    <a:pt x="6942" y="6357"/>
+                  </a:lnTo>
+                  <a:lnTo>
+                    <a:pt x="7015" y="6260"/>
+                  </a:lnTo>
+                  <a:lnTo>
+                    <a:pt x="7039" y="6138"/>
+                  </a:lnTo>
+                  <a:lnTo>
+                    <a:pt x="7039" y="6041"/>
+                  </a:lnTo>
+                  <a:lnTo>
+                    <a:pt x="7039" y="6041"/>
+                  </a:lnTo>
+                  <a:lnTo>
+                    <a:pt x="7039" y="5943"/>
+                  </a:lnTo>
+                  <a:lnTo>
+                    <a:pt x="7015" y="5846"/>
+                  </a:lnTo>
+                  <a:lnTo>
+                    <a:pt x="6942" y="5748"/>
+                  </a:lnTo>
+                  <a:lnTo>
+                    <a:pt x="6893" y="5651"/>
+                  </a:lnTo>
+                  <a:lnTo>
+                    <a:pt x="1389" y="147"/>
+                  </a:lnTo>
+                  <a:lnTo>
+                    <a:pt x="1389" y="147"/>
+                  </a:lnTo>
+                  <a:lnTo>
+                    <a:pt x="1291" y="98"/>
+                  </a:lnTo>
+                  <a:lnTo>
+                    <a:pt x="1194" y="25"/>
+                  </a:lnTo>
+                  <a:lnTo>
+                    <a:pt x="1096" y="0"/>
+                  </a:lnTo>
+                  <a:lnTo>
+                    <a:pt x="999" y="0"/>
+                  </a:lnTo>
+                  <a:lnTo>
+                    <a:pt x="999" y="0"/>
+                  </a:lnTo>
+                  <a:lnTo>
+                    <a:pt x="902" y="0"/>
+                  </a:lnTo>
+                  <a:lnTo>
+                    <a:pt x="780" y="25"/>
+                  </a:lnTo>
+                  <a:lnTo>
+                    <a:pt x="682" y="98"/>
+                  </a:lnTo>
+                  <a:lnTo>
+                    <a:pt x="609" y="147"/>
+                  </a:lnTo>
+                  <a:lnTo>
+                    <a:pt x="609" y="147"/>
+                  </a:lnTo>
+                  <a:lnTo>
+                    <a:pt x="487" y="293"/>
+                  </a:lnTo>
+                  <a:lnTo>
+                    <a:pt x="366" y="439"/>
+                  </a:lnTo>
+                  <a:lnTo>
+                    <a:pt x="293" y="585"/>
+                  </a:lnTo>
+                  <a:lnTo>
+                    <a:pt x="195" y="731"/>
+                  </a:lnTo>
+                  <a:lnTo>
+                    <a:pt x="73" y="1048"/>
+                  </a:lnTo>
+                  <a:lnTo>
+                    <a:pt x="0" y="1389"/>
+                  </a:lnTo>
+                  <a:lnTo>
+                    <a:pt x="0" y="1730"/>
+                  </a:lnTo>
+                  <a:lnTo>
+                    <a:pt x="25" y="2046"/>
+                  </a:lnTo>
+                  <a:lnTo>
+                    <a:pt x="122" y="2387"/>
+                  </a:lnTo>
+                  <a:lnTo>
+                    <a:pt x="268" y="2704"/>
+                  </a:lnTo>
+                  <a:lnTo>
+                    <a:pt x="268" y="2704"/>
+                  </a:lnTo>
+                  <a:close/>
+                </a:path>
+              </a:pathLst>
+            </a:custGeom>
+            <a:noFill/>
+            <a:ln w="9525" cap="rnd" cmpd="sng">
+              <a:solidFill>
+                <a:srgbClr val="000000"/>
+              </a:solidFill>
+              <a:prstDash val="solid"/>
+              <a:round/>
+              <a:headEnd type="none" w="sm" len="sm"/>
+              <a:tailEnd type="none" w="sm" len="sm"/>
+            </a:ln>
+          </p:spPr>
+          <p:txBody>
+            <a:bodyPr spcFirstLastPara="1" wrap="square" lIns="91425" tIns="91425" rIns="91425" bIns="91425" anchor="ctr" anchorCtr="0">
+              <a:noAutofit/>
+            </a:bodyPr>
+            <a:lstStyle/>
+            <a:p>
+              <a:pPr marL="0" lvl="0" indent="0">
+                <a:spcBef>
+                  <a:spcPts val="0"/>
+                </a:spcBef>
+                <a:spcAft>
+                  <a:spcPts val="0"/>
+                </a:spcAft>
+                <a:buNone/>
+              </a:pPr>
+              <a:endParaRPr/>
+            </a:p>
+          </p:txBody>
+        </p:sp>
+        <p:sp>
+          <p:nvSpPr>
+            <p:cNvPr id="129" name="Shape 129"/>
+            <p:cNvSpPr/>
+            <p:nvPr/>
+          </p:nvSpPr>
+          <p:spPr>
+            <a:xfrm>
+              <a:off x="2662850" y="1699400"/>
+              <a:ext cx="303250" cy="303250"/>
+            </a:xfrm>
+            <a:custGeom>
+              <a:avLst/>
+              <a:gdLst/>
+              <a:ahLst/>
+              <a:cxnLst/>
+              <a:rect l="0" t="0" r="0" b="0"/>
+              <a:pathLst>
+                <a:path w="12130" h="12130" fill="none" extrusionOk="0">
+                  <a:moveTo>
+                    <a:pt x="8038" y="1"/>
+                  </a:moveTo>
+                  <a:lnTo>
+                    <a:pt x="4872" y="3191"/>
+                  </a:lnTo>
+                  <a:lnTo>
+                    <a:pt x="4872" y="3191"/>
+                  </a:lnTo>
+                  <a:lnTo>
+                    <a:pt x="4628" y="3094"/>
+                  </a:lnTo>
+                  <a:lnTo>
+                    <a:pt x="4385" y="2997"/>
+                  </a:lnTo>
+                  <a:lnTo>
+                    <a:pt x="4092" y="2899"/>
+                  </a:lnTo>
+                  <a:lnTo>
+                    <a:pt x="3800" y="2850"/>
+                  </a:lnTo>
+                  <a:lnTo>
+                    <a:pt x="3484" y="2777"/>
+                  </a:lnTo>
+                  <a:lnTo>
+                    <a:pt x="3167" y="2729"/>
+                  </a:lnTo>
+                  <a:lnTo>
+                    <a:pt x="2850" y="2704"/>
+                  </a:lnTo>
+                  <a:lnTo>
+                    <a:pt x="2534" y="2704"/>
+                  </a:lnTo>
+                  <a:lnTo>
+                    <a:pt x="2534" y="2704"/>
+                  </a:lnTo>
+                  <a:lnTo>
+                    <a:pt x="2241" y="2704"/>
+                  </a:lnTo>
+                  <a:lnTo>
+                    <a:pt x="1949" y="2729"/>
+                  </a:lnTo>
+                  <a:lnTo>
+                    <a:pt x="1633" y="2777"/>
+                  </a:lnTo>
+                  <a:lnTo>
+                    <a:pt x="1316" y="2850"/>
+                  </a:lnTo>
+                  <a:lnTo>
+                    <a:pt x="999" y="2972"/>
+                  </a:lnTo>
+                  <a:lnTo>
+                    <a:pt x="707" y="3094"/>
+                  </a:lnTo>
+                  <a:lnTo>
+                    <a:pt x="415" y="3289"/>
+                  </a:lnTo>
+                  <a:lnTo>
+                    <a:pt x="147" y="3508"/>
+                  </a:lnTo>
+                  <a:lnTo>
+                    <a:pt x="147" y="3508"/>
+                  </a:lnTo>
+                  <a:lnTo>
+                    <a:pt x="74" y="3581"/>
+                  </a:lnTo>
+                  <a:lnTo>
+                    <a:pt x="25" y="3678"/>
+                  </a:lnTo>
+                  <a:lnTo>
+                    <a:pt x="1" y="3776"/>
+                  </a:lnTo>
+                  <a:lnTo>
+                    <a:pt x="1" y="3898"/>
+                  </a:lnTo>
+                  <a:lnTo>
+                    <a:pt x="1" y="3898"/>
+                  </a:lnTo>
+                  <a:lnTo>
+                    <a:pt x="1" y="3995"/>
+                  </a:lnTo>
+                  <a:lnTo>
+                    <a:pt x="25" y="4093"/>
+                  </a:lnTo>
+                  <a:lnTo>
+                    <a:pt x="74" y="4190"/>
+                  </a:lnTo>
+                  <a:lnTo>
+                    <a:pt x="147" y="4287"/>
+                  </a:lnTo>
+                  <a:lnTo>
+                    <a:pt x="7843" y="11984"/>
+                  </a:lnTo>
+                  <a:lnTo>
+                    <a:pt x="7843" y="11984"/>
+                  </a:lnTo>
+                  <a:lnTo>
+                    <a:pt x="7941" y="12057"/>
+                  </a:lnTo>
+                  <a:lnTo>
+                    <a:pt x="8038" y="12105"/>
+                  </a:lnTo>
+                  <a:lnTo>
+                    <a:pt x="8135" y="12130"/>
+                  </a:lnTo>
+                  <a:lnTo>
+                    <a:pt x="8233" y="12130"/>
+                  </a:lnTo>
+                  <a:lnTo>
+                    <a:pt x="8233" y="12130"/>
+                  </a:lnTo>
+                  <a:lnTo>
+                    <a:pt x="8355" y="12130"/>
+                  </a:lnTo>
+                  <a:lnTo>
+                    <a:pt x="8452" y="12105"/>
+                  </a:lnTo>
+                  <a:lnTo>
+                    <a:pt x="8549" y="12057"/>
+                  </a:lnTo>
+                  <a:lnTo>
+                    <a:pt x="8622" y="11984"/>
+                  </a:lnTo>
+                  <a:lnTo>
+                    <a:pt x="8622" y="11984"/>
+                  </a:lnTo>
+                  <a:lnTo>
+                    <a:pt x="8842" y="11716"/>
+                  </a:lnTo>
+                  <a:lnTo>
+                    <a:pt x="9036" y="11423"/>
+                  </a:lnTo>
+                  <a:lnTo>
+                    <a:pt x="9158" y="11131"/>
+                  </a:lnTo>
+                  <a:lnTo>
+                    <a:pt x="9280" y="10814"/>
+                  </a:lnTo>
+                  <a:lnTo>
+                    <a:pt x="9353" y="10498"/>
+                  </a:lnTo>
+                  <a:lnTo>
+                    <a:pt x="9402" y="10181"/>
+                  </a:lnTo>
+                  <a:lnTo>
+                    <a:pt x="9426" y="9889"/>
+                  </a:lnTo>
+                  <a:lnTo>
+                    <a:pt x="9426" y="9597"/>
+                  </a:lnTo>
+                  <a:lnTo>
+                    <a:pt x="9426" y="9597"/>
+                  </a:lnTo>
+                  <a:lnTo>
+                    <a:pt x="9426" y="9280"/>
+                  </a:lnTo>
+                  <a:lnTo>
+                    <a:pt x="9402" y="8964"/>
+                  </a:lnTo>
+                  <a:lnTo>
+                    <a:pt x="9353" y="8647"/>
+                  </a:lnTo>
+                  <a:lnTo>
+                    <a:pt x="9280" y="8330"/>
+                  </a:lnTo>
+                  <a:lnTo>
+                    <a:pt x="9231" y="8038"/>
+                  </a:lnTo>
+                  <a:lnTo>
+                    <a:pt x="9134" y="7746"/>
+                  </a:lnTo>
+                  <a:lnTo>
+                    <a:pt x="9036" y="7502"/>
+                  </a:lnTo>
+                  <a:lnTo>
+                    <a:pt x="8939" y="7259"/>
+                  </a:lnTo>
+                  <a:lnTo>
+                    <a:pt x="12130" y="4093"/>
+                  </a:lnTo>
+                </a:path>
+              </a:pathLst>
+            </a:custGeom>
+            <a:noFill/>
+            <a:ln w="9525" cap="rnd" cmpd="sng">
+              <a:solidFill>
+                <a:srgbClr val="000000"/>
+              </a:solidFill>
+              <a:prstDash val="solid"/>
+              <a:round/>
+              <a:headEnd type="none" w="sm" len="sm"/>
+              <a:tailEnd type="none" w="sm" len="sm"/>
+            </a:ln>
+          </p:spPr>
+          <p:txBody>
+            <a:bodyPr spcFirstLastPara="1" wrap="square" lIns="91425" tIns="91425" rIns="91425" bIns="91425" anchor="ctr" anchorCtr="0">
+              <a:noAutofit/>
+            </a:bodyPr>
+            <a:lstStyle/>
+            <a:p>
+              <a:pPr marL="0" lvl="0" indent="0">
+                <a:spcBef>
+                  <a:spcPts val="0"/>
+                </a:spcBef>
+                <a:spcAft>
+                  <a:spcPts val="0"/>
+                </a:spcAft>
+                <a:buNone/>
+              </a:pPr>
+              <a:endParaRPr/>
+            </a:p>
+          </p:txBody>
+        </p:sp>
+        <p:sp>
+          <p:nvSpPr>
+            <p:cNvPr id="130" name="Shape 130"/>
+            <p:cNvSpPr/>
+            <p:nvPr/>
+          </p:nvSpPr>
+          <p:spPr>
+            <a:xfrm>
+              <a:off x="2814912" y="1754062"/>
+              <a:ext cx="49950" cy="49950"/>
+            </a:xfrm>
+            <a:custGeom>
+              <a:avLst/>
+              <a:gdLst/>
+              <a:ahLst/>
+              <a:cxnLst/>
+              <a:rect l="0" t="0" r="0" b="0"/>
+              <a:pathLst>
+                <a:path w="1998" h="1998" fill="none" extrusionOk="0">
+                  <a:moveTo>
+                    <a:pt x="1" y="1997"/>
+                  </a:moveTo>
+                  <a:lnTo>
+                    <a:pt x="1998" y="0"/>
+                  </a:lnTo>
+                </a:path>
+              </a:pathLst>
+            </a:custGeom>
+            <a:noFill/>
+            <a:ln w="9525" cap="rnd" cmpd="sng">
+              <a:solidFill>
+                <a:srgbClr val="000000"/>
+              </a:solidFill>
+              <a:prstDash val="solid"/>
+              <a:round/>
+              <a:headEnd type="none" w="sm" len="sm"/>
+              <a:tailEnd type="none" w="sm" len="sm"/>
+            </a:ln>
+          </p:spPr>
+          <p:txBody>
+            <a:bodyPr spcFirstLastPara="1" wrap="square" lIns="91425" tIns="91425" rIns="91425" bIns="91425" anchor="ctr" anchorCtr="0">
+              <a:noAutofit/>
+            </a:bodyPr>
+            <a:lstStyle/>
+            <a:p>
+              <a:pPr marL="0" lvl="0" indent="0">
+                <a:spcBef>
+                  <a:spcPts val="0"/>
+                </a:spcBef>
+                <a:spcAft>
+                  <a:spcPts val="0"/>
+                </a:spcAft>
+                <a:buNone/>
+              </a:pPr>
+              <a:endParaRPr/>
+            </a:p>
+          </p:txBody>
+        </p:sp>
+      </p:grpSp>
+      <p:sp>
+        <p:nvSpPr>
+          <p:cNvPr id="131" name="Shape 131"/>
+          <p:cNvSpPr txBox="1">
+            <a:spLocks noGrp="1"/>
+          </p:cNvSpPr>
+          <p:nvPr>
+            <p:ph type="sldNum" idx="12"/>
+          </p:nvPr>
+        </p:nvSpPr>
+        <p:spPr>
+          <a:xfrm>
+            <a:off x="8543227" y="4749851"/>
+            <a:ext cx="548700" cy="393600"/>
+          </a:xfrm>
+          <a:prstGeom prst="rect">
+            <a:avLst/>
+          </a:prstGeom>
+        </p:spPr>
+        <p:txBody>
+          <a:bodyPr spcFirstLastPara="1" wrap="square" lIns="91425" tIns="91425" rIns="91425" bIns="91425" anchor="t" anchorCtr="0">
+            <a:noAutofit/>
+          </a:bodyPr>
+          <a:lstStyle/>
+          <a:p>
+            <a:pPr marL="0" lvl="0" indent="0">
+              <a:spcBef>
+                <a:spcPts val="0"/>
+              </a:spcBef>
+              <a:spcAft>
+                <a:spcPts val="0"/>
+              </a:spcAft>
+              <a:buNone/>
+            </a:pPr>
+            <a:fld id="{00000000-1234-1234-1234-123412341234}" type="slidenum">
+              <a:rPr lang="en"/>
+              <a:t>3</a:t>
+            </a:fld>
+            <a:endParaRPr/>
+          </a:p>
+        </p:txBody>
+      </p:sp>
+    </p:spTree>
+    <p:extLst>
+      <p:ext uri="{BB962C8B-B14F-4D97-AF65-F5344CB8AC3E}">
+        <p14:creationId xmlns:p14="http://schemas.microsoft.com/office/powerpoint/2010/main" val="3409099267"/>
+      </p:ext>
+    </p:extLst>
+  </p:cSld>
+  <p:clrMapOvr>
+    <a:masterClrMapping/>
+  </p:clrMapOvr>
+</p:sld>
+</file>
+
+<file path=ppt/slides/slide30.xml><?xml version="1.0" encoding="utf-8"?>
 <p:sld xmlns:a="http://schemas.openxmlformats.org/drawingml/2006/main" xmlns:r="http://schemas.openxmlformats.org/officeDocument/2006/relationships" xmlns:p="http://schemas.openxmlformats.org/presentationml/2006/main">
   <p:cSld>
     <p:spTree>
@@ -18152,7 +19913,7 @@
             </a:pPr>
             <a:fld id="{00000000-1234-1234-1234-123412341234}" type="slidenum">
               <a:rPr lang="en"/>
-              <a:t>29</a:t>
+              <a:t>30</a:t>
             </a:fld>
             <a:endParaRPr/>
           </a:p>
@@ -18232,176 +19993,7 @@
 </p:sld>
 </file>
 
-<file path=ppt/slides/slide3.xml><?xml version="1.0" encoding="utf-8"?>
-<p:sld xmlns:a="http://schemas.openxmlformats.org/drawingml/2006/main" xmlns:r="http://schemas.openxmlformats.org/officeDocument/2006/relationships" xmlns:p="http://schemas.openxmlformats.org/presentationml/2006/main">
-  <p:cSld>
-    <p:spTree>
-      <p:nvGrpSpPr>
-        <p:cNvPr id="1" name="Shape 109"/>
-        <p:cNvGrpSpPr/>
-        <p:nvPr/>
-      </p:nvGrpSpPr>
-      <p:grpSpPr>
-        <a:xfrm>
-          <a:off x="0" y="0"/>
-          <a:ext cx="0" cy="0"/>
-          <a:chOff x="0" y="0"/>
-          <a:chExt cx="0" cy="0"/>
-        </a:xfrm>
-      </p:grpSpPr>
-      <p:sp>
-        <p:nvSpPr>
-          <p:cNvPr id="110" name="Shape 110"/>
-          <p:cNvSpPr txBox="1">
-            <a:spLocks noGrp="1"/>
-          </p:cNvSpPr>
-          <p:nvPr>
-            <p:ph type="ctrTitle"/>
-          </p:nvPr>
-        </p:nvSpPr>
-        <p:spPr>
-          <a:xfrm>
-            <a:off x="2022225" y="1693523"/>
-            <a:ext cx="3787800" cy="1159800"/>
-          </a:xfrm>
-          <a:prstGeom prst="rect">
-            <a:avLst/>
-          </a:prstGeom>
-        </p:spPr>
-        <p:txBody>
-          <a:bodyPr spcFirstLastPara="1" wrap="square" lIns="91425" tIns="91425" rIns="91425" bIns="91425" anchor="b" anchorCtr="0">
-            <a:noAutofit/>
-          </a:bodyPr>
-          <a:lstStyle/>
-          <a:p>
-            <a:pPr marL="0" lvl="0" indent="0" rtl="0">
-              <a:spcBef>
-                <a:spcPts val="0"/>
-              </a:spcBef>
-              <a:spcAft>
-                <a:spcPts val="0"/>
-              </a:spcAft>
-              <a:buNone/>
-            </a:pPr>
-            <a:r>
-              <a:rPr lang="en" dirty="0"/>
-              <a:t>Introduction</a:t>
-            </a:r>
-            <a:endParaRPr dirty="0"/>
-          </a:p>
-        </p:txBody>
-      </p:sp>
-      <p:sp>
-        <p:nvSpPr>
-          <p:cNvPr id="112" name="Shape 112"/>
-          <p:cNvSpPr txBox="1"/>
-          <p:nvPr/>
-        </p:nvSpPr>
-        <p:spPr>
-          <a:xfrm>
-            <a:off x="1133975" y="2291150"/>
-            <a:ext cx="543900" cy="562200"/>
-          </a:xfrm>
-          <a:prstGeom prst="rect">
-            <a:avLst/>
-          </a:prstGeom>
-          <a:noFill/>
-          <a:ln>
-            <a:noFill/>
-          </a:ln>
-        </p:spPr>
-        <p:txBody>
-          <a:bodyPr spcFirstLastPara="1" wrap="square" lIns="91425" tIns="91425" rIns="91425" bIns="91425" anchor="ctr" anchorCtr="0">
-            <a:noAutofit/>
-          </a:bodyPr>
-          <a:lstStyle/>
-          <a:p>
-            <a:pPr marL="0" lvl="0" indent="0" algn="ctr">
-              <a:spcBef>
-                <a:spcPts val="0"/>
-              </a:spcBef>
-              <a:spcAft>
-                <a:spcPts val="0"/>
-              </a:spcAft>
-              <a:buNone/>
-            </a:pPr>
-            <a:r>
-              <a:rPr lang="en" sz="2400">
-                <a:solidFill>
-                  <a:schemeClr val="dk1"/>
-                </a:solidFill>
-                <a:latin typeface="Lora"/>
-                <a:ea typeface="Lora"/>
-                <a:cs typeface="Lora"/>
-                <a:sym typeface="Lora"/>
-              </a:rPr>
-              <a:t>1</a:t>
-            </a:r>
-            <a:endParaRPr sz="2400">
-              <a:latin typeface="Lora"/>
-              <a:ea typeface="Lora"/>
-              <a:cs typeface="Lora"/>
-              <a:sym typeface="Lora"/>
-            </a:endParaRPr>
-          </a:p>
-        </p:txBody>
-      </p:sp>
-      <p:sp>
-        <p:nvSpPr>
-          <p:cNvPr id="113" name="Shape 113"/>
-          <p:cNvSpPr txBox="1">
-            <a:spLocks noGrp="1"/>
-          </p:cNvSpPr>
-          <p:nvPr>
-            <p:ph type="sldNum" idx="12"/>
-          </p:nvPr>
-        </p:nvSpPr>
-        <p:spPr>
-          <a:xfrm>
-            <a:off x="8543227" y="4749851"/>
-            <a:ext cx="548700" cy="393600"/>
-          </a:xfrm>
-          <a:prstGeom prst="rect">
-            <a:avLst/>
-          </a:prstGeom>
-        </p:spPr>
-        <p:txBody>
-          <a:bodyPr spcFirstLastPara="1" wrap="square" lIns="91425" tIns="91425" rIns="91425" bIns="91425" anchor="t" anchorCtr="0">
-            <a:noAutofit/>
-          </a:bodyPr>
-          <a:lstStyle/>
-          <a:p>
-            <a:pPr marL="0" lvl="0" indent="0">
-              <a:spcBef>
-                <a:spcPts val="0"/>
-              </a:spcBef>
-              <a:spcAft>
-                <a:spcPts val="0"/>
-              </a:spcAft>
-              <a:buNone/>
-            </a:pPr>
-            <a:fld id="{00000000-1234-1234-1234-123412341234}" type="slidenum">
-              <a:rPr lang="en"/>
-              <a:t>3</a:t>
-            </a:fld>
-            <a:endParaRPr/>
-          </a:p>
-        </p:txBody>
-      </p:sp>
-    </p:spTree>
-    <p:extLst>
-      <p:ext uri="{BB962C8B-B14F-4D97-AF65-F5344CB8AC3E}">
-        <p14:creationId xmlns:p14="http://schemas.microsoft.com/office/powerpoint/2010/main" val="3347108432"/>
-      </p:ext>
-    </p:extLst>
-  </p:cSld>
-  <p:clrMapOvr>
-    <a:masterClrMapping/>
-  </p:clrMapOvr>
-</p:sld>
-</file>
-
-<file path=ppt/slides/slide30.xml><?xml version="1.0" encoding="utf-8"?>
+<file path=ppt/slides/slide31.xml><?xml version="1.0" encoding="utf-8"?>
 <p:sld xmlns:a="http://schemas.openxmlformats.org/drawingml/2006/main" xmlns:r="http://schemas.openxmlformats.org/officeDocument/2006/relationships" xmlns:p="http://schemas.openxmlformats.org/presentationml/2006/main">
   <p:cSld>
     <p:spTree>
@@ -18538,7 +20130,7 @@
             </a:pPr>
             <a:fld id="{00000000-1234-1234-1234-123412341234}" type="slidenum">
               <a:rPr lang="en"/>
-              <a:t>30</a:t>
+              <a:t>31</a:t>
             </a:fld>
             <a:endParaRPr/>
           </a:p>
@@ -18618,7 +20210,7 @@
 </p:sld>
 </file>
 
-<file path=ppt/slides/slide31.xml><?xml version="1.0" encoding="utf-8"?>
+<file path=ppt/slides/slide32.xml><?xml version="1.0" encoding="utf-8"?>
 <p:sld xmlns:a="http://schemas.openxmlformats.org/drawingml/2006/main" xmlns:r="http://schemas.openxmlformats.org/officeDocument/2006/relationships" xmlns:p="http://schemas.openxmlformats.org/presentationml/2006/main">
   <p:cSld>
     <p:spTree>
@@ -18704,7 +20296,7 @@
             </a:pPr>
             <a:fld id="{00000000-1234-1234-1234-123412341234}" type="slidenum">
               <a:rPr lang="en"/>
-              <a:t>31</a:t>
+              <a:t>32</a:t>
             </a:fld>
             <a:endParaRPr/>
           </a:p>
@@ -19209,7 +20801,7 @@
 </p:sld>
 </file>
 
-<file path=ppt/slides/slide32.xml><?xml version="1.0" encoding="utf-8"?>
+<file path=ppt/slides/slide33.xml><?xml version="1.0" encoding="utf-8"?>
 <p:sld xmlns:a="http://schemas.openxmlformats.org/drawingml/2006/main" xmlns:r="http://schemas.openxmlformats.org/officeDocument/2006/relationships" xmlns:p="http://schemas.openxmlformats.org/presentationml/2006/main">
   <p:cSld>
     <p:spTree>
@@ -20005,7 +21597,7 @@
             </a:pPr>
             <a:fld id="{00000000-1234-1234-1234-123412341234}" type="slidenum">
               <a:rPr lang="en"/>
-              <a:t>32</a:t>
+              <a:t>33</a:t>
             </a:fld>
             <a:endParaRPr/>
           </a:p>
@@ -20020,6 +21612,175 @@
 </file>
 
 <file path=ppt/slides/slide4.xml><?xml version="1.0" encoding="utf-8"?>
+<p:sld xmlns:a="http://schemas.openxmlformats.org/drawingml/2006/main" xmlns:r="http://schemas.openxmlformats.org/officeDocument/2006/relationships" xmlns:p="http://schemas.openxmlformats.org/presentationml/2006/main">
+  <p:cSld>
+    <p:spTree>
+      <p:nvGrpSpPr>
+        <p:cNvPr id="1" name="Shape 109"/>
+        <p:cNvGrpSpPr/>
+        <p:nvPr/>
+      </p:nvGrpSpPr>
+      <p:grpSpPr>
+        <a:xfrm>
+          <a:off x="0" y="0"/>
+          <a:ext cx="0" cy="0"/>
+          <a:chOff x="0" y="0"/>
+          <a:chExt cx="0" cy="0"/>
+        </a:xfrm>
+      </p:grpSpPr>
+      <p:sp>
+        <p:nvSpPr>
+          <p:cNvPr id="110" name="Shape 110"/>
+          <p:cNvSpPr txBox="1">
+            <a:spLocks noGrp="1"/>
+          </p:cNvSpPr>
+          <p:nvPr>
+            <p:ph type="ctrTitle"/>
+          </p:nvPr>
+        </p:nvSpPr>
+        <p:spPr>
+          <a:xfrm>
+            <a:off x="2022225" y="1693523"/>
+            <a:ext cx="3787800" cy="1159800"/>
+          </a:xfrm>
+          <a:prstGeom prst="rect">
+            <a:avLst/>
+          </a:prstGeom>
+        </p:spPr>
+        <p:txBody>
+          <a:bodyPr spcFirstLastPara="1" wrap="square" lIns="91425" tIns="91425" rIns="91425" bIns="91425" anchor="b" anchorCtr="0">
+            <a:noAutofit/>
+          </a:bodyPr>
+          <a:lstStyle/>
+          <a:p>
+            <a:pPr marL="0" lvl="0" indent="0" rtl="0">
+              <a:spcBef>
+                <a:spcPts val="0"/>
+              </a:spcBef>
+              <a:spcAft>
+                <a:spcPts val="0"/>
+              </a:spcAft>
+              <a:buNone/>
+            </a:pPr>
+            <a:r>
+              <a:rPr lang="en" dirty="0"/>
+              <a:t>Introduction</a:t>
+            </a:r>
+            <a:endParaRPr dirty="0"/>
+          </a:p>
+        </p:txBody>
+      </p:sp>
+      <p:sp>
+        <p:nvSpPr>
+          <p:cNvPr id="112" name="Shape 112"/>
+          <p:cNvSpPr txBox="1"/>
+          <p:nvPr/>
+        </p:nvSpPr>
+        <p:spPr>
+          <a:xfrm>
+            <a:off x="1133975" y="2291150"/>
+            <a:ext cx="543900" cy="562200"/>
+          </a:xfrm>
+          <a:prstGeom prst="rect">
+            <a:avLst/>
+          </a:prstGeom>
+          <a:noFill/>
+          <a:ln>
+            <a:noFill/>
+          </a:ln>
+        </p:spPr>
+        <p:txBody>
+          <a:bodyPr spcFirstLastPara="1" wrap="square" lIns="91425" tIns="91425" rIns="91425" bIns="91425" anchor="ctr" anchorCtr="0">
+            <a:noAutofit/>
+          </a:bodyPr>
+          <a:lstStyle/>
+          <a:p>
+            <a:pPr marL="0" lvl="0" indent="0" algn="ctr">
+              <a:spcBef>
+                <a:spcPts val="0"/>
+              </a:spcBef>
+              <a:spcAft>
+                <a:spcPts val="0"/>
+              </a:spcAft>
+              <a:buNone/>
+            </a:pPr>
+            <a:r>
+              <a:rPr lang="en" sz="2400">
+                <a:solidFill>
+                  <a:schemeClr val="dk1"/>
+                </a:solidFill>
+                <a:latin typeface="Lora"/>
+                <a:ea typeface="Lora"/>
+                <a:cs typeface="Lora"/>
+                <a:sym typeface="Lora"/>
+              </a:rPr>
+              <a:t>1</a:t>
+            </a:r>
+            <a:endParaRPr sz="2400">
+              <a:latin typeface="Lora"/>
+              <a:ea typeface="Lora"/>
+              <a:cs typeface="Lora"/>
+              <a:sym typeface="Lora"/>
+            </a:endParaRPr>
+          </a:p>
+        </p:txBody>
+      </p:sp>
+      <p:sp>
+        <p:nvSpPr>
+          <p:cNvPr id="113" name="Shape 113"/>
+          <p:cNvSpPr txBox="1">
+            <a:spLocks noGrp="1"/>
+          </p:cNvSpPr>
+          <p:nvPr>
+            <p:ph type="sldNum" idx="12"/>
+          </p:nvPr>
+        </p:nvSpPr>
+        <p:spPr>
+          <a:xfrm>
+            <a:off x="8543227" y="4749851"/>
+            <a:ext cx="548700" cy="393600"/>
+          </a:xfrm>
+          <a:prstGeom prst="rect">
+            <a:avLst/>
+          </a:prstGeom>
+        </p:spPr>
+        <p:txBody>
+          <a:bodyPr spcFirstLastPara="1" wrap="square" lIns="91425" tIns="91425" rIns="91425" bIns="91425" anchor="t" anchorCtr="0">
+            <a:noAutofit/>
+          </a:bodyPr>
+          <a:lstStyle/>
+          <a:p>
+            <a:pPr marL="0" lvl="0" indent="0">
+              <a:spcBef>
+                <a:spcPts val="0"/>
+              </a:spcBef>
+              <a:spcAft>
+                <a:spcPts val="0"/>
+              </a:spcAft>
+              <a:buNone/>
+            </a:pPr>
+            <a:fld id="{00000000-1234-1234-1234-123412341234}" type="slidenum">
+              <a:rPr lang="en"/>
+              <a:t>4</a:t>
+            </a:fld>
+            <a:endParaRPr/>
+          </a:p>
+        </p:txBody>
+      </p:sp>
+    </p:spTree>
+    <p:extLst>
+      <p:ext uri="{BB962C8B-B14F-4D97-AF65-F5344CB8AC3E}">
+        <p14:creationId xmlns:p14="http://schemas.microsoft.com/office/powerpoint/2010/main" val="3347108432"/>
+      </p:ext>
+    </p:extLst>
+  </p:cSld>
+  <p:clrMapOvr>
+    <a:masterClrMapping/>
+  </p:clrMapOvr>
+</p:sld>
+</file>
+
+<file path=ppt/slides/slide5.xml><?xml version="1.0" encoding="utf-8"?>
 <p:sld xmlns:a="http://schemas.openxmlformats.org/drawingml/2006/main" xmlns:r="http://schemas.openxmlformats.org/officeDocument/2006/relationships" xmlns:p="http://schemas.openxmlformats.org/presentationml/2006/main">
   <p:cSld>
     <p:spTree>
@@ -20096,7 +21857,7 @@
             </a:pPr>
             <a:fld id="{00000000-1234-1234-1234-123412341234}" type="slidenum">
               <a:rPr lang="en" smtClean="0"/>
-              <a:t>4</a:t>
+              <a:t>5</a:t>
             </a:fld>
             <a:endParaRPr lang="en"/>
           </a:p>
@@ -20745,7 +22506,7 @@
 </p:sld>
 </file>
 
-<file path=ppt/slides/slide5.xml><?xml version="1.0" encoding="utf-8"?>
+<file path=ppt/slides/slide6.xml><?xml version="1.0" encoding="utf-8"?>
 <p:sld xmlns:a="http://schemas.openxmlformats.org/drawingml/2006/main" xmlns:r="http://schemas.openxmlformats.org/officeDocument/2006/relationships" xmlns:p="http://schemas.openxmlformats.org/presentationml/2006/main">
   <p:cSld>
     <p:spTree>
@@ -20822,7 +22583,7 @@
             </a:pPr>
             <a:fld id="{00000000-1234-1234-1234-123412341234}" type="slidenum">
               <a:rPr lang="en" smtClean="0"/>
-              <a:t>5</a:t>
+              <a:t>6</a:t>
             </a:fld>
             <a:endParaRPr lang="en"/>
           </a:p>
@@ -21471,7 +23232,7 @@
 </p:sld>
 </file>
 
-<file path=ppt/slides/slide6.xml><?xml version="1.0" encoding="utf-8"?>
+<file path=ppt/slides/slide7.xml><?xml version="1.0" encoding="utf-8"?>
 <p:sld xmlns:a="http://schemas.openxmlformats.org/drawingml/2006/main" xmlns:r="http://schemas.openxmlformats.org/officeDocument/2006/relationships" xmlns:p="http://schemas.openxmlformats.org/presentationml/2006/main">
   <p:cSld>
     <p:spTree>
@@ -22332,7 +24093,7 @@
             </a:pPr>
             <a:fld id="{00000000-1234-1234-1234-123412341234}" type="slidenum">
               <a:rPr lang="en"/>
-              <a:t>6</a:t>
+              <a:t>7</a:t>
             </a:fld>
             <a:endParaRPr/>
           </a:p>
@@ -22351,7 +24112,7 @@
 </p:sld>
 </file>
 
-<file path=ppt/slides/slide7.xml><?xml version="1.0" encoding="utf-8"?>
+<file path=ppt/slides/slide8.xml><?xml version="1.0" encoding="utf-8"?>
 <p:sld xmlns:a="http://schemas.openxmlformats.org/drawingml/2006/main" xmlns:r="http://schemas.openxmlformats.org/officeDocument/2006/relationships" xmlns:p="http://schemas.openxmlformats.org/presentationml/2006/main">
   <p:cSld>
     <p:spTree>
@@ -22543,7 +24304,7 @@
             </a:pPr>
             <a:fld id="{00000000-1234-1234-1234-123412341234}" type="slidenum">
               <a:rPr lang="en"/>
-              <a:t>7</a:t>
+              <a:t>8</a:t>
             </a:fld>
             <a:endParaRPr/>
           </a:p>
@@ -23132,7 +24893,7 @@
 </p:sld>
 </file>
 
-<file path=ppt/slides/slide8.xml><?xml version="1.0" encoding="utf-8"?>
+<file path=ppt/slides/slide9.xml><?xml version="1.0" encoding="utf-8"?>
 <p:sld xmlns:a="http://schemas.openxmlformats.org/drawingml/2006/main" xmlns:r="http://schemas.openxmlformats.org/officeDocument/2006/relationships" xmlns:p="http://schemas.openxmlformats.org/presentationml/2006/main">
   <p:cSld>
     <p:spTree>
@@ -23263,7 +25024,7 @@
             </a:pPr>
             <a:fld id="{00000000-1234-1234-1234-123412341234}" type="slidenum">
               <a:rPr lang="en"/>
-              <a:t>8</a:t>
+              <a:t>9</a:t>
             </a:fld>
             <a:endParaRPr/>
           </a:p>
@@ -23843,158 +25604,6 @@
     <p:extLst>
       <p:ext uri="{BB962C8B-B14F-4D97-AF65-F5344CB8AC3E}">
         <p14:creationId xmlns:p14="http://schemas.microsoft.com/office/powerpoint/2010/main" val="4267706468"/>
-      </p:ext>
-    </p:extLst>
-  </p:cSld>
-  <p:clrMapOvr>
-    <a:masterClrMapping/>
-  </p:clrMapOvr>
-</p:sld>
-</file>
-
-<file path=ppt/slides/slide9.xml><?xml version="1.0" encoding="utf-8"?>
-<p:sld xmlns:a="http://schemas.openxmlformats.org/drawingml/2006/main" xmlns:r="http://schemas.openxmlformats.org/officeDocument/2006/relationships" xmlns:p="http://schemas.openxmlformats.org/presentationml/2006/main">
-  <p:cSld>
-    <p:spTree>
-      <p:nvGrpSpPr>
-        <p:cNvPr id="1" name="Shape 109"/>
-        <p:cNvGrpSpPr/>
-        <p:nvPr/>
-      </p:nvGrpSpPr>
-      <p:grpSpPr>
-        <a:xfrm>
-          <a:off x="0" y="0"/>
-          <a:ext cx="0" cy="0"/>
-          <a:chOff x="0" y="0"/>
-          <a:chExt cx="0" cy="0"/>
-        </a:xfrm>
-      </p:grpSpPr>
-      <p:sp>
-        <p:nvSpPr>
-          <p:cNvPr id="110" name="Shape 110"/>
-          <p:cNvSpPr txBox="1">
-            <a:spLocks noGrp="1"/>
-          </p:cNvSpPr>
-          <p:nvPr>
-            <p:ph type="ctrTitle"/>
-          </p:nvPr>
-        </p:nvSpPr>
-        <p:spPr>
-          <a:prstGeom prst="rect">
-            <a:avLst/>
-          </a:prstGeom>
-        </p:spPr>
-        <p:txBody>
-          <a:bodyPr spcFirstLastPara="1" wrap="square" lIns="91425" tIns="91425" rIns="91425" bIns="91425" anchor="b" anchorCtr="0">
-            <a:noAutofit/>
-          </a:bodyPr>
-          <a:lstStyle/>
-          <a:p>
-            <a:r>
-              <a:rPr lang="en-US" dirty="0"/>
-              <a:t>Proposed Method</a:t>
-            </a:r>
-            <a:endParaRPr dirty="0"/>
-          </a:p>
-        </p:txBody>
-      </p:sp>
-      <p:sp>
-        <p:nvSpPr>
-          <p:cNvPr id="113" name="Shape 113"/>
-          <p:cNvSpPr txBox="1">
-            <a:spLocks noGrp="1"/>
-          </p:cNvSpPr>
-          <p:nvPr>
-            <p:ph type="sldNum" idx="12"/>
-          </p:nvPr>
-        </p:nvSpPr>
-        <p:spPr>
-          <a:prstGeom prst="rect">
-            <a:avLst/>
-          </a:prstGeom>
-        </p:spPr>
-        <p:txBody>
-          <a:bodyPr spcFirstLastPara="1" wrap="square" lIns="91425" tIns="91425" rIns="91425" bIns="91425" anchor="t" anchorCtr="0">
-            <a:noAutofit/>
-          </a:bodyPr>
-          <a:lstStyle/>
-          <a:p>
-            <a:pPr marL="0" lvl="0" indent="0">
-              <a:spcBef>
-                <a:spcPts val="0"/>
-              </a:spcBef>
-              <a:spcAft>
-                <a:spcPts val="0"/>
-              </a:spcAft>
-              <a:buNone/>
-            </a:pPr>
-            <a:fld id="{00000000-1234-1234-1234-123412341234}" type="slidenum">
-              <a:rPr lang="en"/>
-              <a:t>9</a:t>
-            </a:fld>
-            <a:endParaRPr/>
-          </a:p>
-        </p:txBody>
-      </p:sp>
-      <p:sp>
-        <p:nvSpPr>
-          <p:cNvPr id="112" name="Shape 112"/>
-          <p:cNvSpPr txBox="1"/>
-          <p:nvPr/>
-        </p:nvSpPr>
-        <p:spPr>
-          <a:xfrm>
-            <a:off x="1133975" y="2291150"/>
-            <a:ext cx="543900" cy="562200"/>
-          </a:xfrm>
-          <a:prstGeom prst="rect">
-            <a:avLst/>
-          </a:prstGeom>
-          <a:noFill/>
-          <a:ln>
-            <a:noFill/>
-          </a:ln>
-        </p:spPr>
-        <p:txBody>
-          <a:bodyPr spcFirstLastPara="1" wrap="square" lIns="91425" tIns="91425" rIns="91425" bIns="91425" anchor="ctr" anchorCtr="0">
-            <a:noAutofit/>
-          </a:bodyPr>
-          <a:lstStyle/>
-          <a:p>
-            <a:pPr marL="0" lvl="0" indent="0" algn="ctr">
-              <a:spcBef>
-                <a:spcPts val="0"/>
-              </a:spcBef>
-              <a:spcAft>
-                <a:spcPts val="0"/>
-              </a:spcAft>
-              <a:buNone/>
-            </a:pPr>
-            <a:r>
-              <a:rPr lang="en" sz="2400" dirty="0">
-                <a:solidFill>
-                  <a:schemeClr val="dk1"/>
-                </a:solidFill>
-                <a:latin typeface="Lora"/>
-                <a:ea typeface="Lora"/>
-                <a:cs typeface="Lora"/>
-                <a:sym typeface="Lora"/>
-              </a:rPr>
-              <a:t>2</a:t>
-            </a:r>
-            <a:endParaRPr sz="2400" dirty="0">
-              <a:latin typeface="Lora"/>
-              <a:ea typeface="Lora"/>
-              <a:cs typeface="Lora"/>
-              <a:sym typeface="Lora"/>
-            </a:endParaRPr>
-          </a:p>
-        </p:txBody>
-      </p:sp>
-    </p:spTree>
-    <p:extLst>
-      <p:ext uri="{BB962C8B-B14F-4D97-AF65-F5344CB8AC3E}">
-        <p14:creationId xmlns:p14="http://schemas.microsoft.com/office/powerpoint/2010/main" val="4220687838"/>
       </p:ext>
     </p:extLst>
   </p:cSld>
